--- a/Design Documents/Systems.pptx
+++ b/Design Documents/Systems.pptx
@@ -2,13 +2,13 @@
 <file path=ppt/presentation.xml><?xml version="1.0" encoding="utf-8"?>
 <p:presentation xmlns:a="http://schemas.openxmlformats.org/drawingml/2006/main" xmlns:r="http://schemas.openxmlformats.org/officeDocument/2006/relationships" xmlns:p="http://schemas.openxmlformats.org/presentationml/2006/main" saveSubsetFonts="1" autoCompressPictures="0">
   <p:sldMasterIdLst>
-    <p:sldMasterId id="2147483696" r:id="rId1"/>
+    <p:sldMasterId id="2147483708" r:id="rId1"/>
   </p:sldMasterIdLst>
   <p:sldIdLst>
     <p:sldId id="256" r:id="rId2"/>
     <p:sldId id="257" r:id="rId3"/>
   </p:sldIdLst>
-  <p:sldSz cx="25199975" cy="8999538"/>
+  <p:sldSz cx="35999738" cy="8999538"/>
   <p:notesSz cx="6858000" cy="9144000"/>
   <p:defaultTextStyle>
     <a:defPPr>
@@ -137,8 +137,8 @@
         </p:nvSpPr>
         <p:spPr>
           <a:xfrm>
-            <a:off x="3149997" y="1472842"/>
-            <a:ext cx="18899981" cy="3133172"/>
+            <a:off x="4499967" y="1472842"/>
+            <a:ext cx="26999804" cy="3133172"/>
           </a:xfrm>
         </p:spPr>
         <p:txBody>
@@ -169,8 +169,8 @@
         </p:nvSpPr>
         <p:spPr>
           <a:xfrm>
-            <a:off x="3149997" y="4726842"/>
-            <a:ext cx="18899981" cy="2172804"/>
+            <a:off x="4499967" y="4726842"/>
+            <a:ext cx="26999804" cy="2172804"/>
           </a:xfrm>
         </p:spPr>
         <p:txBody>
@@ -290,7 +290,7 @@
     </p:spTree>
     <p:extLst>
       <p:ext uri="{BB962C8B-B14F-4D97-AF65-F5344CB8AC3E}">
-        <p14:creationId xmlns:p14="http://schemas.microsoft.com/office/powerpoint/2010/main" val="3322818628"/>
+        <p14:creationId xmlns:p14="http://schemas.microsoft.com/office/powerpoint/2010/main" val="1153079456"/>
       </p:ext>
     </p:extLst>
   </p:cSld>
@@ -460,7 +460,7 @@
     </p:spTree>
     <p:extLst>
       <p:ext uri="{BB962C8B-B14F-4D97-AF65-F5344CB8AC3E}">
-        <p14:creationId xmlns:p14="http://schemas.microsoft.com/office/powerpoint/2010/main" val="83575213"/>
+        <p14:creationId xmlns:p14="http://schemas.microsoft.com/office/powerpoint/2010/main" val="3245441566"/>
       </p:ext>
     </p:extLst>
   </p:cSld>
@@ -499,8 +499,8 @@
         </p:nvSpPr>
         <p:spPr>
           <a:xfrm>
-            <a:off x="18033732" y="479142"/>
-            <a:ext cx="5433745" cy="7626692"/>
+            <a:off x="25762312" y="479142"/>
+            <a:ext cx="7762444" cy="7626692"/>
           </a:xfrm>
         </p:spPr>
         <p:txBody>
@@ -527,8 +527,8 @@
         </p:nvSpPr>
         <p:spPr>
           <a:xfrm>
-            <a:off x="1732498" y="479142"/>
-            <a:ext cx="15986234" cy="7626692"/>
+            <a:off x="2474982" y="479142"/>
+            <a:ext cx="22837334" cy="7626692"/>
           </a:xfrm>
         </p:spPr>
         <p:txBody>
@@ -640,7 +640,7 @@
     </p:spTree>
     <p:extLst>
       <p:ext uri="{BB962C8B-B14F-4D97-AF65-F5344CB8AC3E}">
-        <p14:creationId xmlns:p14="http://schemas.microsoft.com/office/powerpoint/2010/main" val="1155751323"/>
+        <p14:creationId xmlns:p14="http://schemas.microsoft.com/office/powerpoint/2010/main" val="282784664"/>
       </p:ext>
     </p:extLst>
   </p:cSld>
@@ -810,7 +810,7 @@
     </p:spTree>
     <p:extLst>
       <p:ext uri="{BB962C8B-B14F-4D97-AF65-F5344CB8AC3E}">
-        <p14:creationId xmlns:p14="http://schemas.microsoft.com/office/powerpoint/2010/main" val="2525196910"/>
+        <p14:creationId xmlns:p14="http://schemas.microsoft.com/office/powerpoint/2010/main" val="2534668952"/>
       </p:ext>
     </p:extLst>
   </p:cSld>
@@ -849,8 +849,8 @@
         </p:nvSpPr>
         <p:spPr>
           <a:xfrm>
-            <a:off x="1719374" y="2243636"/>
-            <a:ext cx="21734978" cy="3743557"/>
+            <a:off x="2456232" y="2243636"/>
+            <a:ext cx="31049774" cy="3743557"/>
           </a:xfrm>
         </p:spPr>
         <p:txBody>
@@ -881,8 +881,8 @@
         </p:nvSpPr>
         <p:spPr>
           <a:xfrm>
-            <a:off x="1719374" y="6022609"/>
-            <a:ext cx="21734978" cy="1968648"/>
+            <a:off x="2456232" y="6022609"/>
+            <a:ext cx="31049774" cy="1968648"/>
           </a:xfrm>
         </p:spPr>
         <p:txBody>
@@ -1056,7 +1056,7 @@
     </p:spTree>
     <p:extLst>
       <p:ext uri="{BB962C8B-B14F-4D97-AF65-F5344CB8AC3E}">
-        <p14:creationId xmlns:p14="http://schemas.microsoft.com/office/powerpoint/2010/main" val="2056680761"/>
+        <p14:creationId xmlns:p14="http://schemas.microsoft.com/office/powerpoint/2010/main" val="34923791"/>
       </p:ext>
     </p:extLst>
   </p:cSld>
@@ -1118,8 +1118,8 @@
         </p:nvSpPr>
         <p:spPr>
           <a:xfrm>
-            <a:off x="1732498" y="2395710"/>
-            <a:ext cx="10709989" cy="5710124"/>
+            <a:off x="2474982" y="2395710"/>
+            <a:ext cx="15299889" cy="5710124"/>
           </a:xfrm>
         </p:spPr>
         <p:txBody>
@@ -1175,8 +1175,8 @@
         </p:nvSpPr>
         <p:spPr>
           <a:xfrm>
-            <a:off x="12757488" y="2395710"/>
-            <a:ext cx="10709989" cy="5710124"/>
+            <a:off x="18224867" y="2395710"/>
+            <a:ext cx="15299889" cy="5710124"/>
           </a:xfrm>
         </p:spPr>
         <p:txBody>
@@ -1288,7 +1288,7 @@
     </p:spTree>
     <p:extLst>
       <p:ext uri="{BB962C8B-B14F-4D97-AF65-F5344CB8AC3E}">
-        <p14:creationId xmlns:p14="http://schemas.microsoft.com/office/powerpoint/2010/main" val="2136444947"/>
+        <p14:creationId xmlns:p14="http://schemas.microsoft.com/office/powerpoint/2010/main" val="1435549588"/>
       </p:ext>
     </p:extLst>
   </p:cSld>
@@ -1327,8 +1327,8 @@
         </p:nvSpPr>
         <p:spPr>
           <a:xfrm>
-            <a:off x="1735781" y="479143"/>
-            <a:ext cx="21734978" cy="1739495"/>
+            <a:off x="2479671" y="479143"/>
+            <a:ext cx="31049774" cy="1739495"/>
           </a:xfrm>
         </p:spPr>
         <p:txBody>
@@ -1355,8 +1355,8 @@
         </p:nvSpPr>
         <p:spPr>
           <a:xfrm>
-            <a:off x="1735781" y="2206137"/>
-            <a:ext cx="10660770" cy="1081194"/>
+            <a:off x="2479672" y="2206137"/>
+            <a:ext cx="15229575" cy="1081194"/>
           </a:xfrm>
         </p:spPr>
         <p:txBody>
@@ -1420,8 +1420,8 @@
         </p:nvSpPr>
         <p:spPr>
           <a:xfrm>
-            <a:off x="1735781" y="3287331"/>
-            <a:ext cx="10660770" cy="4835169"/>
+            <a:off x="2479672" y="3287331"/>
+            <a:ext cx="15229575" cy="4835169"/>
           </a:xfrm>
         </p:spPr>
         <p:txBody>
@@ -1477,8 +1477,8 @@
         </p:nvSpPr>
         <p:spPr>
           <a:xfrm>
-            <a:off x="12757487" y="2206137"/>
-            <a:ext cx="10713272" cy="1081194"/>
+            <a:off x="18224867" y="2206137"/>
+            <a:ext cx="15304578" cy="1081194"/>
           </a:xfrm>
         </p:spPr>
         <p:txBody>
@@ -1542,8 +1542,8 @@
         </p:nvSpPr>
         <p:spPr>
           <a:xfrm>
-            <a:off x="12757487" y="3287331"/>
-            <a:ext cx="10713272" cy="4835169"/>
+            <a:off x="18224867" y="3287331"/>
+            <a:ext cx="15304578" cy="4835169"/>
           </a:xfrm>
         </p:spPr>
         <p:txBody>
@@ -1655,7 +1655,7 @@
     </p:spTree>
     <p:extLst>
       <p:ext uri="{BB962C8B-B14F-4D97-AF65-F5344CB8AC3E}">
-        <p14:creationId xmlns:p14="http://schemas.microsoft.com/office/powerpoint/2010/main" val="1067639610"/>
+        <p14:creationId xmlns:p14="http://schemas.microsoft.com/office/powerpoint/2010/main" val="3571616559"/>
       </p:ext>
     </p:extLst>
   </p:cSld>
@@ -1773,7 +1773,7 @@
     </p:spTree>
     <p:extLst>
       <p:ext uri="{BB962C8B-B14F-4D97-AF65-F5344CB8AC3E}">
-        <p14:creationId xmlns:p14="http://schemas.microsoft.com/office/powerpoint/2010/main" val="3333365870"/>
+        <p14:creationId xmlns:p14="http://schemas.microsoft.com/office/powerpoint/2010/main" val="747726800"/>
       </p:ext>
     </p:extLst>
   </p:cSld>
@@ -1868,7 +1868,7 @@
     </p:spTree>
     <p:extLst>
       <p:ext uri="{BB962C8B-B14F-4D97-AF65-F5344CB8AC3E}">
-        <p14:creationId xmlns:p14="http://schemas.microsoft.com/office/powerpoint/2010/main" val="2719142678"/>
+        <p14:creationId xmlns:p14="http://schemas.microsoft.com/office/powerpoint/2010/main" val="336310868"/>
       </p:ext>
     </p:extLst>
   </p:cSld>
@@ -1907,8 +1907,8 @@
         </p:nvSpPr>
         <p:spPr>
           <a:xfrm>
-            <a:off x="1735782" y="599969"/>
-            <a:ext cx="8127647" cy="2099892"/>
+            <a:off x="2479672" y="599969"/>
+            <a:ext cx="11610852" cy="2099892"/>
           </a:xfrm>
         </p:spPr>
         <p:txBody>
@@ -1939,8 +1939,8 @@
         </p:nvSpPr>
         <p:spPr>
           <a:xfrm>
-            <a:off x="10713272" y="1295767"/>
-            <a:ext cx="12757487" cy="6395505"/>
+            <a:off x="15304578" y="1295767"/>
+            <a:ext cx="18224867" cy="6395505"/>
           </a:xfrm>
         </p:spPr>
         <p:txBody>
@@ -2024,8 +2024,8 @@
         </p:nvSpPr>
         <p:spPr>
           <a:xfrm>
-            <a:off x="1735782" y="2699862"/>
-            <a:ext cx="8127647" cy="5001827"/>
+            <a:off x="2479672" y="2699862"/>
+            <a:ext cx="11610852" cy="5001827"/>
           </a:xfrm>
         </p:spPr>
         <p:txBody>
@@ -2145,7 +2145,7 @@
     </p:spTree>
     <p:extLst>
       <p:ext uri="{BB962C8B-B14F-4D97-AF65-F5344CB8AC3E}">
-        <p14:creationId xmlns:p14="http://schemas.microsoft.com/office/powerpoint/2010/main" val="2276535872"/>
+        <p14:creationId xmlns:p14="http://schemas.microsoft.com/office/powerpoint/2010/main" val="3369031217"/>
       </p:ext>
     </p:extLst>
   </p:cSld>
@@ -2184,8 +2184,8 @@
         </p:nvSpPr>
         <p:spPr>
           <a:xfrm>
-            <a:off x="1735782" y="599969"/>
-            <a:ext cx="8127647" cy="2099892"/>
+            <a:off x="2479672" y="599969"/>
+            <a:ext cx="11610852" cy="2099892"/>
           </a:xfrm>
         </p:spPr>
         <p:txBody>
@@ -2216,8 +2216,8 @@
         </p:nvSpPr>
         <p:spPr>
           <a:xfrm>
-            <a:off x="10713272" y="1295767"/>
-            <a:ext cx="12757487" cy="6395505"/>
+            <a:off x="15304578" y="1295767"/>
+            <a:ext cx="18224867" cy="6395505"/>
           </a:xfrm>
         </p:spPr>
         <p:txBody>
@@ -2281,8 +2281,8 @@
         </p:nvSpPr>
         <p:spPr>
           <a:xfrm>
-            <a:off x="1735782" y="2699862"/>
-            <a:ext cx="8127647" cy="5001827"/>
+            <a:off x="2479672" y="2699862"/>
+            <a:ext cx="11610852" cy="5001827"/>
           </a:xfrm>
         </p:spPr>
         <p:txBody>
@@ -2402,7 +2402,7 @@
     </p:spTree>
     <p:extLst>
       <p:ext uri="{BB962C8B-B14F-4D97-AF65-F5344CB8AC3E}">
-        <p14:creationId xmlns:p14="http://schemas.microsoft.com/office/powerpoint/2010/main" val="2499483346"/>
+        <p14:creationId xmlns:p14="http://schemas.microsoft.com/office/powerpoint/2010/main" val="1513687982"/>
       </p:ext>
     </p:extLst>
   </p:cSld>
@@ -2446,8 +2446,8 @@
         </p:nvSpPr>
         <p:spPr>
           <a:xfrm>
-            <a:off x="1732499" y="479143"/>
-            <a:ext cx="21734978" cy="1739495"/>
+            <a:off x="2474982" y="479143"/>
+            <a:ext cx="31049774" cy="1739495"/>
           </a:xfrm>
           <a:prstGeom prst="rect">
             <a:avLst/>
@@ -2479,8 +2479,8 @@
         </p:nvSpPr>
         <p:spPr>
           <a:xfrm>
-            <a:off x="1732499" y="2395710"/>
-            <a:ext cx="21734978" cy="5710124"/>
+            <a:off x="2474982" y="2395710"/>
+            <a:ext cx="31049774" cy="5710124"/>
           </a:xfrm>
           <a:prstGeom prst="rect">
             <a:avLst/>
@@ -2541,8 +2541,8 @@
         </p:nvSpPr>
         <p:spPr>
           <a:xfrm>
-            <a:off x="1732498" y="8341239"/>
-            <a:ext cx="5669994" cy="479142"/>
+            <a:off x="2474982" y="8341239"/>
+            <a:ext cx="8099941" cy="479142"/>
           </a:xfrm>
           <a:prstGeom prst="rect">
             <a:avLst/>
@@ -2582,8 +2582,8 @@
         </p:nvSpPr>
         <p:spPr>
           <a:xfrm>
-            <a:off x="8347492" y="8341239"/>
-            <a:ext cx="8504992" cy="479142"/>
+            <a:off x="11924913" y="8341239"/>
+            <a:ext cx="12149912" cy="479142"/>
           </a:xfrm>
           <a:prstGeom prst="rect">
             <a:avLst/>
@@ -2619,8 +2619,8 @@
         </p:nvSpPr>
         <p:spPr>
           <a:xfrm>
-            <a:off x="17797483" y="8341239"/>
-            <a:ext cx="5669994" cy="479142"/>
+            <a:off x="25424815" y="8341239"/>
+            <a:ext cx="8099941" cy="479142"/>
           </a:xfrm>
           <a:prstGeom prst="rect">
             <a:avLst/>
@@ -2651,23 +2651,23 @@
     </p:spTree>
     <p:extLst>
       <p:ext uri="{BB962C8B-B14F-4D97-AF65-F5344CB8AC3E}">
-        <p14:creationId xmlns:p14="http://schemas.microsoft.com/office/powerpoint/2010/main" val="3812849210"/>
+        <p14:creationId xmlns:p14="http://schemas.microsoft.com/office/powerpoint/2010/main" val="3030091464"/>
       </p:ext>
     </p:extLst>
   </p:cSld>
   <p:clrMap bg1="lt1" tx1="dk1" bg2="lt2" tx2="dk2" accent1="accent1" accent2="accent2" accent3="accent3" accent4="accent4" accent5="accent5" accent6="accent6" hlink="hlink" folHlink="folHlink"/>
   <p:sldLayoutIdLst>
-    <p:sldLayoutId id="2147483697" r:id="rId1"/>
-    <p:sldLayoutId id="2147483698" r:id="rId2"/>
-    <p:sldLayoutId id="2147483699" r:id="rId3"/>
-    <p:sldLayoutId id="2147483700" r:id="rId4"/>
-    <p:sldLayoutId id="2147483701" r:id="rId5"/>
-    <p:sldLayoutId id="2147483702" r:id="rId6"/>
-    <p:sldLayoutId id="2147483703" r:id="rId7"/>
-    <p:sldLayoutId id="2147483704" r:id="rId8"/>
-    <p:sldLayoutId id="2147483705" r:id="rId9"/>
-    <p:sldLayoutId id="2147483706" r:id="rId10"/>
-    <p:sldLayoutId id="2147483707" r:id="rId11"/>
+    <p:sldLayoutId id="2147483709" r:id="rId1"/>
+    <p:sldLayoutId id="2147483710" r:id="rId2"/>
+    <p:sldLayoutId id="2147483711" r:id="rId3"/>
+    <p:sldLayoutId id="2147483712" r:id="rId4"/>
+    <p:sldLayoutId id="2147483713" r:id="rId5"/>
+    <p:sldLayoutId id="2147483714" r:id="rId6"/>
+    <p:sldLayoutId id="2147483715" r:id="rId7"/>
+    <p:sldLayoutId id="2147483716" r:id="rId8"/>
+    <p:sldLayoutId id="2147483717" r:id="rId9"/>
+    <p:sldLayoutId id="2147483718" r:id="rId10"/>
+    <p:sldLayoutId id="2147483719" r:id="rId11"/>
   </p:sldLayoutIdLst>
   <p:txStyles>
     <p:titleStyle>
@@ -2982,6 +2982,92 @@
       </p:grpSpPr>
       <p:cxnSp>
         <p:nvCxnSpPr>
+          <p:cNvPr id="1067" name="Curved Connector 1066">
+            <a:extLst>
+              <a:ext uri="{FF2B5EF4-FFF2-40B4-BE49-F238E27FC236}">
+                <a16:creationId xmlns:a16="http://schemas.microsoft.com/office/drawing/2014/main" id="{B0923D78-3EB7-3AFB-EDDB-B46A3B122D09}"/>
+              </a:ext>
+            </a:extLst>
+          </p:cNvPr>
+          <p:cNvCxnSpPr>
+            <a:cxnSpLocks/>
+            <a:stCxn id="962" idx="2"/>
+            <a:endCxn id="1066" idx="0"/>
+          </p:cNvCxnSpPr>
+          <p:nvPr/>
+        </p:nvCxnSpPr>
+        <p:spPr>
+          <a:xfrm rot="5400000">
+            <a:off x="23845522" y="2831469"/>
+            <a:ext cx="803512" cy="780955"/>
+          </a:xfrm>
+          <a:prstGeom prst="curvedConnector3">
+            <a:avLst>
+              <a:gd name="adj1" fmla="val 50000"/>
+            </a:avLst>
+          </a:prstGeom>
+          <a:ln w="19050"/>
+        </p:spPr>
+        <p:style>
+          <a:lnRef idx="1">
+            <a:schemeClr val="accent1"/>
+          </a:lnRef>
+          <a:fillRef idx="0">
+            <a:schemeClr val="accent1"/>
+          </a:fillRef>
+          <a:effectRef idx="0">
+            <a:schemeClr val="accent1"/>
+          </a:effectRef>
+          <a:fontRef idx="minor">
+            <a:schemeClr val="tx1"/>
+          </a:fontRef>
+        </p:style>
+      </p:cxnSp>
+      <p:cxnSp>
+        <p:nvCxnSpPr>
+          <p:cNvPr id="1072" name="Curved Connector 1071">
+            <a:extLst>
+              <a:ext uri="{FF2B5EF4-FFF2-40B4-BE49-F238E27FC236}">
+                <a16:creationId xmlns:a16="http://schemas.microsoft.com/office/drawing/2014/main" id="{399C421E-7164-4587-DC15-07D70CB5D14F}"/>
+              </a:ext>
+            </a:extLst>
+          </p:cNvPr>
+          <p:cNvCxnSpPr>
+            <a:cxnSpLocks/>
+            <a:stCxn id="962" idx="2"/>
+            <a:endCxn id="1071" idx="0"/>
+          </p:cNvCxnSpPr>
+          <p:nvPr/>
+        </p:nvCxnSpPr>
+        <p:spPr>
+          <a:xfrm rot="16200000" flipH="1">
+            <a:off x="24819890" y="2638054"/>
+            <a:ext cx="974176" cy="1338447"/>
+          </a:xfrm>
+          <a:prstGeom prst="curvedConnector3">
+            <a:avLst>
+              <a:gd name="adj1" fmla="val 50000"/>
+            </a:avLst>
+          </a:prstGeom>
+          <a:ln w="19050"/>
+        </p:spPr>
+        <p:style>
+          <a:lnRef idx="1">
+            <a:schemeClr val="accent1"/>
+          </a:lnRef>
+          <a:fillRef idx="0">
+            <a:schemeClr val="accent1"/>
+          </a:fillRef>
+          <a:effectRef idx="0">
+            <a:schemeClr val="accent1"/>
+          </a:effectRef>
+          <a:fontRef idx="minor">
+            <a:schemeClr val="tx1"/>
+          </a:fontRef>
+        </p:style>
+      </p:cxnSp>
+      <p:cxnSp>
+        <p:nvCxnSpPr>
           <p:cNvPr id="623" name="Curved Connector 622">
             <a:extLst>
               <a:ext uri="{FF2B5EF4-FFF2-40B4-BE49-F238E27FC236}">
@@ -2998,8 +3084,8 @@
         </p:nvCxnSpPr>
         <p:spPr>
           <a:xfrm rot="5400000" flipH="1" flipV="1">
-            <a:off x="9196403" y="3299276"/>
-            <a:ext cx="421901" cy="362802"/>
+            <a:off x="7662376" y="1539089"/>
+            <a:ext cx="495166" cy="480655"/>
           </a:xfrm>
           <a:prstGeom prst="curvedConnector3">
             <a:avLst>
@@ -3041,8 +3127,8 @@
         </p:nvCxnSpPr>
         <p:spPr>
           <a:xfrm rot="5400000">
-            <a:off x="5408496" y="6754300"/>
-            <a:ext cx="572674" cy="817942"/>
+            <a:off x="5264518" y="7234182"/>
+            <a:ext cx="840341" cy="1238979"/>
           </a:xfrm>
           <a:prstGeom prst="curvedConnector3">
             <a:avLst>
@@ -3084,8 +3170,8 @@
         </p:nvCxnSpPr>
         <p:spPr>
           <a:xfrm rot="16200000" flipH="1">
-            <a:off x="6624709" y="6356029"/>
-            <a:ext cx="560598" cy="1602408"/>
+            <a:off x="6509878" y="7227799"/>
+            <a:ext cx="851321" cy="1262723"/>
           </a:xfrm>
           <a:prstGeom prst="curvedConnector3">
             <a:avLst>
@@ -3127,8 +3213,8 @@
         </p:nvCxnSpPr>
         <p:spPr>
           <a:xfrm rot="16200000" flipH="1">
-            <a:off x="6498947" y="3956828"/>
-            <a:ext cx="1284616" cy="393157"/>
+            <a:off x="5866191" y="5848474"/>
+            <a:ext cx="874634" cy="1336"/>
           </a:xfrm>
           <a:prstGeom prst="curvedConnector3">
             <a:avLst>
@@ -3163,15 +3249,15 @@
           </p:cNvPr>
           <p:cNvCxnSpPr>
             <a:cxnSpLocks/>
-            <a:stCxn id="88" idx="2"/>
+            <a:stCxn id="75" idx="2"/>
             <a:endCxn id="259" idx="0"/>
           </p:cNvCxnSpPr>
           <p:nvPr/>
         </p:nvCxnSpPr>
         <p:spPr>
           <a:xfrm rot="16200000" flipH="1">
-            <a:off x="5398984" y="3431064"/>
-            <a:ext cx="464426" cy="242049"/>
+            <a:off x="3711367" y="3936420"/>
+            <a:ext cx="1146499" cy="715081"/>
           </a:xfrm>
           <a:prstGeom prst="curvedConnector3">
             <a:avLst>
@@ -3206,15 +3292,15 @@
           </p:cNvPr>
           <p:cNvCxnSpPr>
             <a:cxnSpLocks/>
-            <a:stCxn id="88" idx="2"/>
+            <a:stCxn id="75" idx="2"/>
             <a:endCxn id="216" idx="0"/>
           </p:cNvCxnSpPr>
           <p:nvPr/>
         </p:nvCxnSpPr>
         <p:spPr>
           <a:xfrm rot="5400000">
-            <a:off x="4838640" y="3031995"/>
-            <a:ext cx="383652" cy="959415"/>
+            <a:off x="1825651" y="2801561"/>
+            <a:ext cx="1182275" cy="3020577"/>
           </a:xfrm>
           <a:prstGeom prst="curvedConnector3">
             <a:avLst>
@@ -3249,15 +3335,15 @@
           </p:cNvPr>
           <p:cNvCxnSpPr>
             <a:cxnSpLocks/>
-            <a:stCxn id="88" idx="2"/>
+            <a:stCxn id="75" idx="2"/>
             <a:endCxn id="96" idx="0"/>
           </p:cNvCxnSpPr>
           <p:nvPr/>
         </p:nvCxnSpPr>
         <p:spPr>
           <a:xfrm rot="5400000">
-            <a:off x="4806920" y="3583061"/>
-            <a:ext cx="966441" cy="440068"/>
+            <a:off x="2979602" y="4046076"/>
+            <a:ext cx="1272839" cy="622111"/>
           </a:xfrm>
           <a:prstGeom prst="curvedConnector3">
             <a:avLst>
@@ -3292,18 +3378,20 @@
           </p:cNvPr>
           <p:cNvCxnSpPr>
             <a:cxnSpLocks/>
-            <a:stCxn id="88" idx="1"/>
+            <a:stCxn id="75" idx="2"/>
             <a:endCxn id="87" idx="0"/>
           </p:cNvCxnSpPr>
           <p:nvPr/>
         </p:nvCxnSpPr>
         <p:spPr>
-          <a:xfrm rot="10800000" flipV="1">
-            <a:off x="4342469" y="3110738"/>
-            <a:ext cx="644920" cy="57414"/>
-          </a:xfrm>
-          <a:prstGeom prst="curvedConnector2">
-            <a:avLst/>
+          <a:xfrm rot="5400000">
+            <a:off x="2084622" y="2358752"/>
+            <a:ext cx="480495" cy="3204415"/>
+          </a:xfrm>
+          <a:prstGeom prst="curvedConnector3">
+            <a:avLst>
+              <a:gd name="adj1" fmla="val 50000"/>
+            </a:avLst>
           </a:prstGeom>
           <a:ln w="19050"/>
         </p:spPr>
@@ -3340,8 +3428,8 @@
         </p:nvCxnSpPr>
         <p:spPr>
           <a:xfrm rot="16200000" flipV="1">
-            <a:off x="7288297" y="3167479"/>
-            <a:ext cx="667356" cy="1354595"/>
+            <a:off x="6784752" y="4929914"/>
+            <a:ext cx="553089" cy="1516912"/>
           </a:xfrm>
           <a:prstGeom prst="curvedConnector3">
             <a:avLst>
@@ -3379,7 +3467,7 @@
         </p:nvSpPr>
         <p:spPr>
           <a:xfrm>
-            <a:off x="6275754" y="684015"/>
+            <a:off x="3944894" y="864637"/>
             <a:ext cx="1045567" cy="418274"/>
           </a:xfrm>
           <a:prstGeom prst="roundRect">
@@ -3434,10 +3522,10 @@
       </p:sp>
       <p:sp>
         <p:nvSpPr>
-          <p:cNvPr id="6" name="Rounded Rectangle 5">
-            <a:extLst>
-              <a:ext uri="{FF2B5EF4-FFF2-40B4-BE49-F238E27FC236}">
-                <a16:creationId xmlns:a16="http://schemas.microsoft.com/office/drawing/2014/main" id="{FADD16D1-B97C-925D-67B8-56B1BEF5EC13}"/>
+          <p:cNvPr id="14" name="Rounded Rectangle 13">
+            <a:extLst>
+              <a:ext uri="{FF2B5EF4-FFF2-40B4-BE49-F238E27FC236}">
+                <a16:creationId xmlns:a16="http://schemas.microsoft.com/office/drawing/2014/main" id="{7309EAB4-F394-190B-FC89-1BF147D73484}"/>
               </a:ext>
             </a:extLst>
           </p:cNvPr>
@@ -3446,112 +3534,7 @@
         </p:nvSpPr>
         <p:spPr>
           <a:xfrm>
-            <a:off x="4467180" y="1254643"/>
-            <a:ext cx="1045567" cy="418274"/>
-          </a:xfrm>
-          <a:prstGeom prst="roundRect">
-            <a:avLst/>
-          </a:prstGeom>
-          <a:solidFill>
-            <a:srgbClr val="F1E5B0"/>
-          </a:solidFill>
-          <a:ln>
-            <a:noFill/>
-          </a:ln>
-        </p:spPr>
-        <p:style>
-          <a:lnRef idx="2">
-            <a:schemeClr val="accent1">
-              <a:shade val="15000"/>
-            </a:schemeClr>
-          </a:lnRef>
-          <a:fillRef idx="1">
-            <a:schemeClr val="accent1"/>
-          </a:fillRef>
-          <a:effectRef idx="0">
-            <a:schemeClr val="accent1"/>
-          </a:effectRef>
-          <a:fontRef idx="minor">
-            <a:schemeClr val="lt1"/>
-          </a:fontRef>
-        </p:style>
-        <p:txBody>
-          <a:bodyPr rtlCol="0" anchor="ctr"/>
-          <a:lstStyle/>
-          <a:p>
-            <a:pPr algn="ctr"/>
-            <a:r>
-              <a:rPr lang="en-CH" sz="1100" dirty="0">
-                <a:solidFill>
-                  <a:schemeClr val="accent5">
-                    <a:lumMod val="50000"/>
-                  </a:schemeClr>
-                </a:solidFill>
-                <a:latin typeface="Baloo 2" panose="03080502040302020200" pitchFamily="66" charset="77"/>
-                <a:ea typeface="Palatino" pitchFamily="2" charset="77"/>
-                <a:cs typeface="Baloo 2" panose="03080502040302020200" pitchFamily="66" charset="77"/>
-              </a:rPr>
-              <a:t>CHARACTER CONTROLLER</a:t>
-            </a:r>
-          </a:p>
-        </p:txBody>
-      </p:sp>
-      <p:cxnSp>
-        <p:nvCxnSpPr>
-          <p:cNvPr id="11" name="Curved Connector 10">
-            <a:extLst>
-              <a:ext uri="{FF2B5EF4-FFF2-40B4-BE49-F238E27FC236}">
-                <a16:creationId xmlns:a16="http://schemas.microsoft.com/office/drawing/2014/main" id="{C00C7225-427B-5267-FBAC-71E831AA1EA4}"/>
-              </a:ext>
-            </a:extLst>
-          </p:cNvPr>
-          <p:cNvCxnSpPr>
-            <a:cxnSpLocks/>
-            <a:stCxn id="5" idx="1"/>
-            <a:endCxn id="6" idx="0"/>
-          </p:cNvCxnSpPr>
-          <p:nvPr/>
-        </p:nvCxnSpPr>
-        <p:spPr>
-          <a:xfrm rot="10800000" flipV="1">
-            <a:off x="4989963" y="893152"/>
-            <a:ext cx="1285790" cy="361491"/>
-          </a:xfrm>
-          <a:prstGeom prst="curvedConnector2">
-            <a:avLst/>
-          </a:prstGeom>
-          <a:ln w="19050"/>
-        </p:spPr>
-        <p:style>
-          <a:lnRef idx="1">
-            <a:schemeClr val="accent1"/>
-          </a:lnRef>
-          <a:fillRef idx="0">
-            <a:schemeClr val="accent1"/>
-          </a:fillRef>
-          <a:effectRef idx="0">
-            <a:schemeClr val="accent1"/>
-          </a:effectRef>
-          <a:fontRef idx="minor">
-            <a:schemeClr val="tx1"/>
-          </a:fontRef>
-        </p:style>
-      </p:cxnSp>
-      <p:sp>
-        <p:nvSpPr>
-          <p:cNvPr id="14" name="Rounded Rectangle 13">
-            <a:extLst>
-              <a:ext uri="{FF2B5EF4-FFF2-40B4-BE49-F238E27FC236}">
-                <a16:creationId xmlns:a16="http://schemas.microsoft.com/office/drawing/2014/main" id="{7309EAB4-F394-190B-FC89-1BF147D73484}"/>
-              </a:ext>
-            </a:extLst>
-          </p:cNvPr>
-          <p:cNvSpPr/>
-          <p:nvPr/>
-        </p:nvSpPr>
-        <p:spPr>
-          <a:xfrm>
-            <a:off x="7694655" y="3222543"/>
+            <a:off x="5155389" y="3000631"/>
             <a:ext cx="1045567" cy="418274"/>
           </a:xfrm>
           <a:prstGeom prst="roundRect">
@@ -3563,8 +3546,10 @@
               <a:lumOff val="60000"/>
             </a:schemeClr>
           </a:solidFill>
-          <a:ln>
-            <a:noFill/>
+          <a:ln w="38100">
+            <a:solidFill>
+              <a:srgbClr val="C00000"/>
+            </a:solidFill>
           </a:ln>
         </p:spPr>
         <p:style>
@@ -3615,15 +3600,15 @@
           </p:cNvPr>
           <p:cNvCxnSpPr>
             <a:cxnSpLocks/>
-            <a:stCxn id="6" idx="2"/>
+            <a:stCxn id="5" idx="2"/>
             <a:endCxn id="13" idx="0"/>
           </p:cNvCxnSpPr>
           <p:nvPr/>
         </p:nvCxnSpPr>
         <p:spPr>
           <a:xfrm rot="5400000">
-            <a:off x="4489603" y="1352089"/>
-            <a:ext cx="179533" cy="821191"/>
+            <a:off x="2063848" y="2435"/>
+            <a:ext cx="1123354" cy="3684306"/>
           </a:xfrm>
           <a:prstGeom prst="curvedConnector3">
             <a:avLst>
@@ -3658,18 +3643,20 @@
           </p:cNvPr>
           <p:cNvCxnSpPr>
             <a:cxnSpLocks/>
-            <a:stCxn id="5" idx="3"/>
-            <a:endCxn id="20" idx="0"/>
+            <a:stCxn id="5" idx="2"/>
+            <a:endCxn id="428" idx="0"/>
           </p:cNvCxnSpPr>
           <p:nvPr/>
         </p:nvCxnSpPr>
         <p:spPr>
-          <a:xfrm>
-            <a:off x="7321321" y="893153"/>
-            <a:ext cx="1541829" cy="800233"/>
-          </a:xfrm>
-          <a:prstGeom prst="curvedConnector2">
-            <a:avLst/>
+          <a:xfrm rot="16200000" flipH="1">
+            <a:off x="4826700" y="923888"/>
+            <a:ext cx="928059" cy="1646103"/>
+          </a:xfrm>
+          <a:prstGeom prst="curvedConnector3">
+            <a:avLst>
+              <a:gd name="adj1" fmla="val 50000"/>
+            </a:avLst>
           </a:prstGeom>
           <a:ln w="19050"/>
         </p:spPr>
@@ -3706,8 +3693,8 @@
         </p:nvCxnSpPr>
         <p:spPr>
           <a:xfrm rot="5400000">
-            <a:off x="8064312" y="3051763"/>
-            <a:ext cx="323907" cy="17652"/>
+            <a:off x="5710284" y="2597133"/>
+            <a:ext cx="371387" cy="435608"/>
           </a:xfrm>
           <a:prstGeom prst="curvedConnector3">
             <a:avLst>
@@ -3745,7 +3732,7 @@
         </p:nvSpPr>
         <p:spPr>
           <a:xfrm>
-            <a:off x="11140064" y="1130231"/>
+            <a:off x="12140935" y="1259643"/>
             <a:ext cx="1045567" cy="418274"/>
           </a:xfrm>
           <a:prstGeom prst="roundRect">
@@ -3812,7 +3799,7 @@
         </p:nvSpPr>
         <p:spPr>
           <a:xfrm>
-            <a:off x="10284047" y="2391049"/>
+            <a:off x="11429324" y="2207107"/>
             <a:ext cx="1045567" cy="418274"/>
           </a:xfrm>
           <a:prstGeom prst="roundRect">
@@ -3824,8 +3811,10 @@
               <a:lumOff val="60000"/>
             </a:schemeClr>
           </a:solidFill>
-          <a:ln>
-            <a:noFill/>
+          <a:ln w="38100">
+            <a:solidFill>
+              <a:srgbClr val="C00000"/>
+            </a:solidFill>
           </a:ln>
         </p:spPr>
         <p:style>
@@ -3879,7 +3868,7 @@
         </p:nvSpPr>
         <p:spPr>
           <a:xfrm>
-            <a:off x="15483348" y="1271754"/>
+            <a:off x="32407468" y="1133776"/>
             <a:ext cx="1045567" cy="418274"/>
           </a:xfrm>
           <a:prstGeom prst="roundRect">
@@ -3950,8 +3939,8 @@
         </p:nvCxnSpPr>
         <p:spPr>
           <a:xfrm rot="5400000">
-            <a:off x="15569797" y="1515911"/>
-            <a:ext cx="262216" cy="610453"/>
+            <a:off x="32453139" y="1853607"/>
+            <a:ext cx="778671" cy="175557"/>
           </a:xfrm>
           <a:prstGeom prst="curvedConnector3">
             <a:avLst>
@@ -3989,7 +3978,7 @@
         </p:nvSpPr>
         <p:spPr>
           <a:xfrm>
-            <a:off x="14872895" y="1952244"/>
+            <a:off x="32231911" y="2330721"/>
             <a:ext cx="1045567" cy="418274"/>
           </a:xfrm>
           <a:prstGeom prst="roundRect">
@@ -4053,7 +4042,7 @@
         </p:nvSpPr>
         <p:spPr>
           <a:xfrm>
-            <a:off x="16868040" y="2141557"/>
+            <a:off x="34139193" y="2330720"/>
             <a:ext cx="1045567" cy="418274"/>
           </a:xfrm>
           <a:prstGeom prst="roundRect">
@@ -4098,7 +4087,7 @@
                 <a:ea typeface="Palatino" pitchFamily="2" charset="77"/>
                 <a:cs typeface="Baloo 2" panose="03080502040302020200" pitchFamily="66" charset="77"/>
               </a:rPr>
-              <a:t>AMBIANT LIGHTS</a:t>
+              <a:t>GLOBAL LIGHTS</a:t>
             </a:r>
           </a:p>
         </p:txBody>
@@ -4121,8 +4110,8 @@
         </p:nvCxnSpPr>
         <p:spPr>
           <a:xfrm rot="16200000" flipH="1">
-            <a:off x="16472714" y="1223446"/>
-            <a:ext cx="451529" cy="1384692"/>
+            <a:off x="33406779" y="1075522"/>
+            <a:ext cx="778670" cy="1731725"/>
           </a:xfrm>
           <a:prstGeom prst="curvedConnector3">
             <a:avLst>
@@ -4164,8 +4153,8 @@
         </p:nvCxnSpPr>
         <p:spPr>
           <a:xfrm rot="5400000">
-            <a:off x="14942273" y="2070701"/>
-            <a:ext cx="153588" cy="753222"/>
+            <a:off x="32104215" y="2460673"/>
+            <a:ext cx="362159" cy="938802"/>
           </a:xfrm>
           <a:prstGeom prst="curvedConnector3">
             <a:avLst>
@@ -4203,7 +4192,7 @@
         </p:nvSpPr>
         <p:spPr>
           <a:xfrm>
-            <a:off x="15334057" y="2600186"/>
+            <a:off x="32732252" y="3137469"/>
             <a:ext cx="1045567" cy="418274"/>
           </a:xfrm>
           <a:prstGeom prst="roundRect">
@@ -4215,8 +4204,10 @@
               <a:lumOff val="60000"/>
             </a:schemeClr>
           </a:solidFill>
-          <a:ln>
-            <a:noFill/>
+          <a:ln w="38100">
+            <a:solidFill>
+              <a:srgbClr val="00B050"/>
+            </a:solidFill>
           </a:ln>
         </p:spPr>
         <p:style>
@@ -4274,8 +4265,8 @@
         </p:nvCxnSpPr>
         <p:spPr>
           <a:xfrm rot="16200000" flipH="1">
-            <a:off x="15511425" y="2254771"/>
-            <a:ext cx="229668" cy="461162"/>
+            <a:off x="32810628" y="2693061"/>
+            <a:ext cx="388474" cy="500341"/>
           </a:xfrm>
           <a:prstGeom prst="curvedConnector3">
             <a:avLst>
@@ -4313,7 +4304,7 @@
         </p:nvSpPr>
         <p:spPr>
           <a:xfrm>
-            <a:off x="17086041" y="2858449"/>
+            <a:off x="34465529" y="3146849"/>
             <a:ext cx="1045567" cy="418274"/>
           </a:xfrm>
           <a:prstGeom prst="roundRect">
@@ -4325,8 +4316,10 @@
               <a:lumOff val="60000"/>
             </a:schemeClr>
           </a:solidFill>
-          <a:ln>
-            <a:noFill/>
+          <a:ln w="38100">
+            <a:solidFill>
+              <a:srgbClr val="C00000"/>
+            </a:solidFill>
           </a:ln>
         </p:spPr>
         <p:style>
@@ -4361,7 +4354,7 @@
                 <a:ea typeface="Palatino" pitchFamily="2" charset="77"/>
                 <a:cs typeface="Baloo 2" panose="03080502040302020200" pitchFamily="66" charset="77"/>
               </a:rPr>
-              <a:t>AMBIANT LIGHTS</a:t>
+              <a:t>GLOBAL LIGHTS</a:t>
             </a:r>
           </a:p>
         </p:txBody>
@@ -4384,8 +4377,8 @@
         </p:nvCxnSpPr>
         <p:spPr>
           <a:xfrm rot="16200000" flipH="1">
-            <a:off x="17350514" y="2600140"/>
-            <a:ext cx="298618" cy="218001"/>
+            <a:off x="34626218" y="2784753"/>
+            <a:ext cx="397855" cy="326336"/>
           </a:xfrm>
           <a:prstGeom prst="curvedConnector3">
             <a:avLst>
@@ -4421,14 +4414,14 @@
           <p:cNvCxnSpPr>
             <a:cxnSpLocks/>
             <a:stCxn id="31" idx="2"/>
-            <a:endCxn id="60" idx="0"/>
+            <a:endCxn id="32" idx="0"/>
           </p:cNvCxnSpPr>
           <p:nvPr/>
         </p:nvCxnSpPr>
         <p:spPr>
           <a:xfrm rot="5400000">
-            <a:off x="11162731" y="1242992"/>
-            <a:ext cx="194602" cy="805631"/>
+            <a:off x="12043319" y="1586707"/>
+            <a:ext cx="529190" cy="711611"/>
           </a:xfrm>
           <a:prstGeom prst="curvedConnector3">
             <a:avLst>
@@ -4454,10 +4447,10 @@
       </p:cxnSp>
       <p:sp>
         <p:nvSpPr>
-          <p:cNvPr id="60" name="Rounded Rectangle 59">
-            <a:extLst>
-              <a:ext uri="{FF2B5EF4-FFF2-40B4-BE49-F238E27FC236}">
-                <a16:creationId xmlns:a16="http://schemas.microsoft.com/office/drawing/2014/main" id="{2CBDE6A1-C4BB-31AB-CE5E-E39C61455119}"/>
+          <p:cNvPr id="75" name="Rounded Rectangle 74">
+            <a:extLst>
+              <a:ext uri="{FF2B5EF4-FFF2-40B4-BE49-F238E27FC236}">
+                <a16:creationId xmlns:a16="http://schemas.microsoft.com/office/drawing/2014/main" id="{8DFE0340-B96B-319C-6D32-79467E9A11DE}"/>
               </a:ext>
             </a:extLst>
           </p:cNvPr>
@@ -4466,7 +4459,7 @@
         </p:nvSpPr>
         <p:spPr>
           <a:xfrm>
-            <a:off x="10334433" y="1743107"/>
+            <a:off x="3404292" y="3302438"/>
             <a:ext cx="1045567" cy="418274"/>
           </a:xfrm>
           <a:prstGeom prst="roundRect">
@@ -4511,114 +4504,7 @@
                 <a:ea typeface="Palatino" pitchFamily="2" charset="77"/>
                 <a:cs typeface="Baloo 2" panose="03080502040302020200" pitchFamily="66" charset="77"/>
               </a:rPr>
-              <a:t>LEVEL DISPLAY</a:t>
-            </a:r>
-          </a:p>
-        </p:txBody>
-      </p:sp>
-      <p:cxnSp>
-        <p:nvCxnSpPr>
-          <p:cNvPr id="63" name="Curved Connector 62">
-            <a:extLst>
-              <a:ext uri="{FF2B5EF4-FFF2-40B4-BE49-F238E27FC236}">
-                <a16:creationId xmlns:a16="http://schemas.microsoft.com/office/drawing/2014/main" id="{87E76C09-73AE-8452-4F31-5D13BA247937}"/>
-              </a:ext>
-            </a:extLst>
-          </p:cNvPr>
-          <p:cNvCxnSpPr>
-            <a:cxnSpLocks/>
-            <a:stCxn id="60" idx="2"/>
-            <a:endCxn id="32" idx="0"/>
-          </p:cNvCxnSpPr>
-          <p:nvPr/>
-        </p:nvCxnSpPr>
-        <p:spPr>
-          <a:xfrm rot="5400000">
-            <a:off x="10717189" y="2251022"/>
-            <a:ext cx="229668" cy="50386"/>
-          </a:xfrm>
-          <a:prstGeom prst="curvedConnector3">
-            <a:avLst>
-              <a:gd name="adj1" fmla="val 50000"/>
-            </a:avLst>
-          </a:prstGeom>
-          <a:ln w="19050"/>
-        </p:spPr>
-        <p:style>
-          <a:lnRef idx="1">
-            <a:schemeClr val="accent1"/>
-          </a:lnRef>
-          <a:fillRef idx="0">
-            <a:schemeClr val="accent1"/>
-          </a:fillRef>
-          <a:effectRef idx="0">
-            <a:schemeClr val="accent1"/>
-          </a:effectRef>
-          <a:fontRef idx="minor">
-            <a:schemeClr val="tx1"/>
-          </a:fontRef>
-        </p:style>
-      </p:cxnSp>
-      <p:sp>
-        <p:nvSpPr>
-          <p:cNvPr id="75" name="Rounded Rectangle 74">
-            <a:extLst>
-              <a:ext uri="{FF2B5EF4-FFF2-40B4-BE49-F238E27FC236}">
-                <a16:creationId xmlns:a16="http://schemas.microsoft.com/office/drawing/2014/main" id="{8DFE0340-B96B-319C-6D32-79467E9A11DE}"/>
-              </a:ext>
-            </a:extLst>
-          </p:cNvPr>
-          <p:cNvSpPr/>
-          <p:nvPr/>
-        </p:nvSpPr>
-        <p:spPr>
-          <a:xfrm>
-            <a:off x="6191958" y="2175157"/>
-            <a:ext cx="1045567" cy="418274"/>
-          </a:xfrm>
-          <a:prstGeom prst="roundRect">
-            <a:avLst/>
-          </a:prstGeom>
-          <a:solidFill>
-            <a:srgbClr val="F1E5B0"/>
-          </a:solidFill>
-          <a:ln>
-            <a:noFill/>
-          </a:ln>
-        </p:spPr>
-        <p:style>
-          <a:lnRef idx="2">
-            <a:schemeClr val="accent1">
-              <a:shade val="15000"/>
-            </a:schemeClr>
-          </a:lnRef>
-          <a:fillRef idx="1">
-            <a:schemeClr val="accent1"/>
-          </a:fillRef>
-          <a:effectRef idx="0">
-            <a:schemeClr val="accent1"/>
-          </a:effectRef>
-          <a:fontRef idx="minor">
-            <a:schemeClr val="lt1"/>
-          </a:fontRef>
-        </p:style>
-        <p:txBody>
-          <a:bodyPr rtlCol="0" anchor="ctr"/>
-          <a:lstStyle/>
-          <a:p>
-            <a:pPr algn="ctr"/>
-            <a:r>
-              <a:rPr lang="en-CH" sz="1100" dirty="0">
-                <a:solidFill>
-                  <a:schemeClr val="accent5">
-                    <a:lumMod val="50000"/>
-                  </a:schemeClr>
-                </a:solidFill>
-                <a:latin typeface="Baloo 2" panose="03080502040302020200" pitchFamily="66" charset="77"/>
-                <a:ea typeface="Palatino" pitchFamily="2" charset="77"/>
-                <a:cs typeface="Baloo 2" panose="03080502040302020200" pitchFamily="66" charset="77"/>
-              </a:rPr>
-              <a:t>TOOL</a:t>
+              <a:t>TOOL CONTROLLER</a:t>
             </a:r>
           </a:p>
         </p:txBody>
@@ -4641,8 +4527,8 @@
         </p:nvCxnSpPr>
         <p:spPr>
           <a:xfrm rot="5400000">
-            <a:off x="6220205" y="1596825"/>
-            <a:ext cx="1072868" cy="83796"/>
+            <a:off x="3187614" y="2022373"/>
+            <a:ext cx="2019527" cy="540602"/>
           </a:xfrm>
           <a:prstGeom prst="curvedConnector3">
             <a:avLst>
@@ -4680,7 +4566,7 @@
         </p:nvSpPr>
         <p:spPr>
           <a:xfrm>
-            <a:off x="3819686" y="3168152"/>
+            <a:off x="199877" y="4201207"/>
             <a:ext cx="1045567" cy="418274"/>
           </a:xfrm>
           <a:prstGeom prst="roundRect">
@@ -4692,8 +4578,10 @@
               <a:lumOff val="60000"/>
             </a:schemeClr>
           </a:solidFill>
-          <a:ln>
-            <a:noFill/>
+          <a:ln w="38100">
+            <a:solidFill>
+              <a:srgbClr val="7030A0"/>
+            </a:solidFill>
           </a:ln>
         </p:spPr>
         <p:style>
@@ -4735,10 +4623,10 @@
       </p:sp>
       <p:sp>
         <p:nvSpPr>
-          <p:cNvPr id="88" name="Rounded Rectangle 87">
-            <a:extLst>
-              <a:ext uri="{FF2B5EF4-FFF2-40B4-BE49-F238E27FC236}">
-                <a16:creationId xmlns:a16="http://schemas.microsoft.com/office/drawing/2014/main" id="{34C246C2-F0CF-BB8A-890B-25C71EC19739}"/>
+          <p:cNvPr id="89" name="Rounded Rectangle 88">
+            <a:extLst>
+              <a:ext uri="{FF2B5EF4-FFF2-40B4-BE49-F238E27FC236}">
+                <a16:creationId xmlns:a16="http://schemas.microsoft.com/office/drawing/2014/main" id="{75F46CC0-3B3F-EDCD-7D7D-44B7753D4D0D}"/>
               </a:ext>
             </a:extLst>
           </p:cNvPr>
@@ -4747,71 +4635,7 @@
         </p:nvSpPr>
         <p:spPr>
           <a:xfrm>
-            <a:off x="4987390" y="2901601"/>
-            <a:ext cx="1045567" cy="418274"/>
-          </a:xfrm>
-          <a:prstGeom prst="roundRect">
-            <a:avLst/>
-          </a:prstGeom>
-          <a:solidFill>
-            <a:srgbClr val="F1E5B0"/>
-          </a:solidFill>
-          <a:ln>
-            <a:noFill/>
-          </a:ln>
-        </p:spPr>
-        <p:style>
-          <a:lnRef idx="2">
-            <a:schemeClr val="accent1">
-              <a:shade val="15000"/>
-            </a:schemeClr>
-          </a:lnRef>
-          <a:fillRef idx="1">
-            <a:schemeClr val="accent1"/>
-          </a:fillRef>
-          <a:effectRef idx="0">
-            <a:schemeClr val="accent1"/>
-          </a:effectRef>
-          <a:fontRef idx="minor">
-            <a:schemeClr val="lt1"/>
-          </a:fontRef>
-        </p:style>
-        <p:txBody>
-          <a:bodyPr rtlCol="0" anchor="ctr"/>
-          <a:lstStyle/>
-          <a:p>
-            <a:pPr algn="ctr"/>
-            <a:r>
-              <a:rPr lang="en-CH" sz="1100" dirty="0">
-                <a:solidFill>
-                  <a:schemeClr val="accent5">
-                    <a:lumMod val="50000"/>
-                  </a:schemeClr>
-                </a:solidFill>
-                <a:latin typeface="Baloo 2" panose="03080502040302020200" pitchFamily="66" charset="77"/>
-                <a:ea typeface="Palatino" pitchFamily="2" charset="77"/>
-                <a:cs typeface="Baloo 2" panose="03080502040302020200" pitchFamily="66" charset="77"/>
-              </a:rPr>
-              <a:t>TOOL CONTROLLER</a:t>
-            </a:r>
-          </a:p>
-        </p:txBody>
-      </p:sp>
-      <p:sp>
-        <p:nvSpPr>
-          <p:cNvPr id="89" name="Rounded Rectangle 88">
-            <a:extLst>
-              <a:ext uri="{FF2B5EF4-FFF2-40B4-BE49-F238E27FC236}">
-                <a16:creationId xmlns:a16="http://schemas.microsoft.com/office/drawing/2014/main" id="{75F46CC0-3B3F-EDCD-7D7D-44B7753D4D0D}"/>
-              </a:ext>
-            </a:extLst>
-          </p:cNvPr>
-          <p:cNvSpPr/>
-          <p:nvPr/>
-        </p:nvSpPr>
-        <p:spPr>
-          <a:xfrm>
-            <a:off x="4903605" y="1893671"/>
+            <a:off x="1488197" y="2409518"/>
             <a:ext cx="1045567" cy="418274"/>
           </a:xfrm>
           <a:prstGeom prst="roundRect">
@@ -4823,8 +4647,10 @@
               <a:lumOff val="60000"/>
             </a:schemeClr>
           </a:solidFill>
-          <a:ln>
-            <a:noFill/>
+          <a:ln w="38100">
+            <a:solidFill>
+              <a:srgbClr val="C00000"/>
+            </a:solidFill>
           </a:ln>
         </p:spPr>
         <p:style>
@@ -4875,15 +4701,15 @@
           </p:cNvPr>
           <p:cNvCxnSpPr>
             <a:cxnSpLocks/>
-            <a:stCxn id="6" idx="2"/>
+            <a:stCxn id="5" idx="2"/>
             <a:endCxn id="89" idx="0"/>
           </p:cNvCxnSpPr>
           <p:nvPr/>
         </p:nvCxnSpPr>
         <p:spPr>
-          <a:xfrm rot="16200000" flipH="1">
-            <a:off x="5097798" y="1565082"/>
-            <a:ext cx="220754" cy="436425"/>
+          <a:xfrm rot="5400000">
+            <a:off x="2676027" y="617866"/>
+            <a:ext cx="1126607" cy="2456697"/>
           </a:xfrm>
           <a:prstGeom prst="curvedConnector3">
             <a:avLst/>
@@ -4919,7 +4745,7 @@
         </p:nvSpPr>
         <p:spPr>
           <a:xfrm>
-            <a:off x="3645989" y="1852450"/>
+            <a:off x="260588" y="2406265"/>
             <a:ext cx="1045567" cy="418274"/>
           </a:xfrm>
           <a:prstGeom prst="roundRect">
@@ -4931,8 +4757,10 @@
               <a:lumOff val="60000"/>
             </a:schemeClr>
           </a:solidFill>
-          <a:ln>
-            <a:noFill/>
+          <a:ln w="38100">
+            <a:solidFill>
+              <a:srgbClr val="C00000"/>
+            </a:solidFill>
           </a:ln>
         </p:spPr>
         <p:style>
@@ -4986,7 +4814,7 @@
         </p:nvSpPr>
         <p:spPr>
           <a:xfrm>
-            <a:off x="14119673" y="2524106"/>
+            <a:off x="31293109" y="3111154"/>
             <a:ext cx="1045567" cy="418274"/>
           </a:xfrm>
           <a:prstGeom prst="roundRect">
@@ -4998,8 +4826,10 @@
               <a:lumOff val="60000"/>
             </a:schemeClr>
           </a:solidFill>
-          <a:ln>
-            <a:noFill/>
+          <a:ln w="38100">
+            <a:solidFill>
+              <a:srgbClr val="FFC000"/>
+            </a:solidFill>
           </a:ln>
         </p:spPr>
         <p:style>
@@ -5053,7 +4883,7 @@
         </p:nvSpPr>
         <p:spPr>
           <a:xfrm>
-            <a:off x="4547322" y="4286316"/>
+            <a:off x="2782181" y="4993551"/>
             <a:ext cx="1045567" cy="418274"/>
           </a:xfrm>
           <a:prstGeom prst="roundRect">
@@ -5065,8 +4895,10 @@
               <a:lumOff val="60000"/>
             </a:schemeClr>
           </a:solidFill>
-          <a:ln>
-            <a:noFill/>
+          <a:ln w="38100">
+            <a:solidFill>
+              <a:srgbClr val="C00000"/>
+            </a:solidFill>
           </a:ln>
         </p:spPr>
         <p:style>
@@ -5106,55 +4938,12 @@
           </a:p>
         </p:txBody>
       </p:sp>
-      <p:cxnSp>
-        <p:nvCxnSpPr>
-          <p:cNvPr id="97" name="Curved Connector 96">
-            <a:extLst>
-              <a:ext uri="{FF2B5EF4-FFF2-40B4-BE49-F238E27FC236}">
-                <a16:creationId xmlns:a16="http://schemas.microsoft.com/office/drawing/2014/main" id="{642C5D99-D8CD-833F-011E-DECC86E32A31}"/>
-              </a:ext>
-            </a:extLst>
-          </p:cNvPr>
-          <p:cNvCxnSpPr>
-            <a:cxnSpLocks/>
-            <a:stCxn id="75" idx="2"/>
-            <a:endCxn id="88" idx="0"/>
-          </p:cNvCxnSpPr>
-          <p:nvPr/>
-        </p:nvCxnSpPr>
-        <p:spPr>
-          <a:xfrm rot="5400000">
-            <a:off x="5958372" y="2145232"/>
-            <a:ext cx="308170" cy="1204568"/>
-          </a:xfrm>
-          <a:prstGeom prst="curvedConnector3">
-            <a:avLst>
-              <a:gd name="adj1" fmla="val 50000"/>
-            </a:avLst>
-          </a:prstGeom>
-          <a:ln w="19050"/>
-        </p:spPr>
-        <p:style>
-          <a:lnRef idx="1">
-            <a:schemeClr val="accent1"/>
-          </a:lnRef>
-          <a:fillRef idx="0">
-            <a:schemeClr val="accent1"/>
-          </a:fillRef>
-          <a:effectRef idx="0">
-            <a:schemeClr val="accent1"/>
-          </a:effectRef>
-          <a:fontRef idx="minor">
-            <a:schemeClr val="tx1"/>
-          </a:fontRef>
-        </p:style>
-      </p:cxnSp>
-      <p:sp>
-        <p:nvSpPr>
-          <p:cNvPr id="20" name="Rounded Rectangle 19">
-            <a:extLst>
-              <a:ext uri="{FF2B5EF4-FFF2-40B4-BE49-F238E27FC236}">
-                <a16:creationId xmlns:a16="http://schemas.microsoft.com/office/drawing/2014/main" id="{7F8EB19B-99CA-45C5-DFA0-C6C760B51636}"/>
+      <p:sp>
+        <p:nvSpPr>
+          <p:cNvPr id="121" name="Rounded Rectangle 120">
+            <a:extLst>
+              <a:ext uri="{FF2B5EF4-FFF2-40B4-BE49-F238E27FC236}">
+                <a16:creationId xmlns:a16="http://schemas.microsoft.com/office/drawing/2014/main" id="{0CCF2D8D-E69E-DF3B-BF93-B019A620C286}"/>
               </a:ext>
             </a:extLst>
           </p:cNvPr>
@@ -5163,71 +4952,7 @@
         </p:nvSpPr>
         <p:spPr>
           <a:xfrm>
-            <a:off x="8340366" y="1693385"/>
-            <a:ext cx="1045567" cy="418274"/>
-          </a:xfrm>
-          <a:prstGeom prst="roundRect">
-            <a:avLst/>
-          </a:prstGeom>
-          <a:solidFill>
-            <a:srgbClr val="F1E5B0"/>
-          </a:solidFill>
-          <a:ln>
-            <a:noFill/>
-          </a:ln>
-        </p:spPr>
-        <p:style>
-          <a:lnRef idx="2">
-            <a:schemeClr val="accent1">
-              <a:shade val="15000"/>
-            </a:schemeClr>
-          </a:lnRef>
-          <a:fillRef idx="1">
-            <a:schemeClr val="accent1"/>
-          </a:fillRef>
-          <a:effectRef idx="0">
-            <a:schemeClr val="accent1"/>
-          </a:effectRef>
-          <a:fontRef idx="minor">
-            <a:schemeClr val="lt1"/>
-          </a:fontRef>
-        </p:style>
-        <p:txBody>
-          <a:bodyPr rtlCol="0" anchor="ctr"/>
-          <a:lstStyle/>
-          <a:p>
-            <a:pPr algn="ctr"/>
-            <a:r>
-              <a:rPr lang="en-CH" sz="1100" dirty="0">
-                <a:solidFill>
-                  <a:schemeClr val="accent5">
-                    <a:lumMod val="50000"/>
-                  </a:schemeClr>
-                </a:solidFill>
-                <a:latin typeface="Baloo 2" panose="03080502040302020200" pitchFamily="66" charset="77"/>
-                <a:ea typeface="Palatino" pitchFamily="2" charset="77"/>
-                <a:cs typeface="Baloo 2" panose="03080502040302020200" pitchFamily="66" charset="77"/>
-              </a:rPr>
-              <a:t>CAMERA</a:t>
-            </a:r>
-          </a:p>
-        </p:txBody>
-      </p:sp>
-      <p:sp>
-        <p:nvSpPr>
-          <p:cNvPr id="121" name="Rounded Rectangle 120">
-            <a:extLst>
-              <a:ext uri="{FF2B5EF4-FFF2-40B4-BE49-F238E27FC236}">
-                <a16:creationId xmlns:a16="http://schemas.microsoft.com/office/drawing/2014/main" id="{0CCF2D8D-E69E-DF3B-BF93-B019A620C286}"/>
-              </a:ext>
-            </a:extLst>
-          </p:cNvPr>
-          <p:cNvSpPr/>
-          <p:nvPr/>
-        </p:nvSpPr>
-        <p:spPr>
-          <a:xfrm>
-            <a:off x="6421894" y="3092824"/>
+            <a:off x="5780056" y="4993551"/>
             <a:ext cx="1045567" cy="418274"/>
           </a:xfrm>
           <a:prstGeom prst="roundRect">
@@ -5295,8 +5020,8 @@
         </p:nvCxnSpPr>
         <p:spPr>
           <a:xfrm rot="16200000" flipH="1">
-            <a:off x="6580014" y="2728159"/>
-            <a:ext cx="499393" cy="229936"/>
+            <a:off x="4478539" y="3169249"/>
+            <a:ext cx="1272839" cy="2375764"/>
           </a:xfrm>
           <a:prstGeom prst="curvedConnector3">
             <a:avLst>
@@ -5338,8 +5063,8 @@
         </p:nvCxnSpPr>
         <p:spPr>
           <a:xfrm rot="5400000" flipH="1" flipV="1">
-            <a:off x="5768675" y="3680596"/>
-            <a:ext cx="1345501" cy="1006506"/>
+            <a:off x="5280026" y="4952342"/>
+            <a:ext cx="563330" cy="1482297"/>
           </a:xfrm>
           <a:prstGeom prst="curvedConnector3">
             <a:avLst>
@@ -5381,8 +5106,8 @@
         </p:nvCxnSpPr>
         <p:spPr>
           <a:xfrm rot="5400000">
-            <a:off x="5411277" y="4990227"/>
-            <a:ext cx="242249" cy="811543"/>
+            <a:off x="3702840" y="5815966"/>
+            <a:ext cx="540241" cy="1695167"/>
           </a:xfrm>
           <a:prstGeom prst="curvedConnector3">
             <a:avLst>
@@ -5420,7 +5145,7 @@
         </p:nvSpPr>
         <p:spPr>
           <a:xfrm>
-            <a:off x="12322792" y="2483695"/>
+            <a:off x="13118537" y="2420107"/>
             <a:ext cx="1045567" cy="418274"/>
           </a:xfrm>
           <a:prstGeom prst="roundRect">
@@ -5487,7 +5212,7 @@
         </p:nvSpPr>
         <p:spPr>
           <a:xfrm>
-            <a:off x="11163867" y="3194090"/>
+            <a:off x="10930184" y="3441729"/>
             <a:ext cx="1045567" cy="418274"/>
           </a:xfrm>
           <a:prstGeom prst="roundRect">
@@ -5555,8 +5280,8 @@
         </p:nvCxnSpPr>
         <p:spPr>
           <a:xfrm rot="5400000">
-            <a:off x="12120054" y="2468568"/>
-            <a:ext cx="292121" cy="1158925"/>
+            <a:off x="12245471" y="2045879"/>
+            <a:ext cx="603348" cy="2188353"/>
           </a:xfrm>
           <a:prstGeom prst="curvedConnector3">
             <a:avLst>
@@ -5591,18 +5316,20 @@
           </p:cNvPr>
           <p:cNvCxnSpPr>
             <a:cxnSpLocks/>
-            <a:stCxn id="156" idx="1"/>
+            <a:stCxn id="156" idx="2"/>
             <a:endCxn id="157" idx="0"/>
           </p:cNvCxnSpPr>
           <p:nvPr/>
         </p:nvCxnSpPr>
         <p:spPr>
-          <a:xfrm rot="10800000" flipV="1">
-            <a:off x="10726314" y="3403227"/>
-            <a:ext cx="437552" cy="276821"/>
-          </a:xfrm>
-          <a:prstGeom prst="curvedConnector2">
-            <a:avLst/>
+          <a:xfrm rot="5400000">
+            <a:off x="11027496" y="3631833"/>
+            <a:ext cx="197303" cy="653642"/>
+          </a:xfrm>
+          <a:prstGeom prst="curvedConnector3">
+            <a:avLst>
+              <a:gd name="adj1" fmla="val 50000"/>
+            </a:avLst>
           </a:prstGeom>
           <a:ln w="19050"/>
         </p:spPr>
@@ -5635,7 +5362,7 @@
         </p:nvSpPr>
         <p:spPr>
           <a:xfrm>
-            <a:off x="12519827" y="3518027"/>
+            <a:off x="15303015" y="3360425"/>
             <a:ext cx="1045567" cy="418274"/>
           </a:xfrm>
           <a:prstGeom prst="roundRect">
@@ -5703,8 +5430,8 @@
         </p:nvCxnSpPr>
         <p:spPr>
           <a:xfrm rot="16200000" flipH="1">
-            <a:off x="12636063" y="3111481"/>
-            <a:ext cx="616058" cy="197035"/>
+            <a:off x="14472538" y="2007164"/>
+            <a:ext cx="522044" cy="2184478"/>
           </a:xfrm>
           <a:prstGeom prst="curvedConnector3">
             <a:avLst>
@@ -5746,8 +5473,8 @@
         </p:nvCxnSpPr>
         <p:spPr>
           <a:xfrm rot="5400000">
-            <a:off x="12801658" y="3840664"/>
-            <a:ext cx="145314" cy="336591"/>
+            <a:off x="15395354" y="3759244"/>
+            <a:ext cx="410991" cy="449901"/>
           </a:xfrm>
           <a:prstGeom prst="curvedConnector3">
             <a:avLst>
@@ -5785,7 +5512,7 @@
         </p:nvSpPr>
         <p:spPr>
           <a:xfrm>
-            <a:off x="10785781" y="4252049"/>
+            <a:off x="11480224" y="4062127"/>
             <a:ext cx="1045567" cy="418274"/>
           </a:xfrm>
           <a:prstGeom prst="roundRect">
@@ -5797,8 +5524,10 @@
               <a:lumOff val="60000"/>
             </a:schemeClr>
           </a:solidFill>
-          <a:ln>
-            <a:noFill/>
+          <a:ln w="38100">
+            <a:solidFill>
+              <a:srgbClr val="C00000"/>
+            </a:solidFill>
           </a:ln>
         </p:spPr>
         <p:style>
@@ -5855,9 +5584,9 @@
           <p:nvPr/>
         </p:nvCxnSpPr>
         <p:spPr>
-          <a:xfrm rot="5400000">
-            <a:off x="11177766" y="3743163"/>
-            <a:ext cx="639685" cy="378086"/>
+          <a:xfrm rot="16200000" flipH="1">
+            <a:off x="11626926" y="3686045"/>
+            <a:ext cx="202124" cy="550040"/>
           </a:xfrm>
           <a:prstGeom prst="curvedConnector3">
             <a:avLst>
@@ -5895,7 +5624,7 @@
         </p:nvSpPr>
         <p:spPr>
           <a:xfrm>
-            <a:off x="13525657" y="4081615"/>
+            <a:off x="16135833" y="4173705"/>
             <a:ext cx="1045567" cy="418274"/>
           </a:xfrm>
           <a:prstGeom prst="roundRect">
@@ -5907,8 +5636,10 @@
               <a:lumOff val="60000"/>
             </a:schemeClr>
           </a:solidFill>
-          <a:ln>
-            <a:noFill/>
+          <a:ln w="38100">
+            <a:solidFill>
+              <a:srgbClr val="C00000"/>
+            </a:solidFill>
           </a:ln>
         </p:spPr>
         <p:style>
@@ -5966,8 +5697,8 @@
         </p:nvCxnSpPr>
         <p:spPr>
           <a:xfrm rot="16200000" flipH="1">
-            <a:off x="13472868" y="3506043"/>
-            <a:ext cx="145314" cy="1005830"/>
+            <a:off x="16044705" y="3559793"/>
+            <a:ext cx="395006" cy="832818"/>
           </a:xfrm>
           <a:prstGeom prst="curvedConnector3">
             <a:avLst>
@@ -6005,7 +5736,7 @@
         </p:nvSpPr>
         <p:spPr>
           <a:xfrm>
-            <a:off x="10203531" y="3680048"/>
+            <a:off x="10276542" y="4057306"/>
             <a:ext cx="1045567" cy="418274"/>
           </a:xfrm>
           <a:prstGeom prst="roundRect">
@@ -6017,8 +5748,10 @@
               <a:lumOff val="60000"/>
             </a:schemeClr>
           </a:solidFill>
-          <a:ln>
-            <a:noFill/>
+          <a:ln w="38100">
+            <a:solidFill>
+              <a:srgbClr val="C00000"/>
+            </a:solidFill>
           </a:ln>
         </p:spPr>
         <p:style>
@@ -6072,7 +5805,7 @@
         </p:nvSpPr>
         <p:spPr>
           <a:xfrm>
-            <a:off x="12183236" y="4081615"/>
+            <a:off x="14853114" y="4189690"/>
             <a:ext cx="1045567" cy="418274"/>
           </a:xfrm>
           <a:prstGeom prst="roundRect">
@@ -6084,8 +5817,10 @@
               <a:lumOff val="60000"/>
             </a:schemeClr>
           </a:solidFill>
-          <a:ln>
-            <a:noFill/>
+          <a:ln w="38100">
+            <a:solidFill>
+              <a:srgbClr val="C00000"/>
+            </a:solidFill>
           </a:ln>
         </p:spPr>
         <p:style>
@@ -6139,7 +5874,7 @@
         </p:nvSpPr>
         <p:spPr>
           <a:xfrm>
-            <a:off x="14262440" y="3200258"/>
+            <a:off x="13090981" y="3565739"/>
             <a:ext cx="1045567" cy="418274"/>
           </a:xfrm>
           <a:prstGeom prst="roundRect">
@@ -6206,9 +5941,9 @@
           <p:nvPr/>
         </p:nvCxnSpPr>
         <p:spPr>
-          <a:xfrm rot="16200000" flipH="1">
-            <a:off x="13666256" y="2081289"/>
-            <a:ext cx="298289" cy="1939648"/>
+          <a:xfrm rot="5400000">
+            <a:off x="13263864" y="3188282"/>
+            <a:ext cx="727358" cy="27556"/>
           </a:xfrm>
           <a:prstGeom prst="curvedConnector3">
             <a:avLst>
@@ -6246,7 +5981,7 @@
         </p:nvSpPr>
         <p:spPr>
           <a:xfrm>
-            <a:off x="15707483" y="5111506"/>
+            <a:off x="14364335" y="5157660"/>
             <a:ext cx="1045567" cy="418274"/>
           </a:xfrm>
           <a:prstGeom prst="roundRect">
@@ -6291,7 +6026,7 @@
                 <a:ea typeface="Palatino" pitchFamily="2" charset="77"/>
                 <a:cs typeface="Baloo 2" panose="03080502040302020200" pitchFamily="66" charset="77"/>
               </a:rPr>
-              <a:t>AMBIANT LIGHTS</a:t>
+              <a:t>LOCAL LIGHTS</a:t>
             </a:r>
           </a:p>
         </p:txBody>
@@ -6314,8 +6049,8 @@
         </p:nvCxnSpPr>
         <p:spPr>
           <a:xfrm rot="5400000">
-            <a:off x="14059817" y="4343938"/>
-            <a:ext cx="1450812" cy="12700"/>
+            <a:off x="12960349" y="4486119"/>
+            <a:ext cx="1155522" cy="151310"/>
           </a:xfrm>
           <a:prstGeom prst="curvedConnector3">
             <a:avLst>
@@ -6357,8 +6092,8 @@
         </p:nvCxnSpPr>
         <p:spPr>
           <a:xfrm rot="16200000" flipH="1">
-            <a:off x="14761257" y="3642498"/>
-            <a:ext cx="1492974" cy="1445043"/>
+            <a:off x="13663619" y="3934159"/>
+            <a:ext cx="1173647" cy="1273354"/>
           </a:xfrm>
           <a:prstGeom prst="curvedConnector3">
             <a:avLst>
@@ -6396,7 +6131,7 @@
         </p:nvSpPr>
         <p:spPr>
           <a:xfrm>
-            <a:off x="14262440" y="5069344"/>
+            <a:off x="12939671" y="5139535"/>
             <a:ext cx="1045567" cy="418274"/>
           </a:xfrm>
           <a:prstGeom prst="roundRect">
@@ -6460,7 +6195,7 @@
         </p:nvSpPr>
         <p:spPr>
           <a:xfrm>
-            <a:off x="7776489" y="4178454"/>
+            <a:off x="7296968" y="5964914"/>
             <a:ext cx="1045567" cy="418274"/>
           </a:xfrm>
           <a:prstGeom prst="roundRect">
@@ -6524,7 +6259,7 @@
         </p:nvSpPr>
         <p:spPr>
           <a:xfrm>
-            <a:off x="8148428" y="4870110"/>
+            <a:off x="8482048" y="6724533"/>
             <a:ext cx="1045567" cy="418274"/>
           </a:xfrm>
           <a:prstGeom prst="roundRect">
@@ -6536,8 +6271,10 @@
               <a:lumOff val="60000"/>
             </a:schemeClr>
           </a:solidFill>
-          <a:ln>
-            <a:noFill/>
+          <a:ln w="38100">
+            <a:solidFill>
+              <a:srgbClr val="00B050"/>
+            </a:solidFill>
           </a:ln>
         </p:spPr>
         <p:style>
@@ -6591,7 +6328,7 @@
         </p:nvSpPr>
         <p:spPr>
           <a:xfrm>
-            <a:off x="5415388" y="4856599"/>
+            <a:off x="4297759" y="5975155"/>
             <a:ext cx="1045567" cy="418274"/>
           </a:xfrm>
           <a:prstGeom prst="roundRect">
@@ -6659,8 +6396,8 @@
         </p:nvCxnSpPr>
         <p:spPr>
           <a:xfrm rot="16200000" flipV="1">
-            <a:off x="8348551" y="4547450"/>
-            <a:ext cx="273382" cy="371939"/>
+            <a:off x="8241620" y="5961321"/>
+            <a:ext cx="341345" cy="1185080"/>
           </a:xfrm>
           <a:prstGeom prst="curvedConnector3">
             <a:avLst>
@@ -6698,7 +6435,7 @@
         </p:nvSpPr>
         <p:spPr>
           <a:xfrm>
-            <a:off x="4027975" y="3703527"/>
+            <a:off x="383715" y="4902987"/>
             <a:ext cx="1045567" cy="418274"/>
           </a:xfrm>
           <a:prstGeom prst="roundRect">
@@ -6710,8 +6447,10 @@
               <a:lumOff val="60000"/>
             </a:schemeClr>
           </a:solidFill>
-          <a:ln>
-            <a:noFill/>
+          <a:ln w="38100">
+            <a:solidFill>
+              <a:srgbClr val="C00000"/>
+            </a:solidFill>
           </a:ln>
         </p:spPr>
         <p:style>
@@ -6769,8 +6508,8 @@
         </p:nvCxnSpPr>
         <p:spPr>
           <a:xfrm rot="16200000" flipH="1">
-            <a:off x="11786616" y="1424736"/>
-            <a:ext cx="935190" cy="1182728"/>
+            <a:off x="12781425" y="1560211"/>
+            <a:ext cx="742190" cy="977602"/>
           </a:xfrm>
           <a:prstGeom prst="curvedConnector3">
             <a:avLst>
@@ -6808,7 +6547,7 @@
         </p:nvSpPr>
         <p:spPr>
           <a:xfrm>
-            <a:off x="5229439" y="3784301"/>
+            <a:off x="4119373" y="4867211"/>
             <a:ext cx="1045567" cy="418274"/>
           </a:xfrm>
           <a:prstGeom prst="roundRect">
@@ -6820,8 +6559,10 @@
               <a:lumOff val="60000"/>
             </a:schemeClr>
           </a:solidFill>
-          <a:ln>
-            <a:noFill/>
+          <a:ln w="38100">
+            <a:solidFill>
+              <a:srgbClr val="FFC000"/>
+            </a:solidFill>
           </a:ln>
         </p:spPr>
         <p:style>
@@ -6875,7 +6616,7 @@
         </p:nvSpPr>
         <p:spPr>
           <a:xfrm>
-            <a:off x="6815051" y="4795714"/>
+            <a:off x="5781392" y="6286459"/>
             <a:ext cx="1045567" cy="418274"/>
           </a:xfrm>
           <a:prstGeom prst="roundRect">
@@ -6939,7 +6680,7 @@
         </p:nvSpPr>
         <p:spPr>
           <a:xfrm>
-            <a:off x="5581021" y="6458660"/>
+            <a:off x="5781393" y="7015227"/>
             <a:ext cx="1045567" cy="418274"/>
           </a:xfrm>
           <a:prstGeom prst="roundRect">
@@ -7009,9 +6750,9 @@
           <p:nvPr/>
         </p:nvCxnSpPr>
         <p:spPr>
-          <a:xfrm rot="5400000">
-            <a:off x="6098483" y="5219309"/>
-            <a:ext cx="1244672" cy="1234030"/>
+          <a:xfrm rot="16200000" flipH="1">
+            <a:off x="6148929" y="6859979"/>
+            <a:ext cx="310494" cy="1"/>
           </a:xfrm>
           <a:prstGeom prst="curvedConnector3">
             <a:avLst>
@@ -7049,7 +6790,7 @@
         </p:nvSpPr>
         <p:spPr>
           <a:xfrm>
-            <a:off x="4391972" y="6952006"/>
+            <a:off x="3842049" y="7662029"/>
             <a:ext cx="1045567" cy="418274"/>
           </a:xfrm>
           <a:prstGeom prst="roundRect">
@@ -7061,8 +6802,10 @@
               <a:lumOff val="60000"/>
             </a:schemeClr>
           </a:solidFill>
-          <a:ln>
-            <a:noFill/>
+          <a:ln w="38100">
+            <a:solidFill>
+              <a:srgbClr val="C00000"/>
+            </a:solidFill>
           </a:ln>
         </p:spPr>
         <p:style>
@@ -7097,7 +6840,7 @@
                 <a:ea typeface="Palatino" pitchFamily="2" charset="77"/>
                 <a:cs typeface="Baloo 2" panose="03080502040302020200" pitchFamily="66" charset="77"/>
               </a:rPr>
-              <a:t>UI COMPO</a:t>
+              <a:t>DISPLAY FILLABLE TXT</a:t>
             </a:r>
           </a:p>
         </p:txBody>
@@ -7113,18 +6856,20 @@
           </p:cNvPr>
           <p:cNvCxnSpPr>
             <a:cxnSpLocks/>
-            <a:stCxn id="366" idx="1"/>
+            <a:stCxn id="366" idx="2"/>
             <a:endCxn id="370" idx="0"/>
           </p:cNvCxnSpPr>
           <p:nvPr/>
         </p:nvCxnSpPr>
         <p:spPr>
-          <a:xfrm rot="10800000" flipV="1">
-            <a:off x="4914757" y="6667797"/>
-            <a:ext cx="666265" cy="284209"/>
-          </a:xfrm>
-          <a:prstGeom prst="curvedConnector2">
-            <a:avLst/>
+          <a:xfrm rot="5400000">
+            <a:off x="5220241" y="6578093"/>
+            <a:ext cx="228528" cy="1939344"/>
+          </a:xfrm>
+          <a:prstGeom prst="curvedConnector3">
+            <a:avLst>
+              <a:gd name="adj1" fmla="val 50000"/>
+            </a:avLst>
           </a:prstGeom>
           <a:ln w="19050"/>
         </p:spPr>
@@ -7157,7 +6902,7 @@
         </p:nvSpPr>
         <p:spPr>
           <a:xfrm>
-            <a:off x="4763079" y="7449608"/>
+            <a:off x="4542414" y="8273842"/>
             <a:ext cx="1045567" cy="418274"/>
           </a:xfrm>
           <a:prstGeom prst="roundRect">
@@ -7169,8 +6914,10 @@
               <a:lumOff val="60000"/>
             </a:schemeClr>
           </a:solidFill>
-          <a:ln>
-            <a:noFill/>
+          <a:ln w="38100">
+            <a:solidFill>
+              <a:srgbClr val="C00000"/>
+            </a:solidFill>
           </a:ln>
         </p:spPr>
         <p:style>
@@ -7224,7 +6971,7 @@
         </p:nvSpPr>
         <p:spPr>
           <a:xfrm>
-            <a:off x="5952128" y="7449608"/>
+            <a:off x="5793265" y="8318441"/>
             <a:ext cx="1045567" cy="418274"/>
           </a:xfrm>
           <a:prstGeom prst="roundRect">
@@ -7236,8 +6983,10 @@
               <a:lumOff val="60000"/>
             </a:schemeClr>
           </a:solidFill>
-          <a:ln>
-            <a:noFill/>
+          <a:ln w="38100">
+            <a:solidFill>
+              <a:srgbClr val="00B050"/>
+            </a:solidFill>
           </a:ln>
         </p:spPr>
         <p:style>
@@ -7295,8 +7044,8 @@
         </p:nvCxnSpPr>
         <p:spPr>
           <a:xfrm rot="16200000" flipH="1">
-            <a:off x="6003020" y="6977718"/>
-            <a:ext cx="572674" cy="371107"/>
+            <a:off x="5867643" y="7870035"/>
+            <a:ext cx="884940" cy="11872"/>
           </a:xfrm>
           <a:prstGeom prst="curvedConnector3">
             <a:avLst>
@@ -7334,7 +7083,7 @@
         </p:nvSpPr>
         <p:spPr>
           <a:xfrm>
-            <a:off x="6798538" y="6730703"/>
+            <a:off x="7844363" y="7754211"/>
             <a:ext cx="1045567" cy="418274"/>
           </a:xfrm>
           <a:prstGeom prst="roundRect">
@@ -7346,8 +7095,10 @@
               <a:lumOff val="60000"/>
             </a:schemeClr>
           </a:solidFill>
-          <a:ln>
-            <a:noFill/>
+          <a:ln w="38100">
+            <a:solidFill>
+              <a:srgbClr val="C00000"/>
+            </a:solidFill>
           </a:ln>
         </p:spPr>
         <p:style>
@@ -7382,7 +7133,7 @@
                 <a:ea typeface="Palatino" pitchFamily="2" charset="77"/>
                 <a:cs typeface="Baloo 2" panose="03080502040302020200" pitchFamily="66" charset="77"/>
               </a:rPr>
-              <a:t>BACK</a:t>
+              <a:t>EXIT</a:t>
             </a:r>
           </a:p>
         </p:txBody>
@@ -7398,51 +7149,53 @@
           </p:cNvPr>
           <p:cNvCxnSpPr>
             <a:cxnSpLocks/>
-            <a:stCxn id="366" idx="3"/>
+            <a:stCxn id="366" idx="2"/>
             <a:endCxn id="387" idx="0"/>
           </p:cNvCxnSpPr>
           <p:nvPr/>
         </p:nvCxnSpPr>
         <p:spPr>
+          <a:xfrm rot="16200000" flipH="1">
+            <a:off x="7175307" y="6562371"/>
+            <a:ext cx="320710" cy="2062970"/>
+          </a:xfrm>
+          <a:prstGeom prst="curvedConnector3">
+            <a:avLst>
+              <a:gd name="adj1" fmla="val 50000"/>
+            </a:avLst>
+          </a:prstGeom>
+          <a:ln w="19050"/>
+        </p:spPr>
+        <p:style>
+          <a:lnRef idx="1">
+            <a:schemeClr val="accent1"/>
+          </a:lnRef>
+          <a:fillRef idx="0">
+            <a:schemeClr val="accent1"/>
+          </a:fillRef>
+          <a:effectRef idx="0">
+            <a:schemeClr val="accent1"/>
+          </a:effectRef>
+          <a:fontRef idx="minor">
+            <a:schemeClr val="tx1"/>
+          </a:fontRef>
+        </p:style>
+      </p:cxnSp>
+      <p:sp>
+        <p:nvSpPr>
+          <p:cNvPr id="394" name="Rounded Rectangle 393">
+            <a:extLst>
+              <a:ext uri="{FF2B5EF4-FFF2-40B4-BE49-F238E27FC236}">
+                <a16:creationId xmlns:a16="http://schemas.microsoft.com/office/drawing/2014/main" id="{26421848-784D-223D-EA4B-23B3E90A146F}"/>
+              </a:ext>
+            </a:extLst>
+          </p:cNvPr>
+          <p:cNvSpPr/>
+          <p:nvPr/>
+        </p:nvSpPr>
+        <p:spPr>
           <a:xfrm>
-            <a:off x="6626587" y="6667797"/>
-            <a:ext cx="694734" cy="62906"/>
-          </a:xfrm>
-          <a:prstGeom prst="curvedConnector2">
-            <a:avLst/>
-          </a:prstGeom>
-          <a:ln w="19050"/>
-        </p:spPr>
-        <p:style>
-          <a:lnRef idx="1">
-            <a:schemeClr val="accent1"/>
-          </a:lnRef>
-          <a:fillRef idx="0">
-            <a:schemeClr val="accent1"/>
-          </a:fillRef>
-          <a:effectRef idx="0">
-            <a:schemeClr val="accent1"/>
-          </a:effectRef>
-          <a:fontRef idx="minor">
-            <a:schemeClr val="tx1"/>
-          </a:fontRef>
-        </p:style>
-      </p:cxnSp>
-      <p:sp>
-        <p:nvSpPr>
-          <p:cNvPr id="394" name="Rounded Rectangle 393">
-            <a:extLst>
-              <a:ext uri="{FF2B5EF4-FFF2-40B4-BE49-F238E27FC236}">
-                <a16:creationId xmlns:a16="http://schemas.microsoft.com/office/drawing/2014/main" id="{26421848-784D-223D-EA4B-23B3E90A146F}"/>
-              </a:ext>
-            </a:extLst>
-          </p:cNvPr>
-          <p:cNvSpPr/>
-          <p:nvPr/>
-        </p:nvSpPr>
-        <p:spPr>
-          <a:xfrm>
-            <a:off x="7183429" y="7437532"/>
+            <a:off x="7044116" y="8284822"/>
             <a:ext cx="1045567" cy="418274"/>
           </a:xfrm>
           <a:prstGeom prst="roundRect">
@@ -7454,8 +7207,10 @@
               <a:lumOff val="60000"/>
             </a:schemeClr>
           </a:solidFill>
-          <a:ln>
-            <a:noFill/>
+          <a:ln w="38100">
+            <a:solidFill>
+              <a:srgbClr val="C00000"/>
+            </a:solidFill>
           </a:ln>
         </p:spPr>
         <p:style>
@@ -7509,7 +7264,7 @@
         </p:nvSpPr>
         <p:spPr>
           <a:xfrm>
-            <a:off x="17138491" y="1232671"/>
+            <a:off x="20974143" y="1645118"/>
             <a:ext cx="1045567" cy="418274"/>
           </a:xfrm>
           <a:prstGeom prst="roundRect">
@@ -7576,7 +7331,7 @@
         </p:nvSpPr>
         <p:spPr>
           <a:xfrm>
-            <a:off x="12040183" y="137909"/>
+            <a:off x="17440068" y="137909"/>
             <a:ext cx="1045567" cy="418274"/>
           </a:xfrm>
           <a:prstGeom prst="roundRect">
@@ -7641,17 +7396,19 @@
           <p:cNvCxnSpPr>
             <a:cxnSpLocks/>
             <a:stCxn id="5" idx="0"/>
-            <a:endCxn id="409" idx="1"/>
+            <a:endCxn id="409" idx="2"/>
           </p:cNvCxnSpPr>
           <p:nvPr/>
         </p:nvCxnSpPr>
         <p:spPr>
           <a:xfrm rot="5400000" flipH="1" flipV="1">
-            <a:off x="9250876" y="-2105291"/>
-            <a:ext cx="336969" cy="5241645"/>
-          </a:xfrm>
-          <a:prstGeom prst="curvedConnector2">
-            <a:avLst/>
+            <a:off x="11061038" y="-6037177"/>
+            <a:ext cx="308454" cy="13495174"/>
+          </a:xfrm>
+          <a:prstGeom prst="curvedConnector3">
+            <a:avLst>
+              <a:gd name="adj1" fmla="val 50000"/>
+            </a:avLst>
           </a:prstGeom>
           <a:ln w="19050"/>
         </p:spPr>
@@ -7688,8 +7445,8 @@
         </p:nvCxnSpPr>
         <p:spPr>
           <a:xfrm rot="5400000" flipH="1" flipV="1">
-            <a:off x="11825882" y="393149"/>
-            <a:ext cx="574048" cy="900119"/>
+            <a:off x="14961555" y="-1741653"/>
+            <a:ext cx="703460" cy="5299133"/>
           </a:xfrm>
           <a:prstGeom prst="curvedConnector3">
             <a:avLst>
@@ -7725,17 +7482,19 @@
           <p:cNvCxnSpPr>
             <a:cxnSpLocks/>
             <a:stCxn id="408" idx="0"/>
-            <a:endCxn id="409" idx="3"/>
+            <a:endCxn id="409" idx="2"/>
           </p:cNvCxnSpPr>
           <p:nvPr/>
         </p:nvCxnSpPr>
         <p:spPr>
           <a:xfrm rot="16200000" flipV="1">
-            <a:off x="14930701" y="-1497904"/>
-            <a:ext cx="885625" cy="4575525"/>
-          </a:xfrm>
-          <a:prstGeom prst="curvedConnector2">
-            <a:avLst/>
+            <a:off x="19185423" y="-666387"/>
+            <a:ext cx="1088935" cy="3534075"/>
+          </a:xfrm>
+          <a:prstGeom prst="curvedConnector3">
+            <a:avLst>
+              <a:gd name="adj1" fmla="val 50000"/>
+            </a:avLst>
           </a:prstGeom>
           <a:ln w="19050"/>
         </p:spPr>
@@ -7772,8 +7531,8 @@
         </p:nvCxnSpPr>
         <p:spPr>
           <a:xfrm rot="16200000" flipV="1">
-            <a:off x="13926765" y="-807614"/>
-            <a:ext cx="715571" cy="3443165"/>
+            <a:off x="25157756" y="-6638720"/>
+            <a:ext cx="577593" cy="14967400"/>
           </a:xfrm>
           <a:prstGeom prst="curvedConnector3">
             <a:avLst>
@@ -7811,7 +7570,7 @@
         </p:nvSpPr>
         <p:spPr>
           <a:xfrm>
-            <a:off x="20032337" y="443441"/>
+            <a:off x="22103895" y="5926941"/>
             <a:ext cx="1045567" cy="418274"/>
           </a:xfrm>
           <a:prstGeom prst="roundRect">
@@ -7878,7 +7637,7 @@
         </p:nvSpPr>
         <p:spPr>
           <a:xfrm>
-            <a:off x="7712307" y="2480362"/>
+            <a:off x="5590997" y="2210970"/>
             <a:ext cx="1045567" cy="418274"/>
           </a:xfrm>
           <a:prstGeom prst="roundRect">
@@ -7928,49 +7687,6 @@
           </a:p>
         </p:txBody>
       </p:sp>
-      <p:cxnSp>
-        <p:nvCxnSpPr>
-          <p:cNvPr id="433" name="Curved Connector 432">
-            <a:extLst>
-              <a:ext uri="{FF2B5EF4-FFF2-40B4-BE49-F238E27FC236}">
-                <a16:creationId xmlns:a16="http://schemas.microsoft.com/office/drawing/2014/main" id="{9D1B6EC9-2FE2-A897-3791-42EEFDBACFC0}"/>
-              </a:ext>
-            </a:extLst>
-          </p:cNvPr>
-          <p:cNvCxnSpPr>
-            <a:cxnSpLocks/>
-            <a:stCxn id="20" idx="2"/>
-            <a:endCxn id="428" idx="0"/>
-          </p:cNvCxnSpPr>
-          <p:nvPr/>
-        </p:nvCxnSpPr>
-        <p:spPr>
-          <a:xfrm rot="5400000">
-            <a:off x="8364770" y="1981982"/>
-            <a:ext cx="368703" cy="628059"/>
-          </a:xfrm>
-          <a:prstGeom prst="curvedConnector3">
-            <a:avLst>
-              <a:gd name="adj1" fmla="val 50000"/>
-            </a:avLst>
-          </a:prstGeom>
-          <a:ln w="19050"/>
-        </p:spPr>
-        <p:style>
-          <a:lnRef idx="1">
-            <a:schemeClr val="accent1"/>
-          </a:lnRef>
-          <a:fillRef idx="0">
-            <a:schemeClr val="accent1"/>
-          </a:fillRef>
-          <a:effectRef idx="0">
-            <a:schemeClr val="accent1"/>
-          </a:effectRef>
-          <a:fontRef idx="minor">
-            <a:schemeClr val="tx1"/>
-          </a:fontRef>
-        </p:style>
-      </p:cxnSp>
       <p:sp>
         <p:nvSpPr>
           <p:cNvPr id="438" name="Rounded Rectangle 437">
@@ -7985,14 +7701,17 @@
         </p:nvSpPr>
         <p:spPr>
           <a:xfrm>
-            <a:off x="9065970" y="2851452"/>
+            <a:off x="7627503" y="1113559"/>
             <a:ext cx="1045567" cy="418274"/>
           </a:xfrm>
           <a:prstGeom prst="roundRect">
             <a:avLst/>
           </a:prstGeom>
           <a:solidFill>
-            <a:srgbClr val="F1E5B0"/>
+            <a:schemeClr val="accent2">
+              <a:lumMod val="40000"/>
+              <a:lumOff val="60000"/>
+            </a:schemeClr>
           </a:solidFill>
           <a:ln>
             <a:noFill/>
@@ -8020,7 +7739,7 @@
           <a:p>
             <a:pPr algn="ctr"/>
             <a:r>
-              <a:rPr lang="en-CH" sz="1100" dirty="0">
+              <a:rPr lang="en-CH" sz="1100" b="1" dirty="0">
                 <a:solidFill>
                   <a:schemeClr val="accent5">
                     <a:lumMod val="50000"/>
@@ -8035,49 +7754,6 @@
           </a:p>
         </p:txBody>
       </p:sp>
-      <p:cxnSp>
-        <p:nvCxnSpPr>
-          <p:cNvPr id="439" name="Curved Connector 438">
-            <a:extLst>
-              <a:ext uri="{FF2B5EF4-FFF2-40B4-BE49-F238E27FC236}">
-                <a16:creationId xmlns:a16="http://schemas.microsoft.com/office/drawing/2014/main" id="{35766A59-E538-68B9-85BE-2A6E73274D0B}"/>
-              </a:ext>
-            </a:extLst>
-          </p:cNvPr>
-          <p:cNvCxnSpPr>
-            <a:cxnSpLocks/>
-            <a:stCxn id="438" idx="0"/>
-            <a:endCxn id="20" idx="2"/>
-          </p:cNvCxnSpPr>
-          <p:nvPr/>
-        </p:nvCxnSpPr>
-        <p:spPr>
-          <a:xfrm rot="16200000" flipV="1">
-            <a:off x="8856056" y="2118754"/>
-            <a:ext cx="739793" cy="725604"/>
-          </a:xfrm>
-          <a:prstGeom prst="curvedConnector3">
-            <a:avLst>
-              <a:gd name="adj1" fmla="val 50000"/>
-            </a:avLst>
-          </a:prstGeom>
-          <a:ln w="19050"/>
-        </p:spPr>
-        <p:style>
-          <a:lnRef idx="1">
-            <a:schemeClr val="accent1"/>
-          </a:lnRef>
-          <a:fillRef idx="0">
-            <a:schemeClr val="accent1"/>
-          </a:fillRef>
-          <a:effectRef idx="0">
-            <a:schemeClr val="accent1"/>
-          </a:effectRef>
-          <a:fontRef idx="minor">
-            <a:schemeClr val="tx1"/>
-          </a:fontRef>
-        </p:style>
-      </p:cxnSp>
       <p:sp>
         <p:nvSpPr>
           <p:cNvPr id="464" name="Rounded Rectangle 463">
@@ -8092,7 +7768,7 @@
         </p:nvSpPr>
         <p:spPr>
           <a:xfrm>
-            <a:off x="9250251" y="4351242"/>
+            <a:off x="8337977" y="2026999"/>
             <a:ext cx="1045567" cy="418274"/>
           </a:xfrm>
           <a:prstGeom prst="roundRect">
@@ -8104,8 +7780,10 @@
               <a:lumOff val="60000"/>
             </a:schemeClr>
           </a:solidFill>
-          <a:ln>
-            <a:noFill/>
+          <a:ln w="38100">
+            <a:solidFill>
+              <a:srgbClr val="00B050"/>
+            </a:solidFill>
           </a:ln>
         </p:spPr>
         <p:style>
@@ -8163,8 +7841,8 @@
         </p:nvCxnSpPr>
         <p:spPr>
           <a:xfrm rot="16200000" flipV="1">
-            <a:off x="9140136" y="3718344"/>
-            <a:ext cx="1081516" cy="184281"/>
+            <a:off x="8257941" y="1424179"/>
+            <a:ext cx="495166" cy="710474"/>
           </a:xfrm>
           <a:prstGeom prst="curvedConnector3">
             <a:avLst>
@@ -8202,7 +7880,7 @@
         </p:nvSpPr>
         <p:spPr>
           <a:xfrm>
-            <a:off x="8703168" y="3691627"/>
+            <a:off x="7146848" y="2026999"/>
             <a:ext cx="1045567" cy="418274"/>
           </a:xfrm>
           <a:prstGeom prst="roundRect">
@@ -8214,8 +7892,10 @@
               <a:lumOff val="60000"/>
             </a:schemeClr>
           </a:solidFill>
-          <a:ln>
-            <a:noFill/>
+          <a:ln w="38100">
+            <a:solidFill>
+              <a:srgbClr val="7030A0"/>
+            </a:solidFill>
           </a:ln>
         </p:spPr>
         <p:style>
@@ -8255,47 +7935,6 @@
           </a:p>
         </p:txBody>
       </p:sp>
-      <p:cxnSp>
-        <p:nvCxnSpPr>
-          <p:cNvPr id="642" name="Curved Connector 641">
-            <a:extLst>
-              <a:ext uri="{FF2B5EF4-FFF2-40B4-BE49-F238E27FC236}">
-                <a16:creationId xmlns:a16="http://schemas.microsoft.com/office/drawing/2014/main" id="{1A150654-9A88-2769-3E8B-00CE3763BCB7}"/>
-              </a:ext>
-            </a:extLst>
-          </p:cNvPr>
-          <p:cNvCxnSpPr>
-            <a:cxnSpLocks/>
-            <a:stCxn id="422" idx="0"/>
-            <a:endCxn id="409" idx="3"/>
-          </p:cNvCxnSpPr>
-          <p:nvPr/>
-        </p:nvCxnSpPr>
-        <p:spPr>
-          <a:xfrm rot="16200000" flipV="1">
-            <a:off x="16772239" y="-3339442"/>
-            <a:ext cx="96395" cy="7469371"/>
-          </a:xfrm>
-          <a:prstGeom prst="curvedConnector2">
-            <a:avLst/>
-          </a:prstGeom>
-          <a:ln w="19050"/>
-        </p:spPr>
-        <p:style>
-          <a:lnRef idx="1">
-            <a:schemeClr val="accent1"/>
-          </a:lnRef>
-          <a:fillRef idx="0">
-            <a:schemeClr val="accent1"/>
-          </a:fillRef>
-          <a:effectRef idx="0">
-            <a:schemeClr val="accent1"/>
-          </a:effectRef>
-          <a:fontRef idx="minor">
-            <a:schemeClr val="tx1"/>
-          </a:fontRef>
-        </p:style>
-      </p:cxnSp>
       <p:sp>
         <p:nvSpPr>
           <p:cNvPr id="724" name="Rounded Rectangle 723">
@@ -8310,7 +7949,7 @@
         </p:nvSpPr>
         <p:spPr>
           <a:xfrm>
-            <a:off x="4603845" y="5517122"/>
+            <a:off x="2602592" y="6933670"/>
             <a:ext cx="1045567" cy="418274"/>
           </a:xfrm>
           <a:prstGeom prst="roundRect">
@@ -8322,8 +7961,10 @@
               <a:lumOff val="60000"/>
             </a:schemeClr>
           </a:solidFill>
-          <a:ln>
-            <a:noFill/>
+          <a:ln w="38100">
+            <a:solidFill>
+              <a:srgbClr val="FFC000"/>
+            </a:solidFill>
           </a:ln>
         </p:spPr>
         <p:style>
@@ -8377,7 +8018,7 @@
         </p:nvSpPr>
         <p:spPr>
           <a:xfrm>
-            <a:off x="19447914" y="5288384"/>
+            <a:off x="20723043" y="5896725"/>
             <a:ext cx="1045567" cy="418274"/>
           </a:xfrm>
           <a:prstGeom prst="roundRect">
@@ -8444,7 +8085,7 @@
         </p:nvSpPr>
         <p:spPr>
           <a:xfrm>
-            <a:off x="22457274" y="3663341"/>
+            <a:off x="24114971" y="2401916"/>
             <a:ext cx="1045567" cy="418274"/>
           </a:xfrm>
           <a:prstGeom prst="roundRect">
@@ -8511,7 +8152,7 @@
         </p:nvSpPr>
         <p:spPr>
           <a:xfrm>
-            <a:off x="15745505" y="6458659"/>
+            <a:off x="18062626" y="2378549"/>
             <a:ext cx="1045567" cy="418274"/>
           </a:xfrm>
           <a:prstGeom prst="roundRect">
@@ -8559,17 +8200,17 @@
                 <a:ea typeface="Palatino" pitchFamily="2" charset="77"/>
                 <a:cs typeface="Baloo 2" panose="03080502040302020200" pitchFamily="66" charset="77"/>
               </a:rPr>
-              <a:t>CREDITS</a:t>
-            </a:r>
-          </a:p>
-        </p:txBody>
-      </p:sp>
-      <p:sp>
-        <p:nvSpPr>
-          <p:cNvPr id="977" name="Rounded Rectangle 976">
-            <a:extLst>
-              <a:ext uri="{FF2B5EF4-FFF2-40B4-BE49-F238E27FC236}">
-                <a16:creationId xmlns:a16="http://schemas.microsoft.com/office/drawing/2014/main" id="{CF7FA6A6-5642-84EB-38D2-F33957928FAD}"/>
+              <a:t>CREDITS MENU</a:t>
+            </a:r>
+          </a:p>
+        </p:txBody>
+      </p:sp>
+      <p:sp>
+        <p:nvSpPr>
+          <p:cNvPr id="982" name="Rounded Rectangle 981">
+            <a:extLst>
+              <a:ext uri="{FF2B5EF4-FFF2-40B4-BE49-F238E27FC236}">
+                <a16:creationId xmlns:a16="http://schemas.microsoft.com/office/drawing/2014/main" id="{10406971-331D-C63F-9F4E-84A3CCF1823F}"/>
               </a:ext>
             </a:extLst>
           </p:cNvPr>
@@ -8578,114 +8219,7 @@
         </p:nvSpPr>
         <p:spPr>
           <a:xfrm>
-            <a:off x="12584184" y="1755703"/>
-            <a:ext cx="1045567" cy="418274"/>
-          </a:xfrm>
-          <a:prstGeom prst="roundRect">
-            <a:avLst/>
-          </a:prstGeom>
-          <a:solidFill>
-            <a:srgbClr val="F1E5B0"/>
-          </a:solidFill>
-          <a:ln>
-            <a:noFill/>
-          </a:ln>
-        </p:spPr>
-        <p:style>
-          <a:lnRef idx="2">
-            <a:schemeClr val="accent1">
-              <a:shade val="15000"/>
-            </a:schemeClr>
-          </a:lnRef>
-          <a:fillRef idx="1">
-            <a:schemeClr val="accent1"/>
-          </a:fillRef>
-          <a:effectRef idx="0">
-            <a:schemeClr val="accent1"/>
-          </a:effectRef>
-          <a:fontRef idx="minor">
-            <a:schemeClr val="lt1"/>
-          </a:fontRef>
-        </p:style>
-        <p:txBody>
-          <a:bodyPr rtlCol="0" anchor="ctr"/>
-          <a:lstStyle/>
-          <a:p>
-            <a:pPr algn="ctr"/>
-            <a:r>
-              <a:rPr lang="en-CH" sz="1100" dirty="0">
-                <a:solidFill>
-                  <a:schemeClr val="accent5">
-                    <a:lumMod val="50000"/>
-                  </a:schemeClr>
-                </a:solidFill>
-                <a:latin typeface="Baloo 2" panose="03080502040302020200" pitchFamily="66" charset="77"/>
-                <a:ea typeface="Palatino" pitchFamily="2" charset="77"/>
-                <a:cs typeface="Baloo 2" panose="03080502040302020200" pitchFamily="66" charset="77"/>
-              </a:rPr>
-              <a:t>GLOBAL BOUNDARIES</a:t>
-            </a:r>
-          </a:p>
-        </p:txBody>
-      </p:sp>
-      <p:cxnSp>
-        <p:nvCxnSpPr>
-          <p:cNvPr id="978" name="Curved Connector 977">
-            <a:extLst>
-              <a:ext uri="{FF2B5EF4-FFF2-40B4-BE49-F238E27FC236}">
-                <a16:creationId xmlns:a16="http://schemas.microsoft.com/office/drawing/2014/main" id="{1C174EDA-3424-9430-A0AD-B448EE8D82AD}"/>
-              </a:ext>
-            </a:extLst>
-          </p:cNvPr>
-          <p:cNvCxnSpPr>
-            <a:cxnSpLocks/>
-            <a:stCxn id="31" idx="2"/>
-            <a:endCxn id="977" idx="0"/>
-          </p:cNvCxnSpPr>
-          <p:nvPr/>
-        </p:nvCxnSpPr>
-        <p:spPr>
-          <a:xfrm rot="16200000" flipH="1">
-            <a:off x="12281308" y="930044"/>
-            <a:ext cx="207198" cy="1444120"/>
-          </a:xfrm>
-          <a:prstGeom prst="curvedConnector3">
-            <a:avLst>
-              <a:gd name="adj1" fmla="val 50000"/>
-            </a:avLst>
-          </a:prstGeom>
-          <a:ln w="19050"/>
-        </p:spPr>
-        <p:style>
-          <a:lnRef idx="1">
-            <a:schemeClr val="accent1"/>
-          </a:lnRef>
-          <a:fillRef idx="0">
-            <a:schemeClr val="accent1"/>
-          </a:fillRef>
-          <a:effectRef idx="0">
-            <a:schemeClr val="accent1"/>
-          </a:effectRef>
-          <a:fontRef idx="minor">
-            <a:schemeClr val="tx1"/>
-          </a:fontRef>
-        </p:style>
-      </p:cxnSp>
-      <p:sp>
-        <p:nvSpPr>
-          <p:cNvPr id="982" name="Rounded Rectangle 981">
-            <a:extLst>
-              <a:ext uri="{FF2B5EF4-FFF2-40B4-BE49-F238E27FC236}">
-                <a16:creationId xmlns:a16="http://schemas.microsoft.com/office/drawing/2014/main" id="{10406971-331D-C63F-9F4E-84A3CCF1823F}"/>
-              </a:ext>
-            </a:extLst>
-          </p:cNvPr>
-          <p:cNvSpPr/>
-          <p:nvPr/>
-        </p:nvSpPr>
-        <p:spPr>
-          <a:xfrm>
-            <a:off x="18824461" y="1232671"/>
+            <a:off x="26631799" y="1435981"/>
             <a:ext cx="1045567" cy="418274"/>
           </a:xfrm>
           <a:prstGeom prst="roundRect">
@@ -8750,17 +8284,19 @@
           <p:cNvCxnSpPr>
             <a:cxnSpLocks/>
             <a:stCxn id="982" idx="0"/>
-            <a:endCxn id="409" idx="3"/>
+            <a:endCxn id="409" idx="2"/>
           </p:cNvCxnSpPr>
           <p:nvPr/>
         </p:nvCxnSpPr>
         <p:spPr>
           <a:xfrm rot="16200000" flipV="1">
-            <a:off x="15773686" y="-2340889"/>
-            <a:ext cx="885625" cy="6261495"/>
-          </a:xfrm>
-          <a:prstGeom prst="curvedConnector2">
-            <a:avLst/>
+            <a:off x="22118819" y="-3599784"/>
+            <a:ext cx="879798" cy="9191731"/>
+          </a:xfrm>
+          <a:prstGeom prst="curvedConnector3">
+            <a:avLst>
+              <a:gd name="adj1" fmla="val 50000"/>
+            </a:avLst>
           </a:prstGeom>
           <a:ln w="19050"/>
         </p:spPr>
@@ -8793,7 +8329,7 @@
         </p:nvSpPr>
         <p:spPr>
           <a:xfrm>
-            <a:off x="18402024" y="2121588"/>
+            <a:off x="26640861" y="2201498"/>
             <a:ext cx="1045567" cy="418274"/>
           </a:xfrm>
           <a:prstGeom prst="roundRect">
@@ -8805,8 +8341,10 @@
               <a:lumOff val="60000"/>
             </a:schemeClr>
           </a:solidFill>
-          <a:ln>
-            <a:noFill/>
+          <a:ln w="38100">
+            <a:solidFill>
+              <a:srgbClr val="FFC000"/>
+            </a:solidFill>
           </a:ln>
         </p:spPr>
         <p:style>
@@ -8863,9 +8401,9 @@
           <p:nvPr/>
         </p:nvCxnSpPr>
         <p:spPr>
-          <a:xfrm rot="5400000">
-            <a:off x="18900706" y="1675049"/>
-            <a:ext cx="470643" cy="422437"/>
+          <a:xfrm rot="16200000" flipH="1">
+            <a:off x="26985493" y="2023345"/>
+            <a:ext cx="347243" cy="9062"/>
           </a:xfrm>
           <a:prstGeom prst="curvedConnector3">
             <a:avLst>
@@ -8903,7 +8441,7 @@
         </p:nvSpPr>
         <p:spPr>
           <a:xfrm>
-            <a:off x="20032336" y="6694829"/>
+            <a:off x="18748329" y="7852418"/>
             <a:ext cx="1045567" cy="418274"/>
           </a:xfrm>
           <a:prstGeom prst="roundRect">
@@ -8915,8 +8453,10 @@
               <a:lumOff val="60000"/>
             </a:schemeClr>
           </a:solidFill>
-          <a:ln>
-            <a:noFill/>
+          <a:ln w="38100">
+            <a:solidFill>
+              <a:srgbClr val="FFC000"/>
+            </a:solidFill>
           </a:ln>
         </p:spPr>
         <p:style>
@@ -8956,49 +8496,6 @@
           </a:p>
         </p:txBody>
       </p:sp>
-      <p:cxnSp>
-        <p:nvCxnSpPr>
-          <p:cNvPr id="994" name="Curved Connector 993">
-            <a:extLst>
-              <a:ext uri="{FF2B5EF4-FFF2-40B4-BE49-F238E27FC236}">
-                <a16:creationId xmlns:a16="http://schemas.microsoft.com/office/drawing/2014/main" id="{13D6F7B2-368C-0E25-F686-46E6D598DBB5}"/>
-              </a:ext>
-            </a:extLst>
-          </p:cNvPr>
-          <p:cNvCxnSpPr>
-            <a:cxnSpLocks/>
-            <a:stCxn id="961" idx="2"/>
-            <a:endCxn id="993" idx="0"/>
-          </p:cNvCxnSpPr>
-          <p:nvPr/>
-        </p:nvCxnSpPr>
-        <p:spPr>
-          <a:xfrm rot="16200000" flipH="1">
-            <a:off x="19768824" y="5908532"/>
-            <a:ext cx="988171" cy="584422"/>
-          </a:xfrm>
-          <a:prstGeom prst="curvedConnector3">
-            <a:avLst>
-              <a:gd name="adj1" fmla="val 50000"/>
-            </a:avLst>
-          </a:prstGeom>
-          <a:ln w="19050"/>
-        </p:spPr>
-        <p:style>
-          <a:lnRef idx="1">
-            <a:schemeClr val="accent1"/>
-          </a:lnRef>
-          <a:fillRef idx="0">
-            <a:schemeClr val="accent1"/>
-          </a:fillRef>
-          <a:effectRef idx="0">
-            <a:schemeClr val="accent1"/>
-          </a:effectRef>
-          <a:fontRef idx="minor">
-            <a:schemeClr val="tx1"/>
-          </a:fontRef>
-        </p:style>
-      </p:cxnSp>
       <p:sp>
         <p:nvSpPr>
           <p:cNvPr id="998" name="Rounded Rectangle 997">
@@ -9013,7 +8510,7 @@
         </p:nvSpPr>
         <p:spPr>
           <a:xfrm>
-            <a:off x="18613243" y="6772255"/>
+            <a:off x="21505297" y="7809375"/>
             <a:ext cx="1045567" cy="418274"/>
           </a:xfrm>
           <a:prstGeom prst="roundRect">
@@ -9025,8 +8522,10 @@
               <a:lumOff val="60000"/>
             </a:schemeClr>
           </a:solidFill>
-          <a:ln>
-            <a:noFill/>
+          <a:ln w="38100">
+            <a:solidFill>
+              <a:srgbClr val="FFC000"/>
+            </a:solidFill>
           </a:ln>
         </p:spPr>
         <p:style>
@@ -9066,49 +8565,6 @@
           </a:p>
         </p:txBody>
       </p:sp>
-      <p:cxnSp>
-        <p:nvCxnSpPr>
-          <p:cNvPr id="999" name="Curved Connector 998">
-            <a:extLst>
-              <a:ext uri="{FF2B5EF4-FFF2-40B4-BE49-F238E27FC236}">
-                <a16:creationId xmlns:a16="http://schemas.microsoft.com/office/drawing/2014/main" id="{FEF5C992-EAD8-13C5-B694-23F8A3B397EE}"/>
-              </a:ext>
-            </a:extLst>
-          </p:cNvPr>
-          <p:cNvCxnSpPr>
-            <a:cxnSpLocks/>
-            <a:stCxn id="961" idx="2"/>
-            <a:endCxn id="998" idx="0"/>
-          </p:cNvCxnSpPr>
-          <p:nvPr/>
-        </p:nvCxnSpPr>
-        <p:spPr>
-          <a:xfrm rot="5400000">
-            <a:off x="19020565" y="5822122"/>
-            <a:ext cx="1065597" cy="834671"/>
-          </a:xfrm>
-          <a:prstGeom prst="curvedConnector3">
-            <a:avLst>
-              <a:gd name="adj1" fmla="val 50000"/>
-            </a:avLst>
-          </a:prstGeom>
-          <a:ln w="19050"/>
-        </p:spPr>
-        <p:style>
-          <a:lnRef idx="1">
-            <a:schemeClr val="accent1"/>
-          </a:lnRef>
-          <a:fillRef idx="0">
-            <a:schemeClr val="accent1"/>
-          </a:fillRef>
-          <a:effectRef idx="0">
-            <a:schemeClr val="accent1"/>
-          </a:effectRef>
-          <a:fontRef idx="minor">
-            <a:schemeClr val="tx1"/>
-          </a:fontRef>
-        </p:style>
-      </p:cxnSp>
       <p:sp>
         <p:nvSpPr>
           <p:cNvPr id="1003" name="Rounded Rectangle 1002">
@@ -9123,7 +8579,7 @@
         </p:nvSpPr>
         <p:spPr>
           <a:xfrm>
-            <a:off x="19601980" y="7536428"/>
+            <a:off x="22845505" y="7821881"/>
             <a:ext cx="1045567" cy="418274"/>
           </a:xfrm>
           <a:prstGeom prst="roundRect">
@@ -9135,8 +8591,10 @@
               <a:lumOff val="60000"/>
             </a:schemeClr>
           </a:solidFill>
-          <a:ln>
-            <a:noFill/>
+          <a:ln w="38100">
+            <a:solidFill>
+              <a:srgbClr val="FFC000"/>
+            </a:solidFill>
           </a:ln>
         </p:spPr>
         <p:style>
@@ -9176,49 +8634,6 @@
           </a:p>
         </p:txBody>
       </p:sp>
-      <p:cxnSp>
-        <p:nvCxnSpPr>
-          <p:cNvPr id="1004" name="Curved Connector 1003">
-            <a:extLst>
-              <a:ext uri="{FF2B5EF4-FFF2-40B4-BE49-F238E27FC236}">
-                <a16:creationId xmlns:a16="http://schemas.microsoft.com/office/drawing/2014/main" id="{12D31122-DE64-F5E4-2952-B387F73E5437}"/>
-              </a:ext>
-            </a:extLst>
-          </p:cNvPr>
-          <p:cNvCxnSpPr>
-            <a:cxnSpLocks/>
-            <a:stCxn id="961" idx="2"/>
-            <a:endCxn id="1003" idx="0"/>
-          </p:cNvCxnSpPr>
-          <p:nvPr/>
-        </p:nvCxnSpPr>
-        <p:spPr>
-          <a:xfrm rot="16200000" flipH="1">
-            <a:off x="19132845" y="6544510"/>
-            <a:ext cx="1829770" cy="154066"/>
-          </a:xfrm>
-          <a:prstGeom prst="curvedConnector3">
-            <a:avLst>
-              <a:gd name="adj1" fmla="val 50000"/>
-            </a:avLst>
-          </a:prstGeom>
-          <a:ln w="19050"/>
-        </p:spPr>
-        <p:style>
-          <a:lnRef idx="1">
-            <a:schemeClr val="accent1"/>
-          </a:lnRef>
-          <a:fillRef idx="0">
-            <a:schemeClr val="accent1"/>
-          </a:fillRef>
-          <a:effectRef idx="0">
-            <a:schemeClr val="accent1"/>
-          </a:effectRef>
-          <a:fontRef idx="minor">
-            <a:schemeClr val="tx1"/>
-          </a:fontRef>
-        </p:style>
-      </p:cxnSp>
       <p:sp>
         <p:nvSpPr>
           <p:cNvPr id="1011" name="Rounded Rectangle 1010">
@@ -9233,7 +8648,7 @@
         </p:nvSpPr>
         <p:spPr>
           <a:xfrm>
-            <a:off x="17798266" y="6248248"/>
+            <a:off x="20184605" y="7852418"/>
             <a:ext cx="1045567" cy="418274"/>
           </a:xfrm>
           <a:prstGeom prst="roundRect">
@@ -9245,8 +8660,10 @@
               <a:lumOff val="60000"/>
             </a:schemeClr>
           </a:solidFill>
-          <a:ln>
-            <a:noFill/>
+          <a:ln w="38100">
+            <a:solidFill>
+              <a:srgbClr val="00B050"/>
+            </a:solidFill>
           </a:ln>
         </p:spPr>
         <p:style>
@@ -9286,49 +8703,6 @@
           </a:p>
         </p:txBody>
       </p:sp>
-      <p:cxnSp>
-        <p:nvCxnSpPr>
-          <p:cNvPr id="1012" name="Curved Connector 1011">
-            <a:extLst>
-              <a:ext uri="{FF2B5EF4-FFF2-40B4-BE49-F238E27FC236}">
-                <a16:creationId xmlns:a16="http://schemas.microsoft.com/office/drawing/2014/main" id="{82830029-107C-F778-083C-9E74BF60C662}"/>
-              </a:ext>
-            </a:extLst>
-          </p:cNvPr>
-          <p:cNvCxnSpPr>
-            <a:cxnSpLocks/>
-            <a:stCxn id="961" idx="2"/>
-            <a:endCxn id="1011" idx="0"/>
-          </p:cNvCxnSpPr>
-          <p:nvPr/>
-        </p:nvCxnSpPr>
-        <p:spPr>
-          <a:xfrm rot="5400000">
-            <a:off x="18875079" y="5152629"/>
-            <a:ext cx="541590" cy="1649648"/>
-          </a:xfrm>
-          <a:prstGeom prst="curvedConnector3">
-            <a:avLst>
-              <a:gd name="adj1" fmla="val 50000"/>
-            </a:avLst>
-          </a:prstGeom>
-          <a:ln w="19050"/>
-        </p:spPr>
-        <p:style>
-          <a:lnRef idx="1">
-            <a:schemeClr val="accent1"/>
-          </a:lnRef>
-          <a:fillRef idx="0">
-            <a:schemeClr val="accent1"/>
-          </a:fillRef>
-          <a:effectRef idx="0">
-            <a:schemeClr val="accent1"/>
-          </a:effectRef>
-          <a:fontRef idx="minor">
-            <a:schemeClr val="tx1"/>
-          </a:fontRef>
-        </p:style>
-      </p:cxnSp>
       <p:sp>
         <p:nvSpPr>
           <p:cNvPr id="1015" name="Rounded Rectangle 1014">
@@ -9343,7 +8717,7 @@
         </p:nvSpPr>
         <p:spPr>
           <a:xfrm>
-            <a:off x="12480090" y="6030319"/>
+            <a:off x="18121911" y="4484095"/>
             <a:ext cx="1045567" cy="418274"/>
           </a:xfrm>
           <a:prstGeom prst="roundRect">
@@ -9410,7 +8784,7 @@
         </p:nvSpPr>
         <p:spPr>
           <a:xfrm>
-            <a:off x="12174474" y="7240471"/>
+            <a:off x="16804476" y="5157270"/>
             <a:ext cx="1045567" cy="418274"/>
           </a:xfrm>
           <a:prstGeom prst="roundRect">
@@ -9422,8 +8796,10 @@
               <a:lumOff val="60000"/>
             </a:schemeClr>
           </a:solidFill>
-          <a:ln>
-            <a:noFill/>
+          <a:ln w="38100">
+            <a:solidFill>
+              <a:srgbClr val="FFC000"/>
+            </a:solidFill>
           </a:ln>
         </p:spPr>
         <p:style>
@@ -9477,7 +8853,7 @@
         </p:nvSpPr>
         <p:spPr>
           <a:xfrm>
-            <a:off x="13002873" y="7689524"/>
+            <a:off x="17123960" y="5958482"/>
             <a:ext cx="1045567" cy="418274"/>
           </a:xfrm>
           <a:prstGeom prst="roundRect">
@@ -9489,8 +8865,10 @@
               <a:lumOff val="60000"/>
             </a:schemeClr>
           </a:solidFill>
-          <a:ln>
-            <a:noFill/>
+          <a:ln w="38100">
+            <a:solidFill>
+              <a:schemeClr val="accent4"/>
+            </a:solidFill>
           </a:ln>
         </p:spPr>
         <p:style>
@@ -9544,7 +8922,7 @@
         </p:nvSpPr>
         <p:spPr>
           <a:xfrm>
-            <a:off x="14364102" y="7275868"/>
+            <a:off x="18343968" y="5692205"/>
             <a:ext cx="1045567" cy="418274"/>
           </a:xfrm>
           <a:prstGeom prst="roundRect">
@@ -9556,8 +8934,10 @@
               <a:lumOff val="60000"/>
             </a:schemeClr>
           </a:solidFill>
-          <a:ln>
-            <a:noFill/>
+          <a:ln w="38100">
+            <a:solidFill>
+              <a:schemeClr val="accent4"/>
+            </a:solidFill>
           </a:ln>
         </p:spPr>
         <p:style>
@@ -9615,8 +8995,8 @@
         </p:nvCxnSpPr>
         <p:spPr>
           <a:xfrm rot="5400000">
-            <a:off x="12454126" y="6691724"/>
-            <a:ext cx="791878" cy="305616"/>
+            <a:off x="17858528" y="4371102"/>
+            <a:ext cx="254901" cy="1317435"/>
           </a:xfrm>
           <a:prstGeom prst="curvedConnector3">
             <a:avLst>
@@ -9657,9 +9037,9 @@
           <p:nvPr/>
         </p:nvCxnSpPr>
         <p:spPr>
-          <a:xfrm rot="16200000" flipH="1">
-            <a:off x="12643800" y="6807667"/>
-            <a:ext cx="1240931" cy="522783"/>
+          <a:xfrm rot="5400000">
+            <a:off x="17617664" y="4931450"/>
+            <a:ext cx="1056113" cy="997951"/>
           </a:xfrm>
           <a:prstGeom prst="curvedConnector3">
             <a:avLst>
@@ -9701,8 +9081,8 @@
         </p:nvCxnSpPr>
         <p:spPr>
           <a:xfrm rot="16200000" flipH="1">
-            <a:off x="13531243" y="5920224"/>
-            <a:ext cx="827275" cy="1884012"/>
+            <a:off x="18360805" y="5186258"/>
+            <a:ext cx="789836" cy="222057"/>
           </a:xfrm>
           <a:prstGeom prst="curvedConnector3">
             <a:avLst>
@@ -9740,7 +9120,7 @@
         </p:nvSpPr>
         <p:spPr>
           <a:xfrm>
-            <a:off x="15409669" y="7876050"/>
+            <a:off x="17539842" y="3150401"/>
             <a:ext cx="1045567" cy="418274"/>
           </a:xfrm>
           <a:prstGeom prst="roundRect">
@@ -9752,8 +9132,10 @@
               <a:lumOff val="60000"/>
             </a:schemeClr>
           </a:solidFill>
-          <a:ln>
-            <a:noFill/>
+          <a:ln w="38100">
+            <a:solidFill>
+              <a:srgbClr val="00B050"/>
+            </a:solidFill>
           </a:ln>
         </p:spPr>
         <p:style>
@@ -9811,8 +9193,8 @@
         </p:nvCxnSpPr>
         <p:spPr>
           <a:xfrm rot="5400000">
-            <a:off x="15600813" y="7208573"/>
-            <a:ext cx="999117" cy="335836"/>
+            <a:off x="18147229" y="2712220"/>
+            <a:ext cx="353578" cy="522784"/>
           </a:xfrm>
           <a:prstGeom prst="curvedConnector3">
             <a:avLst>
@@ -9836,12 +9218,141 @@
           </a:fontRef>
         </p:style>
       </p:cxnSp>
-      <p:sp>
-        <p:nvSpPr>
-          <p:cNvPr id="1035" name="Rounded Rectangle 1034">
-            <a:extLst>
-              <a:ext uri="{FF2B5EF4-FFF2-40B4-BE49-F238E27FC236}">
-                <a16:creationId xmlns:a16="http://schemas.microsoft.com/office/drawing/2014/main" id="{E0CF449D-D822-7073-AFD1-170E4E4887C1}"/>
+      <p:cxnSp>
+        <p:nvCxnSpPr>
+          <p:cNvPr id="1037" name="Curved Connector 1036">
+            <a:extLst>
+              <a:ext uri="{FF2B5EF4-FFF2-40B4-BE49-F238E27FC236}">
+                <a16:creationId xmlns:a16="http://schemas.microsoft.com/office/drawing/2014/main" id="{5783AC0C-4C7B-F404-E21A-71D06FD87757}"/>
+              </a:ext>
+            </a:extLst>
+          </p:cNvPr>
+          <p:cNvCxnSpPr>
+            <a:cxnSpLocks/>
+            <a:stCxn id="1015" idx="2"/>
+            <a:endCxn id="1484" idx="0"/>
+          </p:cNvCxnSpPr>
+          <p:nvPr/>
+        </p:nvCxnSpPr>
+        <p:spPr>
+          <a:xfrm rot="16200000" flipH="1">
+            <a:off x="21739242" y="1807821"/>
+            <a:ext cx="347960" cy="6537055"/>
+          </a:xfrm>
+          <a:prstGeom prst="curvedConnector3">
+            <a:avLst>
+              <a:gd name="adj1" fmla="val 50000"/>
+            </a:avLst>
+          </a:prstGeom>
+          <a:ln w="19050"/>
+        </p:spPr>
+        <p:style>
+          <a:lnRef idx="1">
+            <a:schemeClr val="accent1"/>
+          </a:lnRef>
+          <a:fillRef idx="0">
+            <a:schemeClr val="accent1"/>
+          </a:fillRef>
+          <a:effectRef idx="0">
+            <a:schemeClr val="accent1"/>
+          </a:effectRef>
+          <a:fontRef idx="minor">
+            <a:schemeClr val="tx1"/>
+          </a:fontRef>
+        </p:style>
+      </p:cxnSp>
+      <p:cxnSp>
+        <p:nvCxnSpPr>
+          <p:cNvPr id="1041" name="Curved Connector 1040">
+            <a:extLst>
+              <a:ext uri="{FF2B5EF4-FFF2-40B4-BE49-F238E27FC236}">
+                <a16:creationId xmlns:a16="http://schemas.microsoft.com/office/drawing/2014/main" id="{722D0215-CEC4-2426-D356-70F1F2500307}"/>
+              </a:ext>
+            </a:extLst>
+          </p:cNvPr>
+          <p:cNvCxnSpPr>
+            <a:cxnSpLocks/>
+            <a:stCxn id="963" idx="2"/>
+            <a:endCxn id="1484" idx="0"/>
+          </p:cNvCxnSpPr>
+          <p:nvPr/>
+        </p:nvCxnSpPr>
+        <p:spPr>
+          <a:xfrm rot="16200000" flipH="1">
+            <a:off x="20656827" y="725406"/>
+            <a:ext cx="2453506" cy="6596340"/>
+          </a:xfrm>
+          <a:prstGeom prst="curvedConnector3">
+            <a:avLst>
+              <a:gd name="adj1" fmla="val 50000"/>
+            </a:avLst>
+          </a:prstGeom>
+          <a:ln w="19050"/>
+        </p:spPr>
+        <p:style>
+          <a:lnRef idx="1">
+            <a:schemeClr val="accent1"/>
+          </a:lnRef>
+          <a:fillRef idx="0">
+            <a:schemeClr val="accent1"/>
+          </a:fillRef>
+          <a:effectRef idx="0">
+            <a:schemeClr val="accent1"/>
+          </a:effectRef>
+          <a:fontRef idx="minor">
+            <a:schemeClr val="tx1"/>
+          </a:fontRef>
+        </p:style>
+      </p:cxnSp>
+      <p:cxnSp>
+        <p:nvCxnSpPr>
+          <p:cNvPr id="1058" name="Curved Connector 1057">
+            <a:extLst>
+              <a:ext uri="{FF2B5EF4-FFF2-40B4-BE49-F238E27FC236}">
+                <a16:creationId xmlns:a16="http://schemas.microsoft.com/office/drawing/2014/main" id="{724B0735-687F-E8B5-2518-C137E49BCAEC}"/>
+              </a:ext>
+            </a:extLst>
+          </p:cNvPr>
+          <p:cNvCxnSpPr>
+            <a:cxnSpLocks/>
+            <a:stCxn id="962" idx="2"/>
+            <a:endCxn id="1484" idx="0"/>
+          </p:cNvCxnSpPr>
+          <p:nvPr/>
+        </p:nvCxnSpPr>
+        <p:spPr>
+          <a:xfrm rot="16200000" flipH="1">
+            <a:off x="23694683" y="3763261"/>
+            <a:ext cx="2430139" cy="543995"/>
+          </a:xfrm>
+          <a:prstGeom prst="curvedConnector3">
+            <a:avLst>
+              <a:gd name="adj1" fmla="val 50000"/>
+            </a:avLst>
+          </a:prstGeom>
+          <a:ln w="19050"/>
+        </p:spPr>
+        <p:style>
+          <a:lnRef idx="1">
+            <a:schemeClr val="accent1"/>
+          </a:lnRef>
+          <a:fillRef idx="0">
+            <a:schemeClr val="accent1"/>
+          </a:fillRef>
+          <a:effectRef idx="0">
+            <a:schemeClr val="accent1"/>
+          </a:effectRef>
+          <a:fontRef idx="minor">
+            <a:schemeClr val="tx1"/>
+          </a:fontRef>
+        </p:style>
+      </p:cxnSp>
+      <p:sp>
+        <p:nvSpPr>
+          <p:cNvPr id="1061" name="Rounded Rectangle 1060">
+            <a:extLst>
+              <a:ext uri="{FF2B5EF4-FFF2-40B4-BE49-F238E27FC236}">
+                <a16:creationId xmlns:a16="http://schemas.microsoft.com/office/drawing/2014/main" id="{B2335355-E648-6F3B-E5A6-57CA813CD0EA}"/>
               </a:ext>
             </a:extLst>
           </p:cNvPr>
@@ -9850,7 +9361,7 @@
         </p:nvSpPr>
         <p:spPr>
           <a:xfrm>
-            <a:off x="10852957" y="7297884"/>
+            <a:off x="25800104" y="3156228"/>
             <a:ext cx="1045567" cy="418274"/>
           </a:xfrm>
           <a:prstGeom prst="roundRect">
@@ -9862,338 +9373,10 @@
               <a:lumOff val="60000"/>
             </a:schemeClr>
           </a:solidFill>
-          <a:ln>
-            <a:noFill/>
-          </a:ln>
-        </p:spPr>
-        <p:style>
-          <a:lnRef idx="2">
-            <a:schemeClr val="accent1">
-              <a:shade val="15000"/>
-            </a:schemeClr>
-          </a:lnRef>
-          <a:fillRef idx="1">
-            <a:schemeClr val="accent1"/>
-          </a:fillRef>
-          <a:effectRef idx="0">
-            <a:schemeClr val="accent1"/>
-          </a:effectRef>
-          <a:fontRef idx="minor">
-            <a:schemeClr val="lt1"/>
-          </a:fontRef>
-        </p:style>
-        <p:txBody>
-          <a:bodyPr rtlCol="0" anchor="ctr"/>
-          <a:lstStyle/>
-          <a:p>
-            <a:pPr algn="ctr"/>
-            <a:r>
-              <a:rPr lang="en-CH" sz="1100" dirty="0">
-                <a:solidFill>
-                  <a:schemeClr val="accent5">
-                    <a:lumMod val="50000"/>
-                  </a:schemeClr>
-                </a:solidFill>
-                <a:latin typeface="Baloo 2" panose="03080502040302020200" pitchFamily="66" charset="77"/>
-                <a:ea typeface="Palatino" pitchFamily="2" charset="77"/>
-                <a:cs typeface="Baloo 2" panose="03080502040302020200" pitchFamily="66" charset="77"/>
-              </a:rPr>
-              <a:t>BACK</a:t>
-            </a:r>
-          </a:p>
-        </p:txBody>
-      </p:sp>
-      <p:cxnSp>
-        <p:nvCxnSpPr>
-          <p:cNvPr id="1037" name="Curved Connector 1036">
-            <a:extLst>
-              <a:ext uri="{FF2B5EF4-FFF2-40B4-BE49-F238E27FC236}">
-                <a16:creationId xmlns:a16="http://schemas.microsoft.com/office/drawing/2014/main" id="{5783AC0C-4C7B-F404-E21A-71D06FD87757}"/>
-              </a:ext>
-            </a:extLst>
-          </p:cNvPr>
-          <p:cNvCxnSpPr>
-            <a:cxnSpLocks/>
-            <a:stCxn id="1015" idx="2"/>
-            <a:endCxn id="1035" idx="0"/>
-          </p:cNvCxnSpPr>
-          <p:nvPr/>
-        </p:nvCxnSpPr>
-        <p:spPr>
-          <a:xfrm rot="5400000">
-            <a:off x="11764663" y="6059673"/>
-            <a:ext cx="849291" cy="1627133"/>
-          </a:xfrm>
-          <a:prstGeom prst="curvedConnector3">
-            <a:avLst>
-              <a:gd name="adj1" fmla="val 50000"/>
-            </a:avLst>
-          </a:prstGeom>
-          <a:ln w="19050"/>
-        </p:spPr>
-        <p:style>
-          <a:lnRef idx="1">
-            <a:schemeClr val="accent1"/>
-          </a:lnRef>
-          <a:fillRef idx="0">
-            <a:schemeClr val="accent1"/>
-          </a:fillRef>
-          <a:effectRef idx="0">
-            <a:schemeClr val="accent1"/>
-          </a:effectRef>
-          <a:fontRef idx="minor">
-            <a:schemeClr val="tx1"/>
-          </a:fontRef>
-        </p:style>
-      </p:cxnSp>
-      <p:sp>
-        <p:nvSpPr>
-          <p:cNvPr id="1040" name="Rounded Rectangle 1039">
-            <a:extLst>
-              <a:ext uri="{FF2B5EF4-FFF2-40B4-BE49-F238E27FC236}">
-                <a16:creationId xmlns:a16="http://schemas.microsoft.com/office/drawing/2014/main" id="{04F8C0F0-498F-EBCF-9ED4-EE34221ABE76}"/>
-              </a:ext>
-            </a:extLst>
-          </p:cNvPr>
-          <p:cNvSpPr/>
-          <p:nvPr/>
-        </p:nvSpPr>
-        <p:spPr>
-          <a:xfrm>
-            <a:off x="16490834" y="7510414"/>
-            <a:ext cx="1045567" cy="418274"/>
-          </a:xfrm>
-          <a:prstGeom prst="roundRect">
-            <a:avLst/>
-          </a:prstGeom>
-          <a:solidFill>
-            <a:schemeClr val="accent6">
-              <a:lumMod val="40000"/>
-              <a:lumOff val="60000"/>
-            </a:schemeClr>
-          </a:solidFill>
-          <a:ln>
-            <a:noFill/>
-          </a:ln>
-        </p:spPr>
-        <p:style>
-          <a:lnRef idx="2">
-            <a:schemeClr val="accent1">
-              <a:shade val="15000"/>
-            </a:schemeClr>
-          </a:lnRef>
-          <a:fillRef idx="1">
-            <a:schemeClr val="accent1"/>
-          </a:fillRef>
-          <a:effectRef idx="0">
-            <a:schemeClr val="accent1"/>
-          </a:effectRef>
-          <a:fontRef idx="minor">
-            <a:schemeClr val="lt1"/>
-          </a:fontRef>
-        </p:style>
-        <p:txBody>
-          <a:bodyPr rtlCol="0" anchor="ctr"/>
-          <a:lstStyle/>
-          <a:p>
-            <a:pPr algn="ctr"/>
-            <a:r>
-              <a:rPr lang="en-CH" sz="1100" dirty="0">
-                <a:solidFill>
-                  <a:schemeClr val="accent5">
-                    <a:lumMod val="50000"/>
-                  </a:schemeClr>
-                </a:solidFill>
-                <a:latin typeface="Baloo 2" panose="03080502040302020200" pitchFamily="66" charset="77"/>
-                <a:ea typeface="Palatino" pitchFamily="2" charset="77"/>
-                <a:cs typeface="Baloo 2" panose="03080502040302020200" pitchFamily="66" charset="77"/>
-              </a:rPr>
-              <a:t>BACK</a:t>
-            </a:r>
-          </a:p>
-        </p:txBody>
-      </p:sp>
-      <p:cxnSp>
-        <p:nvCxnSpPr>
-          <p:cNvPr id="1041" name="Curved Connector 1040">
-            <a:extLst>
-              <a:ext uri="{FF2B5EF4-FFF2-40B4-BE49-F238E27FC236}">
-                <a16:creationId xmlns:a16="http://schemas.microsoft.com/office/drawing/2014/main" id="{722D0215-CEC4-2426-D356-70F1F2500307}"/>
-              </a:ext>
-            </a:extLst>
-          </p:cNvPr>
-          <p:cNvCxnSpPr>
-            <a:cxnSpLocks/>
-            <a:stCxn id="963" idx="2"/>
-            <a:endCxn id="1040" idx="0"/>
-          </p:cNvCxnSpPr>
-          <p:nvPr/>
-        </p:nvCxnSpPr>
-        <p:spPr>
-          <a:xfrm rot="16200000" flipH="1">
-            <a:off x="16324213" y="6821009"/>
-            <a:ext cx="633481" cy="745329"/>
-          </a:xfrm>
-          <a:prstGeom prst="curvedConnector3">
-            <a:avLst>
-              <a:gd name="adj1" fmla="val 50000"/>
-            </a:avLst>
-          </a:prstGeom>
-          <a:ln w="19050"/>
-        </p:spPr>
-        <p:style>
-          <a:lnRef idx="1">
-            <a:schemeClr val="accent1"/>
-          </a:lnRef>
-          <a:fillRef idx="0">
-            <a:schemeClr val="accent1"/>
-          </a:fillRef>
-          <a:effectRef idx="0">
-            <a:schemeClr val="accent1"/>
-          </a:effectRef>
-          <a:fontRef idx="minor">
-            <a:schemeClr val="tx1"/>
-          </a:fontRef>
-        </p:style>
-      </p:cxnSp>
-      <p:sp>
-        <p:nvSpPr>
-          <p:cNvPr id="1057" name="Rounded Rectangle 1056">
-            <a:extLst>
-              <a:ext uri="{FF2B5EF4-FFF2-40B4-BE49-F238E27FC236}">
-                <a16:creationId xmlns:a16="http://schemas.microsoft.com/office/drawing/2014/main" id="{ADE0435C-0A78-E2B9-D7E4-B41049BC7B68}"/>
-              </a:ext>
-            </a:extLst>
-          </p:cNvPr>
-          <p:cNvSpPr/>
-          <p:nvPr/>
-        </p:nvSpPr>
-        <p:spPr>
-          <a:xfrm>
-            <a:off x="23154872" y="4837881"/>
-            <a:ext cx="1045567" cy="418274"/>
-          </a:xfrm>
-          <a:prstGeom prst="roundRect">
-            <a:avLst/>
-          </a:prstGeom>
-          <a:solidFill>
-            <a:schemeClr val="accent6">
-              <a:lumMod val="40000"/>
-              <a:lumOff val="60000"/>
-            </a:schemeClr>
-          </a:solidFill>
-          <a:ln>
-            <a:noFill/>
-          </a:ln>
-        </p:spPr>
-        <p:style>
-          <a:lnRef idx="2">
-            <a:schemeClr val="accent1">
-              <a:shade val="15000"/>
-            </a:schemeClr>
-          </a:lnRef>
-          <a:fillRef idx="1">
-            <a:schemeClr val="accent1"/>
-          </a:fillRef>
-          <a:effectRef idx="0">
-            <a:schemeClr val="accent1"/>
-          </a:effectRef>
-          <a:fontRef idx="minor">
-            <a:schemeClr val="lt1"/>
-          </a:fontRef>
-        </p:style>
-        <p:txBody>
-          <a:bodyPr rtlCol="0" anchor="ctr"/>
-          <a:lstStyle/>
-          <a:p>
-            <a:pPr algn="ctr"/>
-            <a:r>
-              <a:rPr lang="en-CH" sz="1100" dirty="0">
-                <a:solidFill>
-                  <a:schemeClr val="accent5">
-                    <a:lumMod val="50000"/>
-                  </a:schemeClr>
-                </a:solidFill>
-                <a:latin typeface="Baloo 2" panose="03080502040302020200" pitchFamily="66" charset="77"/>
-                <a:ea typeface="Palatino" pitchFamily="2" charset="77"/>
-                <a:cs typeface="Baloo 2" panose="03080502040302020200" pitchFamily="66" charset="77"/>
-              </a:rPr>
-              <a:t>BACK</a:t>
-            </a:r>
-          </a:p>
-        </p:txBody>
-      </p:sp>
-      <p:cxnSp>
-        <p:nvCxnSpPr>
-          <p:cNvPr id="1058" name="Curved Connector 1057">
-            <a:extLst>
-              <a:ext uri="{FF2B5EF4-FFF2-40B4-BE49-F238E27FC236}">
-                <a16:creationId xmlns:a16="http://schemas.microsoft.com/office/drawing/2014/main" id="{724B0735-687F-E8B5-2518-C137E49BCAEC}"/>
-              </a:ext>
-            </a:extLst>
-          </p:cNvPr>
-          <p:cNvCxnSpPr>
-            <a:cxnSpLocks/>
-            <a:stCxn id="962" idx="2"/>
-            <a:endCxn id="1057" idx="0"/>
-          </p:cNvCxnSpPr>
-          <p:nvPr/>
-        </p:nvCxnSpPr>
-        <p:spPr>
-          <a:xfrm rot="16200000" flipH="1">
-            <a:off x="22950724" y="4110949"/>
-            <a:ext cx="756266" cy="697598"/>
-          </a:xfrm>
-          <a:prstGeom prst="curvedConnector3">
-            <a:avLst>
-              <a:gd name="adj1" fmla="val 50000"/>
-            </a:avLst>
-          </a:prstGeom>
-          <a:ln w="19050"/>
-        </p:spPr>
-        <p:style>
-          <a:lnRef idx="1">
-            <a:schemeClr val="accent1"/>
-          </a:lnRef>
-          <a:fillRef idx="0">
-            <a:schemeClr val="accent1"/>
-          </a:fillRef>
-          <a:effectRef idx="0">
-            <a:schemeClr val="accent1"/>
-          </a:effectRef>
-          <a:fontRef idx="minor">
-            <a:schemeClr val="tx1"/>
-          </a:fontRef>
-        </p:style>
-      </p:cxnSp>
-      <p:sp>
-        <p:nvSpPr>
-          <p:cNvPr id="1061" name="Rounded Rectangle 1060">
-            <a:extLst>
-              <a:ext uri="{FF2B5EF4-FFF2-40B4-BE49-F238E27FC236}">
-                <a16:creationId xmlns:a16="http://schemas.microsoft.com/office/drawing/2014/main" id="{B2335355-E648-6F3B-E5A6-57CA813CD0EA}"/>
-              </a:ext>
-            </a:extLst>
-          </p:cNvPr>
-          <p:cNvSpPr/>
-          <p:nvPr/>
-        </p:nvSpPr>
-        <p:spPr>
-          <a:xfrm>
-            <a:off x="22036275" y="5612045"/>
-            <a:ext cx="1045567" cy="418274"/>
-          </a:xfrm>
-          <a:prstGeom prst="roundRect">
-            <a:avLst/>
-          </a:prstGeom>
-          <a:solidFill>
-            <a:schemeClr val="accent6">
-              <a:lumMod val="40000"/>
-              <a:lumOff val="60000"/>
-            </a:schemeClr>
-          </a:solidFill>
-          <a:ln>
-            <a:noFill/>
+          <a:ln w="38100">
+            <a:solidFill>
+              <a:srgbClr val="FFC000"/>
+            </a:solidFill>
           </a:ln>
         </p:spPr>
         <p:style>
@@ -10250,9 +9433,9 @@
           <p:nvPr/>
         </p:nvCxnSpPr>
         <p:spPr>
-          <a:xfrm rot="5400000">
-            <a:off x="22004344" y="4636331"/>
-            <a:ext cx="1530430" cy="420999"/>
+          <a:xfrm rot="16200000" flipH="1">
+            <a:off x="25312302" y="2145642"/>
+            <a:ext cx="336038" cy="1685133"/>
           </a:xfrm>
           <a:prstGeom prst="curvedConnector3">
             <a:avLst>
@@ -10290,7 +9473,7 @@
         </p:nvSpPr>
         <p:spPr>
           <a:xfrm>
-            <a:off x="21235398" y="4795714"/>
+            <a:off x="23334016" y="3623702"/>
             <a:ext cx="1045567" cy="418274"/>
           </a:xfrm>
           <a:prstGeom prst="roundRect">
@@ -10302,8 +9485,10 @@
               <a:lumOff val="60000"/>
             </a:schemeClr>
           </a:solidFill>
-          <a:ln>
-            <a:noFill/>
+          <a:ln w="38100">
+            <a:solidFill>
+              <a:srgbClr val="00B050"/>
+            </a:solidFill>
           </a:ln>
         </p:spPr>
         <p:style>
@@ -10343,49 +9528,6 @@
           </a:p>
         </p:txBody>
       </p:sp>
-      <p:cxnSp>
-        <p:nvCxnSpPr>
-          <p:cNvPr id="1067" name="Curved Connector 1066">
-            <a:extLst>
-              <a:ext uri="{FF2B5EF4-FFF2-40B4-BE49-F238E27FC236}">
-                <a16:creationId xmlns:a16="http://schemas.microsoft.com/office/drawing/2014/main" id="{B0923D78-3EB7-3AFB-EDDB-B46A3B122D09}"/>
-              </a:ext>
-            </a:extLst>
-          </p:cNvPr>
-          <p:cNvCxnSpPr>
-            <a:cxnSpLocks/>
-            <a:stCxn id="962" idx="2"/>
-            <a:endCxn id="1066" idx="0"/>
-          </p:cNvCxnSpPr>
-          <p:nvPr/>
-        </p:nvCxnSpPr>
-        <p:spPr>
-          <a:xfrm rot="5400000">
-            <a:off x="22012071" y="3827726"/>
-            <a:ext cx="714099" cy="1221876"/>
-          </a:xfrm>
-          <a:prstGeom prst="curvedConnector3">
-            <a:avLst>
-              <a:gd name="adj1" fmla="val 50000"/>
-            </a:avLst>
-          </a:prstGeom>
-          <a:ln w="19050"/>
-        </p:spPr>
-        <p:style>
-          <a:lnRef idx="1">
-            <a:schemeClr val="accent1"/>
-          </a:lnRef>
-          <a:fillRef idx="0">
-            <a:schemeClr val="accent1"/>
-          </a:fillRef>
-          <a:effectRef idx="0">
-            <a:schemeClr val="accent1"/>
-          </a:effectRef>
-          <a:fontRef idx="minor">
-            <a:schemeClr val="tx1"/>
-          </a:fontRef>
-        </p:style>
-      </p:cxnSp>
       <p:sp>
         <p:nvSpPr>
           <p:cNvPr id="1071" name="Rounded Rectangle 1070">
@@ -10400,7 +9542,7 @@
         </p:nvSpPr>
         <p:spPr>
           <a:xfrm>
-            <a:off x="24000070" y="4352009"/>
+            <a:off x="25453418" y="3794366"/>
             <a:ext cx="1045567" cy="418274"/>
           </a:xfrm>
           <a:prstGeom prst="roundRect">
@@ -10412,8 +9554,10 @@
               <a:lumOff val="60000"/>
             </a:schemeClr>
           </a:solidFill>
-          <a:ln>
-            <a:noFill/>
+          <a:ln w="38100">
+            <a:solidFill>
+              <a:srgbClr val="00B050"/>
+            </a:solidFill>
           </a:ln>
         </p:spPr>
         <p:style>
@@ -10453,49 +9597,6 @@
           </a:p>
         </p:txBody>
       </p:sp>
-      <p:cxnSp>
-        <p:nvCxnSpPr>
-          <p:cNvPr id="1072" name="Curved Connector 1071">
-            <a:extLst>
-              <a:ext uri="{FF2B5EF4-FFF2-40B4-BE49-F238E27FC236}">
-                <a16:creationId xmlns:a16="http://schemas.microsoft.com/office/drawing/2014/main" id="{399C421E-7164-4587-DC15-07D70CB5D14F}"/>
-              </a:ext>
-            </a:extLst>
-          </p:cNvPr>
-          <p:cNvCxnSpPr>
-            <a:cxnSpLocks/>
-            <a:stCxn id="962" idx="2"/>
-            <a:endCxn id="1071" idx="0"/>
-          </p:cNvCxnSpPr>
-          <p:nvPr/>
-        </p:nvCxnSpPr>
-        <p:spPr>
-          <a:xfrm rot="16200000" flipH="1">
-            <a:off x="23616259" y="3445414"/>
-            <a:ext cx="270394" cy="1542796"/>
-          </a:xfrm>
-          <a:prstGeom prst="curvedConnector3">
-            <a:avLst>
-              <a:gd name="adj1" fmla="val 50000"/>
-            </a:avLst>
-          </a:prstGeom>
-          <a:ln w="19050"/>
-        </p:spPr>
-        <p:style>
-          <a:lnRef idx="1">
-            <a:schemeClr val="accent1"/>
-          </a:lnRef>
-          <a:fillRef idx="0">
-            <a:schemeClr val="accent1"/>
-          </a:fillRef>
-          <a:effectRef idx="0">
-            <a:schemeClr val="accent1"/>
-          </a:effectRef>
-          <a:fontRef idx="minor">
-            <a:schemeClr val="tx1"/>
-          </a:fontRef>
-        </p:style>
-      </p:cxnSp>
       <p:sp>
         <p:nvSpPr>
           <p:cNvPr id="1075" name="Rounded Rectangle 1074">
@@ -10510,7 +9611,7 @@
         </p:nvSpPr>
         <p:spPr>
           <a:xfrm>
-            <a:off x="20156101" y="4414561"/>
+            <a:off x="22915061" y="2959397"/>
             <a:ext cx="1045567" cy="418274"/>
           </a:xfrm>
           <a:prstGeom prst="roundRect">
@@ -10522,8 +9623,10 @@
               <a:lumOff val="60000"/>
             </a:schemeClr>
           </a:solidFill>
-          <a:ln>
-            <a:noFill/>
+          <a:ln w="38100">
+            <a:solidFill>
+              <a:srgbClr val="00B050"/>
+            </a:solidFill>
           </a:ln>
         </p:spPr>
         <p:style>
@@ -10581,8 +9684,2777 @@
         </p:nvCxnSpPr>
         <p:spPr>
           <a:xfrm rot="5400000">
-            <a:off x="21662999" y="3097502"/>
-            <a:ext cx="332946" cy="2301173"/>
+            <a:off x="23968197" y="2289838"/>
+            <a:ext cx="139207" cy="1199910"/>
+          </a:xfrm>
+          <a:prstGeom prst="curvedConnector3">
+            <a:avLst>
+              <a:gd name="adj1" fmla="val 50000"/>
+            </a:avLst>
+          </a:prstGeom>
+          <a:ln w="19050"/>
+        </p:spPr>
+        <p:style>
+          <a:lnRef idx="1">
+            <a:schemeClr val="accent1"/>
+          </a:lnRef>
+          <a:fillRef idx="0">
+            <a:schemeClr val="accent1"/>
+          </a:fillRef>
+          <a:effectRef idx="0">
+            <a:schemeClr val="accent1"/>
+          </a:effectRef>
+          <a:fontRef idx="minor">
+            <a:schemeClr val="tx1"/>
+          </a:fontRef>
+        </p:style>
+      </p:cxnSp>
+      <p:cxnSp>
+        <p:nvCxnSpPr>
+          <p:cNvPr id="1088" name="Curved Connector 1087">
+            <a:extLst>
+              <a:ext uri="{FF2B5EF4-FFF2-40B4-BE49-F238E27FC236}">
+                <a16:creationId xmlns:a16="http://schemas.microsoft.com/office/drawing/2014/main" id="{4DC7804A-7725-26BC-CE86-F2581D4EE550}"/>
+              </a:ext>
+            </a:extLst>
+          </p:cNvPr>
+          <p:cNvCxnSpPr>
+            <a:cxnSpLocks/>
+            <a:stCxn id="408" idx="2"/>
+            <a:endCxn id="962" idx="0"/>
+          </p:cNvCxnSpPr>
+          <p:nvPr/>
+        </p:nvCxnSpPr>
+        <p:spPr>
+          <a:xfrm rot="16200000" flipH="1">
+            <a:off x="22898079" y="662240"/>
+            <a:ext cx="338524" cy="3140828"/>
+          </a:xfrm>
+          <a:prstGeom prst="curvedConnector3">
+            <a:avLst>
+              <a:gd name="adj1" fmla="val 50000"/>
+            </a:avLst>
+          </a:prstGeom>
+          <a:ln w="19050"/>
+        </p:spPr>
+        <p:style>
+          <a:lnRef idx="1">
+            <a:schemeClr val="accent1"/>
+          </a:lnRef>
+          <a:fillRef idx="0">
+            <a:schemeClr val="accent1"/>
+          </a:fillRef>
+          <a:effectRef idx="0">
+            <a:schemeClr val="accent1"/>
+          </a:effectRef>
+          <a:fontRef idx="minor">
+            <a:schemeClr val="tx1"/>
+          </a:fontRef>
+        </p:style>
+      </p:cxnSp>
+      <p:cxnSp>
+        <p:nvCxnSpPr>
+          <p:cNvPr id="1091" name="Curved Connector 1090">
+            <a:extLst>
+              <a:ext uri="{FF2B5EF4-FFF2-40B4-BE49-F238E27FC236}">
+                <a16:creationId xmlns:a16="http://schemas.microsoft.com/office/drawing/2014/main" id="{6674D3F3-6B60-2B74-A64C-B966C9EA01DE}"/>
+              </a:ext>
+            </a:extLst>
+          </p:cNvPr>
+          <p:cNvCxnSpPr>
+            <a:cxnSpLocks/>
+            <a:stCxn id="408" idx="2"/>
+            <a:endCxn id="963" idx="0"/>
+          </p:cNvCxnSpPr>
+          <p:nvPr/>
+        </p:nvCxnSpPr>
+        <p:spPr>
+          <a:xfrm rot="5400000">
+            <a:off x="19883591" y="765212"/>
+            <a:ext cx="315157" cy="2911517"/>
+          </a:xfrm>
+          <a:prstGeom prst="curvedConnector3">
+            <a:avLst>
+              <a:gd name="adj1" fmla="val 50000"/>
+            </a:avLst>
+          </a:prstGeom>
+          <a:ln w="19050"/>
+        </p:spPr>
+        <p:style>
+          <a:lnRef idx="1">
+            <a:schemeClr val="accent1"/>
+          </a:lnRef>
+          <a:fillRef idx="0">
+            <a:schemeClr val="accent1"/>
+          </a:fillRef>
+          <a:effectRef idx="0">
+            <a:schemeClr val="accent1"/>
+          </a:effectRef>
+          <a:fontRef idx="minor">
+            <a:schemeClr val="tx1"/>
+          </a:fontRef>
+        </p:style>
+      </p:cxnSp>
+      <p:cxnSp>
+        <p:nvCxnSpPr>
+          <p:cNvPr id="1095" name="Curved Connector 1094">
+            <a:extLst>
+              <a:ext uri="{FF2B5EF4-FFF2-40B4-BE49-F238E27FC236}">
+                <a16:creationId xmlns:a16="http://schemas.microsoft.com/office/drawing/2014/main" id="{20559D17-66A8-106A-4BA8-A1F493AE4230}"/>
+              </a:ext>
+            </a:extLst>
+          </p:cNvPr>
+          <p:cNvCxnSpPr>
+            <a:cxnSpLocks/>
+            <a:stCxn id="408" idx="2"/>
+            <a:endCxn id="1015" idx="0"/>
+          </p:cNvCxnSpPr>
+          <p:nvPr/>
+        </p:nvCxnSpPr>
+        <p:spPr>
+          <a:xfrm rot="5400000">
+            <a:off x="18860460" y="1847627"/>
+            <a:ext cx="2420703" cy="2852232"/>
+          </a:xfrm>
+          <a:prstGeom prst="curvedConnector3">
+            <a:avLst>
+              <a:gd name="adj1" fmla="val 50000"/>
+            </a:avLst>
+          </a:prstGeom>
+          <a:ln w="19050"/>
+        </p:spPr>
+        <p:style>
+          <a:lnRef idx="1">
+            <a:schemeClr val="accent1"/>
+          </a:lnRef>
+          <a:fillRef idx="0">
+            <a:schemeClr val="accent1"/>
+          </a:fillRef>
+          <a:effectRef idx="0">
+            <a:schemeClr val="accent1"/>
+          </a:effectRef>
+          <a:fontRef idx="minor">
+            <a:schemeClr val="tx1"/>
+          </a:fontRef>
+        </p:style>
+      </p:cxnSp>
+      <p:cxnSp>
+        <p:nvCxnSpPr>
+          <p:cNvPr id="1120" name="Curved Connector 1119">
+            <a:extLst>
+              <a:ext uri="{FF2B5EF4-FFF2-40B4-BE49-F238E27FC236}">
+                <a16:creationId xmlns:a16="http://schemas.microsoft.com/office/drawing/2014/main" id="{487CC725-1569-6C64-AA48-8B477F611DF6}"/>
+              </a:ext>
+            </a:extLst>
+          </p:cNvPr>
+          <p:cNvCxnSpPr>
+            <a:cxnSpLocks/>
+            <a:stCxn id="408" idx="2"/>
+            <a:endCxn id="961" idx="0"/>
+          </p:cNvCxnSpPr>
+          <p:nvPr/>
+        </p:nvCxnSpPr>
+        <p:spPr>
+          <a:xfrm rot="5400000">
+            <a:off x="19454711" y="3854508"/>
+            <a:ext cx="3833333" cy="251100"/>
+          </a:xfrm>
+          <a:prstGeom prst="curvedConnector3">
+            <a:avLst>
+              <a:gd name="adj1" fmla="val 50000"/>
+            </a:avLst>
+          </a:prstGeom>
+          <a:ln w="19050"/>
+        </p:spPr>
+        <p:style>
+          <a:lnRef idx="1">
+            <a:schemeClr val="accent1"/>
+          </a:lnRef>
+          <a:fillRef idx="0">
+            <a:schemeClr val="accent1"/>
+          </a:fillRef>
+          <a:effectRef idx="0">
+            <a:schemeClr val="accent1"/>
+          </a:effectRef>
+          <a:fontRef idx="minor">
+            <a:schemeClr val="tx1"/>
+          </a:fontRef>
+        </p:style>
+      </p:cxnSp>
+      <p:cxnSp>
+        <p:nvCxnSpPr>
+          <p:cNvPr id="1123" name="Curved Connector 1122">
+            <a:extLst>
+              <a:ext uri="{FF2B5EF4-FFF2-40B4-BE49-F238E27FC236}">
+                <a16:creationId xmlns:a16="http://schemas.microsoft.com/office/drawing/2014/main" id="{B9BFE9DC-4141-3B65-7218-67C218443786}"/>
+              </a:ext>
+            </a:extLst>
+          </p:cNvPr>
+          <p:cNvCxnSpPr>
+            <a:cxnSpLocks/>
+            <a:stCxn id="408" idx="2"/>
+            <a:endCxn id="422" idx="0"/>
+          </p:cNvCxnSpPr>
+          <p:nvPr/>
+        </p:nvCxnSpPr>
+        <p:spPr>
+          <a:xfrm rot="16200000" flipH="1">
+            <a:off x="20130029" y="3430290"/>
+            <a:ext cx="3863549" cy="1129752"/>
+          </a:xfrm>
+          <a:prstGeom prst="curvedConnector3">
+            <a:avLst>
+              <a:gd name="adj1" fmla="val 50000"/>
+            </a:avLst>
+          </a:prstGeom>
+          <a:ln w="19050"/>
+        </p:spPr>
+        <p:style>
+          <a:lnRef idx="1">
+            <a:schemeClr val="accent1"/>
+          </a:lnRef>
+          <a:fillRef idx="0">
+            <a:schemeClr val="accent1"/>
+          </a:fillRef>
+          <a:effectRef idx="0">
+            <a:schemeClr val="accent1"/>
+          </a:effectRef>
+          <a:fontRef idx="minor">
+            <a:schemeClr val="tx1"/>
+          </a:fontRef>
+        </p:style>
+      </p:cxnSp>
+      <p:cxnSp>
+        <p:nvCxnSpPr>
+          <p:cNvPr id="1127" name="Curved Connector 1126">
+            <a:extLst>
+              <a:ext uri="{FF2B5EF4-FFF2-40B4-BE49-F238E27FC236}">
+                <a16:creationId xmlns:a16="http://schemas.microsoft.com/office/drawing/2014/main" id="{0D6B1541-BD4D-AE07-8060-1E268727EB70}"/>
+              </a:ext>
+            </a:extLst>
+          </p:cNvPr>
+          <p:cNvCxnSpPr>
+            <a:cxnSpLocks/>
+            <a:stCxn id="961" idx="2"/>
+            <a:endCxn id="1128" idx="0"/>
+          </p:cNvCxnSpPr>
+          <p:nvPr/>
+        </p:nvCxnSpPr>
+        <p:spPr>
+          <a:xfrm rot="5400000">
+            <a:off x="20527849" y="6493855"/>
+            <a:ext cx="896835" cy="539122"/>
+          </a:xfrm>
+          <a:prstGeom prst="curvedConnector3">
+            <a:avLst>
+              <a:gd name="adj1" fmla="val 50000"/>
+            </a:avLst>
+          </a:prstGeom>
+          <a:ln w="19050"/>
+        </p:spPr>
+        <p:style>
+          <a:lnRef idx="1">
+            <a:schemeClr val="accent1"/>
+          </a:lnRef>
+          <a:fillRef idx="0">
+            <a:schemeClr val="accent1"/>
+          </a:fillRef>
+          <a:effectRef idx="0">
+            <a:schemeClr val="accent1"/>
+          </a:effectRef>
+          <a:fontRef idx="minor">
+            <a:schemeClr val="tx1"/>
+          </a:fontRef>
+        </p:style>
+      </p:cxnSp>
+      <p:sp>
+        <p:nvSpPr>
+          <p:cNvPr id="1128" name="Rounded Rectangle 1127">
+            <a:extLst>
+              <a:ext uri="{FF2B5EF4-FFF2-40B4-BE49-F238E27FC236}">
+                <a16:creationId xmlns:a16="http://schemas.microsoft.com/office/drawing/2014/main" id="{4B88EE59-DBBB-8CBD-7917-3FF5A2F80822}"/>
+              </a:ext>
+            </a:extLst>
+          </p:cNvPr>
+          <p:cNvSpPr/>
+          <p:nvPr/>
+        </p:nvSpPr>
+        <p:spPr>
+          <a:xfrm>
+            <a:off x="20183921" y="7211834"/>
+            <a:ext cx="1045567" cy="418274"/>
+          </a:xfrm>
+          <a:prstGeom prst="roundRect">
+            <a:avLst/>
+          </a:prstGeom>
+          <a:solidFill>
+            <a:schemeClr val="accent2">
+              <a:lumMod val="40000"/>
+              <a:lumOff val="60000"/>
+            </a:schemeClr>
+          </a:solidFill>
+          <a:ln>
+            <a:noFill/>
+          </a:ln>
+        </p:spPr>
+        <p:style>
+          <a:lnRef idx="2">
+            <a:schemeClr val="accent1">
+              <a:shade val="15000"/>
+            </a:schemeClr>
+          </a:lnRef>
+          <a:fillRef idx="1">
+            <a:schemeClr val="accent1"/>
+          </a:fillRef>
+          <a:effectRef idx="0">
+            <a:schemeClr val="accent1"/>
+          </a:effectRef>
+          <a:fontRef idx="minor">
+            <a:schemeClr val="lt1"/>
+          </a:fontRef>
+        </p:style>
+        <p:txBody>
+          <a:bodyPr rtlCol="0" anchor="ctr"/>
+          <a:lstStyle/>
+          <a:p>
+            <a:pPr algn="ctr"/>
+            <a:r>
+              <a:rPr lang="en-CH" sz="1100" b="1" dirty="0">
+                <a:solidFill>
+                  <a:schemeClr val="accent5">
+                    <a:lumMod val="50000"/>
+                  </a:schemeClr>
+                </a:solidFill>
+                <a:latin typeface="Baloo 2" panose="03080502040302020200" pitchFamily="66" charset="77"/>
+                <a:ea typeface="Palatino" pitchFamily="2" charset="77"/>
+                <a:cs typeface="Baloo 2" panose="03080502040302020200" pitchFamily="66" charset="77"/>
+              </a:rPr>
+              <a:t>CREDITS BUTTON</a:t>
+            </a:r>
+          </a:p>
+        </p:txBody>
+      </p:sp>
+      <p:cxnSp>
+        <p:nvCxnSpPr>
+          <p:cNvPr id="1132" name="Curved Connector 1131">
+            <a:extLst>
+              <a:ext uri="{FF2B5EF4-FFF2-40B4-BE49-F238E27FC236}">
+                <a16:creationId xmlns:a16="http://schemas.microsoft.com/office/drawing/2014/main" id="{C75C7E4F-1DDF-E01D-BF12-3E824137DA38}"/>
+              </a:ext>
+            </a:extLst>
+          </p:cNvPr>
+          <p:cNvCxnSpPr>
+            <a:cxnSpLocks/>
+            <a:stCxn id="422" idx="2"/>
+            <a:endCxn id="1128" idx="0"/>
+          </p:cNvCxnSpPr>
+          <p:nvPr/>
+        </p:nvCxnSpPr>
+        <p:spPr>
+          <a:xfrm rot="5400000">
+            <a:off x="21233383" y="5818537"/>
+            <a:ext cx="866619" cy="1919974"/>
+          </a:xfrm>
+          <a:prstGeom prst="curvedConnector3">
+            <a:avLst>
+              <a:gd name="adj1" fmla="val 50000"/>
+            </a:avLst>
+          </a:prstGeom>
+          <a:ln w="19050"/>
+        </p:spPr>
+        <p:style>
+          <a:lnRef idx="1">
+            <a:schemeClr val="accent1"/>
+          </a:lnRef>
+          <a:fillRef idx="0">
+            <a:schemeClr val="accent1"/>
+          </a:fillRef>
+          <a:effectRef idx="0">
+            <a:schemeClr val="accent1"/>
+          </a:effectRef>
+          <a:fontRef idx="minor">
+            <a:schemeClr val="tx1"/>
+          </a:fontRef>
+        </p:style>
+      </p:cxnSp>
+      <p:cxnSp>
+        <p:nvCxnSpPr>
+          <p:cNvPr id="1135" name="Curved Connector 1134">
+            <a:extLst>
+              <a:ext uri="{FF2B5EF4-FFF2-40B4-BE49-F238E27FC236}">
+                <a16:creationId xmlns:a16="http://schemas.microsoft.com/office/drawing/2014/main" id="{155568B7-5D14-41ED-E218-04CA3B25C6F8}"/>
+              </a:ext>
+            </a:extLst>
+          </p:cNvPr>
+          <p:cNvCxnSpPr>
+            <a:cxnSpLocks/>
+            <a:stCxn id="1011" idx="0"/>
+            <a:endCxn id="1128" idx="2"/>
+          </p:cNvCxnSpPr>
+          <p:nvPr/>
+        </p:nvCxnSpPr>
+        <p:spPr>
+          <a:xfrm rot="16200000" flipV="1">
+            <a:off x="20595892" y="7740921"/>
+            <a:ext cx="222310" cy="684"/>
+          </a:xfrm>
+          <a:prstGeom prst="curvedConnector3">
+            <a:avLst>
+              <a:gd name="adj1" fmla="val 50000"/>
+            </a:avLst>
+          </a:prstGeom>
+          <a:ln w="19050"/>
+        </p:spPr>
+        <p:style>
+          <a:lnRef idx="1">
+            <a:schemeClr val="accent1"/>
+          </a:lnRef>
+          <a:fillRef idx="0">
+            <a:schemeClr val="accent1"/>
+          </a:fillRef>
+          <a:effectRef idx="0">
+            <a:schemeClr val="accent1"/>
+          </a:effectRef>
+          <a:fontRef idx="minor">
+            <a:schemeClr val="tx1"/>
+          </a:fontRef>
+        </p:style>
+      </p:cxnSp>
+      <p:sp>
+        <p:nvSpPr>
+          <p:cNvPr id="1139" name="Rounded Rectangle 1138">
+            <a:extLst>
+              <a:ext uri="{FF2B5EF4-FFF2-40B4-BE49-F238E27FC236}">
+                <a16:creationId xmlns:a16="http://schemas.microsoft.com/office/drawing/2014/main" id="{84A2EE7B-DB65-2E57-986B-32AA273D6868}"/>
+              </a:ext>
+            </a:extLst>
+          </p:cNvPr>
+          <p:cNvSpPr/>
+          <p:nvPr/>
+        </p:nvSpPr>
+        <p:spPr>
+          <a:xfrm>
+            <a:off x="21514714" y="7208396"/>
+            <a:ext cx="1045567" cy="418274"/>
+          </a:xfrm>
+          <a:prstGeom prst="roundRect">
+            <a:avLst/>
+          </a:prstGeom>
+          <a:solidFill>
+            <a:schemeClr val="accent2">
+              <a:lumMod val="40000"/>
+              <a:lumOff val="60000"/>
+            </a:schemeClr>
+          </a:solidFill>
+          <a:ln>
+            <a:noFill/>
+          </a:ln>
+        </p:spPr>
+        <p:style>
+          <a:lnRef idx="2">
+            <a:schemeClr val="accent1">
+              <a:shade val="15000"/>
+            </a:schemeClr>
+          </a:lnRef>
+          <a:fillRef idx="1">
+            <a:schemeClr val="accent1"/>
+          </a:fillRef>
+          <a:effectRef idx="0">
+            <a:schemeClr val="accent1"/>
+          </a:effectRef>
+          <a:fontRef idx="minor">
+            <a:schemeClr val="lt1"/>
+          </a:fontRef>
+        </p:style>
+        <p:txBody>
+          <a:bodyPr rtlCol="0" anchor="ctr"/>
+          <a:lstStyle/>
+          <a:p>
+            <a:pPr algn="ctr"/>
+            <a:r>
+              <a:rPr lang="en-CH" sz="1100" b="1" dirty="0">
+                <a:solidFill>
+                  <a:schemeClr val="accent5">
+                    <a:lumMod val="50000"/>
+                  </a:schemeClr>
+                </a:solidFill>
+                <a:latin typeface="Baloo 2" panose="03080502040302020200" pitchFamily="66" charset="77"/>
+                <a:ea typeface="Palatino" pitchFamily="2" charset="77"/>
+                <a:cs typeface="Baloo 2" panose="03080502040302020200" pitchFamily="66" charset="77"/>
+              </a:rPr>
+              <a:t>SETTINGS BUTTON</a:t>
+            </a:r>
+          </a:p>
+        </p:txBody>
+      </p:sp>
+      <p:cxnSp>
+        <p:nvCxnSpPr>
+          <p:cNvPr id="1140" name="Curved Connector 1139">
+            <a:extLst>
+              <a:ext uri="{FF2B5EF4-FFF2-40B4-BE49-F238E27FC236}">
+                <a16:creationId xmlns:a16="http://schemas.microsoft.com/office/drawing/2014/main" id="{287D6F1E-3306-FF34-4AAC-BEBA662B0589}"/>
+              </a:ext>
+            </a:extLst>
+          </p:cNvPr>
+          <p:cNvCxnSpPr>
+            <a:cxnSpLocks/>
+            <a:stCxn id="961" idx="2"/>
+            <a:endCxn id="1139" idx="0"/>
+          </p:cNvCxnSpPr>
+          <p:nvPr/>
+        </p:nvCxnSpPr>
+        <p:spPr>
+          <a:xfrm rot="16200000" flipH="1">
+            <a:off x="21194964" y="6365861"/>
+            <a:ext cx="893397" cy="791671"/>
+          </a:xfrm>
+          <a:prstGeom prst="curvedConnector3">
+            <a:avLst>
+              <a:gd name="adj1" fmla="val 50000"/>
+            </a:avLst>
+          </a:prstGeom>
+          <a:ln w="19050"/>
+        </p:spPr>
+        <p:style>
+          <a:lnRef idx="1">
+            <a:schemeClr val="accent1"/>
+          </a:lnRef>
+          <a:fillRef idx="0">
+            <a:schemeClr val="accent1"/>
+          </a:fillRef>
+          <a:effectRef idx="0">
+            <a:schemeClr val="accent1"/>
+          </a:effectRef>
+          <a:fontRef idx="minor">
+            <a:schemeClr val="tx1"/>
+          </a:fontRef>
+        </p:style>
+      </p:cxnSp>
+      <p:cxnSp>
+        <p:nvCxnSpPr>
+          <p:cNvPr id="1143" name="Curved Connector 1142">
+            <a:extLst>
+              <a:ext uri="{FF2B5EF4-FFF2-40B4-BE49-F238E27FC236}">
+                <a16:creationId xmlns:a16="http://schemas.microsoft.com/office/drawing/2014/main" id="{64EEF6D0-4712-59B8-632B-0148E9AAFAAD}"/>
+              </a:ext>
+            </a:extLst>
+          </p:cNvPr>
+          <p:cNvCxnSpPr>
+            <a:cxnSpLocks/>
+            <a:stCxn id="422" idx="2"/>
+            <a:endCxn id="1139" idx="0"/>
+          </p:cNvCxnSpPr>
+          <p:nvPr/>
+        </p:nvCxnSpPr>
+        <p:spPr>
+          <a:xfrm rot="5400000">
+            <a:off x="21900499" y="6482215"/>
+            <a:ext cx="863181" cy="589181"/>
+          </a:xfrm>
+          <a:prstGeom prst="curvedConnector3">
+            <a:avLst>
+              <a:gd name="adj1" fmla="val 50000"/>
+            </a:avLst>
+          </a:prstGeom>
+          <a:ln w="19050"/>
+        </p:spPr>
+        <p:style>
+          <a:lnRef idx="1">
+            <a:schemeClr val="accent1"/>
+          </a:lnRef>
+          <a:fillRef idx="0">
+            <a:schemeClr val="accent1"/>
+          </a:fillRef>
+          <a:effectRef idx="0">
+            <a:schemeClr val="accent1"/>
+          </a:effectRef>
+          <a:fontRef idx="minor">
+            <a:schemeClr val="tx1"/>
+          </a:fontRef>
+        </p:style>
+      </p:cxnSp>
+      <p:cxnSp>
+        <p:nvCxnSpPr>
+          <p:cNvPr id="1151" name="Curved Connector 1150">
+            <a:extLst>
+              <a:ext uri="{FF2B5EF4-FFF2-40B4-BE49-F238E27FC236}">
+                <a16:creationId xmlns:a16="http://schemas.microsoft.com/office/drawing/2014/main" id="{9D3AD14E-47A4-CAC5-C502-05323D4186C4}"/>
+              </a:ext>
+            </a:extLst>
+          </p:cNvPr>
+          <p:cNvCxnSpPr>
+            <a:cxnSpLocks/>
+            <a:stCxn id="998" idx="0"/>
+            <a:endCxn id="1139" idx="2"/>
+          </p:cNvCxnSpPr>
+          <p:nvPr/>
+        </p:nvCxnSpPr>
+        <p:spPr>
+          <a:xfrm rot="5400000" flipH="1" flipV="1">
+            <a:off x="21941437" y="7713315"/>
+            <a:ext cx="182705" cy="9417"/>
+          </a:xfrm>
+          <a:prstGeom prst="curvedConnector3">
+            <a:avLst>
+              <a:gd name="adj1" fmla="val 50000"/>
+            </a:avLst>
+          </a:prstGeom>
+          <a:ln w="19050"/>
+        </p:spPr>
+        <p:style>
+          <a:lnRef idx="1">
+            <a:schemeClr val="accent1"/>
+          </a:lnRef>
+          <a:fillRef idx="0">
+            <a:schemeClr val="accent1"/>
+          </a:fillRef>
+          <a:effectRef idx="0">
+            <a:schemeClr val="accent1"/>
+          </a:effectRef>
+          <a:fontRef idx="minor">
+            <a:schemeClr val="tx1"/>
+          </a:fontRef>
+        </p:style>
+      </p:cxnSp>
+      <p:sp>
+        <p:nvSpPr>
+          <p:cNvPr id="1157" name="Rounded Rectangle 1156">
+            <a:extLst>
+              <a:ext uri="{FF2B5EF4-FFF2-40B4-BE49-F238E27FC236}">
+                <a16:creationId xmlns:a16="http://schemas.microsoft.com/office/drawing/2014/main" id="{E01E6D52-55FD-1F8B-EB31-67CFA3C26894}"/>
+              </a:ext>
+            </a:extLst>
+          </p:cNvPr>
+          <p:cNvSpPr/>
+          <p:nvPr/>
+        </p:nvSpPr>
+        <p:spPr>
+          <a:xfrm>
+            <a:off x="18744988" y="7167761"/>
+            <a:ext cx="1045567" cy="418274"/>
+          </a:xfrm>
+          <a:prstGeom prst="roundRect">
+            <a:avLst/>
+          </a:prstGeom>
+          <a:solidFill>
+            <a:srgbClr val="F1E5B0"/>
+          </a:solidFill>
+          <a:ln>
+            <a:noFill/>
+          </a:ln>
+        </p:spPr>
+        <p:style>
+          <a:lnRef idx="2">
+            <a:schemeClr val="accent1">
+              <a:shade val="15000"/>
+            </a:schemeClr>
+          </a:lnRef>
+          <a:fillRef idx="1">
+            <a:schemeClr val="accent1"/>
+          </a:fillRef>
+          <a:effectRef idx="0">
+            <a:schemeClr val="accent1"/>
+          </a:effectRef>
+          <a:fontRef idx="minor">
+            <a:schemeClr val="lt1"/>
+          </a:fontRef>
+        </p:style>
+        <p:txBody>
+          <a:bodyPr rtlCol="0" anchor="ctr"/>
+          <a:lstStyle/>
+          <a:p>
+            <a:pPr algn="ctr"/>
+            <a:r>
+              <a:rPr lang="en-CH" sz="1100" dirty="0">
+                <a:solidFill>
+                  <a:schemeClr val="accent5">
+                    <a:lumMod val="50000"/>
+                  </a:schemeClr>
+                </a:solidFill>
+                <a:latin typeface="Baloo 2" panose="03080502040302020200" pitchFamily="66" charset="77"/>
+                <a:ea typeface="Palatino" pitchFamily="2" charset="77"/>
+                <a:cs typeface="Baloo 2" panose="03080502040302020200" pitchFamily="66" charset="77"/>
+              </a:rPr>
+              <a:t>RESUME BUTTON</a:t>
+            </a:r>
+          </a:p>
+        </p:txBody>
+      </p:sp>
+      <p:cxnSp>
+        <p:nvCxnSpPr>
+          <p:cNvPr id="1158" name="Curved Connector 1157">
+            <a:extLst>
+              <a:ext uri="{FF2B5EF4-FFF2-40B4-BE49-F238E27FC236}">
+                <a16:creationId xmlns:a16="http://schemas.microsoft.com/office/drawing/2014/main" id="{5FBD639C-FD44-890A-24C7-92E6BC81003D}"/>
+              </a:ext>
+            </a:extLst>
+          </p:cNvPr>
+          <p:cNvCxnSpPr>
+            <a:cxnSpLocks/>
+            <a:stCxn id="1157" idx="0"/>
+            <a:endCxn id="961" idx="2"/>
+          </p:cNvCxnSpPr>
+          <p:nvPr/>
+        </p:nvCxnSpPr>
+        <p:spPr>
+          <a:xfrm rot="5400000" flipH="1" flipV="1">
+            <a:off x="19830418" y="5752353"/>
+            <a:ext cx="852762" cy="1978055"/>
+          </a:xfrm>
+          <a:prstGeom prst="curvedConnector3">
+            <a:avLst>
+              <a:gd name="adj1" fmla="val 50000"/>
+            </a:avLst>
+          </a:prstGeom>
+          <a:ln w="19050"/>
+        </p:spPr>
+        <p:style>
+          <a:lnRef idx="1">
+            <a:schemeClr val="accent1"/>
+          </a:lnRef>
+          <a:fillRef idx="0">
+            <a:schemeClr val="accent1"/>
+          </a:fillRef>
+          <a:effectRef idx="0">
+            <a:schemeClr val="accent1"/>
+          </a:effectRef>
+          <a:fontRef idx="minor">
+            <a:schemeClr val="tx1"/>
+          </a:fontRef>
+        </p:style>
+      </p:cxnSp>
+      <p:cxnSp>
+        <p:nvCxnSpPr>
+          <p:cNvPr id="1170" name="Curved Connector 1169">
+            <a:extLst>
+              <a:ext uri="{FF2B5EF4-FFF2-40B4-BE49-F238E27FC236}">
+                <a16:creationId xmlns:a16="http://schemas.microsoft.com/office/drawing/2014/main" id="{E4C7D12D-2AE1-783E-4E47-46E3FAE1C4F4}"/>
+              </a:ext>
+            </a:extLst>
+          </p:cNvPr>
+          <p:cNvCxnSpPr>
+            <a:cxnSpLocks/>
+            <a:stCxn id="993" idx="0"/>
+            <a:endCxn id="1157" idx="2"/>
+          </p:cNvCxnSpPr>
+          <p:nvPr/>
+        </p:nvCxnSpPr>
+        <p:spPr>
+          <a:xfrm rot="16200000" flipV="1">
+            <a:off x="19136252" y="7717556"/>
+            <a:ext cx="266383" cy="3341"/>
+          </a:xfrm>
+          <a:prstGeom prst="curvedConnector3">
+            <a:avLst>
+              <a:gd name="adj1" fmla="val 50000"/>
+            </a:avLst>
+          </a:prstGeom>
+          <a:ln w="19050"/>
+        </p:spPr>
+        <p:style>
+          <a:lnRef idx="1">
+            <a:schemeClr val="accent1"/>
+          </a:lnRef>
+          <a:fillRef idx="0">
+            <a:schemeClr val="accent1"/>
+          </a:fillRef>
+          <a:effectRef idx="0">
+            <a:schemeClr val="accent1"/>
+          </a:effectRef>
+          <a:fontRef idx="minor">
+            <a:schemeClr val="tx1"/>
+          </a:fontRef>
+        </p:style>
+      </p:cxnSp>
+      <p:sp>
+        <p:nvSpPr>
+          <p:cNvPr id="1173" name="Rounded Rectangle 1172">
+            <a:extLst>
+              <a:ext uri="{FF2B5EF4-FFF2-40B4-BE49-F238E27FC236}">
+                <a16:creationId xmlns:a16="http://schemas.microsoft.com/office/drawing/2014/main" id="{09AF6E87-E76F-974B-7A13-D6CCA80FA4C7}"/>
+              </a:ext>
+            </a:extLst>
+          </p:cNvPr>
+          <p:cNvSpPr/>
+          <p:nvPr/>
+        </p:nvSpPr>
+        <p:spPr>
+          <a:xfrm>
+            <a:off x="22845505" y="7215533"/>
+            <a:ext cx="1045567" cy="418274"/>
+          </a:xfrm>
+          <a:prstGeom prst="roundRect">
+            <a:avLst/>
+          </a:prstGeom>
+          <a:solidFill>
+            <a:schemeClr val="accent2">
+              <a:lumMod val="40000"/>
+              <a:lumOff val="60000"/>
+            </a:schemeClr>
+          </a:solidFill>
+          <a:ln>
+            <a:noFill/>
+          </a:ln>
+        </p:spPr>
+        <p:style>
+          <a:lnRef idx="2">
+            <a:schemeClr val="accent1">
+              <a:shade val="15000"/>
+            </a:schemeClr>
+          </a:lnRef>
+          <a:fillRef idx="1">
+            <a:schemeClr val="accent1"/>
+          </a:fillRef>
+          <a:effectRef idx="0">
+            <a:schemeClr val="accent1"/>
+          </a:effectRef>
+          <a:fontRef idx="minor">
+            <a:schemeClr val="lt1"/>
+          </a:fontRef>
+        </p:style>
+        <p:txBody>
+          <a:bodyPr rtlCol="0" anchor="ctr"/>
+          <a:lstStyle/>
+          <a:p>
+            <a:pPr algn="ctr"/>
+            <a:r>
+              <a:rPr lang="en-CH" sz="1100" b="1" dirty="0">
+                <a:solidFill>
+                  <a:schemeClr val="accent5">
+                    <a:lumMod val="50000"/>
+                  </a:schemeClr>
+                </a:solidFill>
+                <a:latin typeface="Baloo 2" panose="03080502040302020200" pitchFamily="66" charset="77"/>
+                <a:ea typeface="Palatino" pitchFamily="2" charset="77"/>
+                <a:cs typeface="Baloo 2" panose="03080502040302020200" pitchFamily="66" charset="77"/>
+              </a:rPr>
+              <a:t>SAVE MENU BUTTON</a:t>
+            </a:r>
+          </a:p>
+        </p:txBody>
+      </p:sp>
+      <p:cxnSp>
+        <p:nvCxnSpPr>
+          <p:cNvPr id="1174" name="Curved Connector 1173">
+            <a:extLst>
+              <a:ext uri="{FF2B5EF4-FFF2-40B4-BE49-F238E27FC236}">
+                <a16:creationId xmlns:a16="http://schemas.microsoft.com/office/drawing/2014/main" id="{54EF11F8-193F-B8D5-8E98-A5915E13BBEC}"/>
+              </a:ext>
+            </a:extLst>
+          </p:cNvPr>
+          <p:cNvCxnSpPr>
+            <a:cxnSpLocks/>
+            <a:stCxn id="422" idx="2"/>
+            <a:endCxn id="1173" idx="0"/>
+          </p:cNvCxnSpPr>
+          <p:nvPr/>
+        </p:nvCxnSpPr>
+        <p:spPr>
+          <a:xfrm rot="16200000" flipH="1">
+            <a:off x="22562325" y="6409569"/>
+            <a:ext cx="870318" cy="741610"/>
+          </a:xfrm>
+          <a:prstGeom prst="curvedConnector3">
+            <a:avLst>
+              <a:gd name="adj1" fmla="val 50000"/>
+            </a:avLst>
+          </a:prstGeom>
+          <a:ln w="19050"/>
+        </p:spPr>
+        <p:style>
+          <a:lnRef idx="1">
+            <a:schemeClr val="accent1"/>
+          </a:lnRef>
+          <a:fillRef idx="0">
+            <a:schemeClr val="accent1"/>
+          </a:fillRef>
+          <a:effectRef idx="0">
+            <a:schemeClr val="accent1"/>
+          </a:effectRef>
+          <a:fontRef idx="minor">
+            <a:schemeClr val="tx1"/>
+          </a:fontRef>
+        </p:style>
+      </p:cxnSp>
+      <p:cxnSp>
+        <p:nvCxnSpPr>
+          <p:cNvPr id="1177" name="Curved Connector 1176">
+            <a:extLst>
+              <a:ext uri="{FF2B5EF4-FFF2-40B4-BE49-F238E27FC236}">
+                <a16:creationId xmlns:a16="http://schemas.microsoft.com/office/drawing/2014/main" id="{49DAFD9C-F052-86A5-F4A3-81DFD9CD73C0}"/>
+              </a:ext>
+            </a:extLst>
+          </p:cNvPr>
+          <p:cNvCxnSpPr>
+            <a:cxnSpLocks/>
+            <a:stCxn id="961" idx="2"/>
+            <a:endCxn id="1173" idx="0"/>
+          </p:cNvCxnSpPr>
+          <p:nvPr/>
+        </p:nvCxnSpPr>
+        <p:spPr>
+          <a:xfrm rot="16200000" flipH="1">
+            <a:off x="21856791" y="5704035"/>
+            <a:ext cx="900534" cy="2122462"/>
+          </a:xfrm>
+          <a:prstGeom prst="curvedConnector3">
+            <a:avLst>
+              <a:gd name="adj1" fmla="val 50000"/>
+            </a:avLst>
+          </a:prstGeom>
+          <a:ln w="19050"/>
+        </p:spPr>
+        <p:style>
+          <a:lnRef idx="1">
+            <a:schemeClr val="accent1"/>
+          </a:lnRef>
+          <a:fillRef idx="0">
+            <a:schemeClr val="accent1"/>
+          </a:fillRef>
+          <a:effectRef idx="0">
+            <a:schemeClr val="accent1"/>
+          </a:effectRef>
+          <a:fontRef idx="minor">
+            <a:schemeClr val="tx1"/>
+          </a:fontRef>
+        </p:style>
+      </p:cxnSp>
+      <p:cxnSp>
+        <p:nvCxnSpPr>
+          <p:cNvPr id="1180" name="Curved Connector 1179">
+            <a:extLst>
+              <a:ext uri="{FF2B5EF4-FFF2-40B4-BE49-F238E27FC236}">
+                <a16:creationId xmlns:a16="http://schemas.microsoft.com/office/drawing/2014/main" id="{8BC81777-BBB6-0CF2-E465-C064A3E98D67}"/>
+              </a:ext>
+            </a:extLst>
+          </p:cNvPr>
+          <p:cNvCxnSpPr>
+            <a:cxnSpLocks/>
+            <a:stCxn id="1003" idx="0"/>
+            <a:endCxn id="1173" idx="2"/>
+          </p:cNvCxnSpPr>
+          <p:nvPr/>
+        </p:nvCxnSpPr>
+        <p:spPr>
+          <a:xfrm rot="5400000" flipH="1" flipV="1">
+            <a:off x="23274252" y="7727844"/>
+            <a:ext cx="188074" cy="12700"/>
+          </a:xfrm>
+          <a:prstGeom prst="curvedConnector3">
+            <a:avLst>
+              <a:gd name="adj1" fmla="val 50000"/>
+            </a:avLst>
+          </a:prstGeom>
+          <a:ln w="19050"/>
+        </p:spPr>
+        <p:style>
+          <a:lnRef idx="1">
+            <a:schemeClr val="accent1"/>
+          </a:lnRef>
+          <a:fillRef idx="0">
+            <a:schemeClr val="accent1"/>
+          </a:fillRef>
+          <a:effectRef idx="0">
+            <a:schemeClr val="accent1"/>
+          </a:effectRef>
+          <a:fontRef idx="minor">
+            <a:schemeClr val="tx1"/>
+          </a:fontRef>
+        </p:style>
+      </p:cxnSp>
+      <p:sp>
+        <p:nvSpPr>
+          <p:cNvPr id="1183" name="Rounded Rectangle 1182">
+            <a:extLst>
+              <a:ext uri="{FF2B5EF4-FFF2-40B4-BE49-F238E27FC236}">
+                <a16:creationId xmlns:a16="http://schemas.microsoft.com/office/drawing/2014/main" id="{BC3C6585-2229-8F4F-80B7-8A44C5D766EE}"/>
+              </a:ext>
+            </a:extLst>
+          </p:cNvPr>
+          <p:cNvSpPr/>
+          <p:nvPr/>
+        </p:nvSpPr>
+        <p:spPr>
+          <a:xfrm>
+            <a:off x="24289437" y="7834168"/>
+            <a:ext cx="1045567" cy="418274"/>
+          </a:xfrm>
+          <a:prstGeom prst="roundRect">
+            <a:avLst/>
+          </a:prstGeom>
+          <a:solidFill>
+            <a:schemeClr val="accent6">
+              <a:lumMod val="40000"/>
+              <a:lumOff val="60000"/>
+            </a:schemeClr>
+          </a:solidFill>
+          <a:ln w="38100">
+            <a:solidFill>
+              <a:srgbClr val="FFC000"/>
+            </a:solidFill>
+          </a:ln>
+        </p:spPr>
+        <p:style>
+          <a:lnRef idx="2">
+            <a:schemeClr val="accent1">
+              <a:shade val="15000"/>
+            </a:schemeClr>
+          </a:lnRef>
+          <a:fillRef idx="1">
+            <a:schemeClr val="accent1"/>
+          </a:fillRef>
+          <a:effectRef idx="0">
+            <a:schemeClr val="accent1"/>
+          </a:effectRef>
+          <a:fontRef idx="minor">
+            <a:schemeClr val="lt1"/>
+          </a:fontRef>
+        </p:style>
+        <p:txBody>
+          <a:bodyPr rtlCol="0" anchor="ctr"/>
+          <a:lstStyle/>
+          <a:p>
+            <a:pPr algn="ctr"/>
+            <a:r>
+              <a:rPr lang="en-CH" sz="1100" dirty="0">
+                <a:solidFill>
+                  <a:schemeClr val="accent5">
+                    <a:lumMod val="50000"/>
+                  </a:schemeClr>
+                </a:solidFill>
+                <a:latin typeface="Baloo 2" panose="03080502040302020200" pitchFamily="66" charset="77"/>
+                <a:ea typeface="Palatino" pitchFamily="2" charset="77"/>
+                <a:cs typeface="Baloo 2" panose="03080502040302020200" pitchFamily="66" charset="77"/>
+              </a:rPr>
+              <a:t>START NEW GAME</a:t>
+            </a:r>
+          </a:p>
+        </p:txBody>
+      </p:sp>
+      <p:sp>
+        <p:nvSpPr>
+          <p:cNvPr id="1184" name="Rounded Rectangle 1183">
+            <a:extLst>
+              <a:ext uri="{FF2B5EF4-FFF2-40B4-BE49-F238E27FC236}">
+                <a16:creationId xmlns:a16="http://schemas.microsoft.com/office/drawing/2014/main" id="{8B4C3B87-72F1-90F5-0726-9E7C4F0E0C17}"/>
+              </a:ext>
+            </a:extLst>
+          </p:cNvPr>
+          <p:cNvSpPr/>
+          <p:nvPr/>
+        </p:nvSpPr>
+        <p:spPr>
+          <a:xfrm>
+            <a:off x="24289436" y="7197971"/>
+            <a:ext cx="1045567" cy="418274"/>
+          </a:xfrm>
+          <a:prstGeom prst="roundRect">
+            <a:avLst/>
+          </a:prstGeom>
+          <a:solidFill>
+            <a:srgbClr val="F1E5B0"/>
+          </a:solidFill>
+          <a:ln>
+            <a:noFill/>
+          </a:ln>
+        </p:spPr>
+        <p:style>
+          <a:lnRef idx="2">
+            <a:schemeClr val="accent1">
+              <a:shade val="15000"/>
+            </a:schemeClr>
+          </a:lnRef>
+          <a:fillRef idx="1">
+            <a:schemeClr val="accent1"/>
+          </a:fillRef>
+          <a:effectRef idx="0">
+            <a:schemeClr val="accent1"/>
+          </a:effectRef>
+          <a:fontRef idx="minor">
+            <a:schemeClr val="lt1"/>
+          </a:fontRef>
+        </p:style>
+        <p:txBody>
+          <a:bodyPr rtlCol="0" anchor="ctr"/>
+          <a:lstStyle/>
+          <a:p>
+            <a:pPr algn="ctr"/>
+            <a:r>
+              <a:rPr lang="en-CH" sz="1100" dirty="0">
+                <a:solidFill>
+                  <a:schemeClr val="accent5">
+                    <a:lumMod val="50000"/>
+                  </a:schemeClr>
+                </a:solidFill>
+                <a:latin typeface="Baloo 2" panose="03080502040302020200" pitchFamily="66" charset="77"/>
+                <a:ea typeface="Palatino" pitchFamily="2" charset="77"/>
+                <a:cs typeface="Baloo 2" panose="03080502040302020200" pitchFamily="66" charset="77"/>
+              </a:rPr>
+              <a:t>NEW GAME BUTTON</a:t>
+            </a:r>
+          </a:p>
+        </p:txBody>
+      </p:sp>
+      <p:cxnSp>
+        <p:nvCxnSpPr>
+          <p:cNvPr id="1185" name="Curved Connector 1184">
+            <a:extLst>
+              <a:ext uri="{FF2B5EF4-FFF2-40B4-BE49-F238E27FC236}">
+                <a16:creationId xmlns:a16="http://schemas.microsoft.com/office/drawing/2014/main" id="{2F089151-0FE8-BF1A-A88E-CE13B010ED26}"/>
+              </a:ext>
+            </a:extLst>
+          </p:cNvPr>
+          <p:cNvCxnSpPr>
+            <a:cxnSpLocks/>
+            <a:stCxn id="422" idx="2"/>
+            <a:endCxn id="1184" idx="0"/>
+          </p:cNvCxnSpPr>
+          <p:nvPr/>
+        </p:nvCxnSpPr>
+        <p:spPr>
+          <a:xfrm rot="16200000" flipH="1">
+            <a:off x="23293071" y="5678822"/>
+            <a:ext cx="852756" cy="2185541"/>
+          </a:xfrm>
+          <a:prstGeom prst="curvedConnector3">
+            <a:avLst>
+              <a:gd name="adj1" fmla="val 50000"/>
+            </a:avLst>
+          </a:prstGeom>
+          <a:ln w="19050"/>
+        </p:spPr>
+        <p:style>
+          <a:lnRef idx="1">
+            <a:schemeClr val="accent1"/>
+          </a:lnRef>
+          <a:fillRef idx="0">
+            <a:schemeClr val="accent1"/>
+          </a:fillRef>
+          <a:effectRef idx="0">
+            <a:schemeClr val="accent1"/>
+          </a:effectRef>
+          <a:fontRef idx="minor">
+            <a:schemeClr val="tx1"/>
+          </a:fontRef>
+        </p:style>
+      </p:cxnSp>
+      <p:cxnSp>
+        <p:nvCxnSpPr>
+          <p:cNvPr id="1188" name="Curved Connector 1187">
+            <a:extLst>
+              <a:ext uri="{FF2B5EF4-FFF2-40B4-BE49-F238E27FC236}">
+                <a16:creationId xmlns:a16="http://schemas.microsoft.com/office/drawing/2014/main" id="{2CADA116-04AA-F3EF-2EC7-557D6100ACD8}"/>
+              </a:ext>
+            </a:extLst>
+          </p:cNvPr>
+          <p:cNvCxnSpPr>
+            <a:cxnSpLocks/>
+            <a:stCxn id="1183" idx="0"/>
+            <a:endCxn id="1184" idx="2"/>
+          </p:cNvCxnSpPr>
+          <p:nvPr/>
+        </p:nvCxnSpPr>
+        <p:spPr>
+          <a:xfrm rot="16200000" flipV="1">
+            <a:off x="24703260" y="7725206"/>
+            <a:ext cx="217923" cy="1"/>
+          </a:xfrm>
+          <a:prstGeom prst="curvedConnector3">
+            <a:avLst>
+              <a:gd name="adj1" fmla="val 50000"/>
+            </a:avLst>
+          </a:prstGeom>
+          <a:ln w="19050"/>
+        </p:spPr>
+        <p:style>
+          <a:lnRef idx="1">
+            <a:schemeClr val="accent1"/>
+          </a:lnRef>
+          <a:fillRef idx="0">
+            <a:schemeClr val="accent1"/>
+          </a:fillRef>
+          <a:effectRef idx="0">
+            <a:schemeClr val="accent1"/>
+          </a:effectRef>
+          <a:fontRef idx="minor">
+            <a:schemeClr val="tx1"/>
+          </a:fontRef>
+        </p:style>
+      </p:cxnSp>
+      <p:sp>
+        <p:nvSpPr>
+          <p:cNvPr id="1360" name="Rounded Rectangle 1359">
+            <a:extLst>
+              <a:ext uri="{FF2B5EF4-FFF2-40B4-BE49-F238E27FC236}">
+                <a16:creationId xmlns:a16="http://schemas.microsoft.com/office/drawing/2014/main" id="{34098FA4-8AF2-848C-FC9C-2D247D59706A}"/>
+              </a:ext>
+            </a:extLst>
+          </p:cNvPr>
+          <p:cNvSpPr/>
+          <p:nvPr/>
+        </p:nvSpPr>
+        <p:spPr>
+          <a:xfrm>
+            <a:off x="12944496" y="6100983"/>
+            <a:ext cx="1045567" cy="418274"/>
+          </a:xfrm>
+          <a:prstGeom prst="roundRect">
+            <a:avLst/>
+          </a:prstGeom>
+          <a:solidFill>
+            <a:schemeClr val="accent6">
+              <a:lumMod val="40000"/>
+              <a:lumOff val="60000"/>
+            </a:schemeClr>
+          </a:solidFill>
+          <a:ln w="38100">
+            <a:solidFill>
+              <a:srgbClr val="00B050"/>
+            </a:solidFill>
+          </a:ln>
+        </p:spPr>
+        <p:style>
+          <a:lnRef idx="2">
+            <a:schemeClr val="accent1">
+              <a:shade val="15000"/>
+            </a:schemeClr>
+          </a:lnRef>
+          <a:fillRef idx="1">
+            <a:schemeClr val="accent1"/>
+          </a:fillRef>
+          <a:effectRef idx="0">
+            <a:schemeClr val="accent1"/>
+          </a:effectRef>
+          <a:fontRef idx="minor">
+            <a:schemeClr val="lt1"/>
+          </a:fontRef>
+        </p:style>
+        <p:txBody>
+          <a:bodyPr rtlCol="0" anchor="ctr"/>
+          <a:lstStyle/>
+          <a:p>
+            <a:pPr algn="ctr"/>
+            <a:r>
+              <a:rPr lang="en-CH" sz="1100" dirty="0">
+                <a:solidFill>
+                  <a:schemeClr val="accent5">
+                    <a:lumMod val="50000"/>
+                  </a:schemeClr>
+                </a:solidFill>
+                <a:latin typeface="Baloo 2" panose="03080502040302020200" pitchFamily="66" charset="77"/>
+                <a:ea typeface="Palatino" pitchFamily="2" charset="77"/>
+                <a:cs typeface="Baloo 2" panose="03080502040302020200" pitchFamily="66" charset="77"/>
+              </a:rPr>
+              <a:t>LOCAL ENV. TWEAKS</a:t>
+            </a:r>
+          </a:p>
+        </p:txBody>
+      </p:sp>
+      <p:cxnSp>
+        <p:nvCxnSpPr>
+          <p:cNvPr id="1361" name="Curved Connector 1360">
+            <a:extLst>
+              <a:ext uri="{FF2B5EF4-FFF2-40B4-BE49-F238E27FC236}">
+                <a16:creationId xmlns:a16="http://schemas.microsoft.com/office/drawing/2014/main" id="{328B867B-FE8F-661D-98A1-5EA38B85244E}"/>
+              </a:ext>
+            </a:extLst>
+          </p:cNvPr>
+          <p:cNvCxnSpPr>
+            <a:cxnSpLocks/>
+            <a:stCxn id="191" idx="2"/>
+            <a:endCxn id="1360" idx="0"/>
+          </p:cNvCxnSpPr>
+          <p:nvPr/>
+        </p:nvCxnSpPr>
+        <p:spPr>
+          <a:xfrm rot="16200000" flipH="1">
+            <a:off x="13193280" y="5826983"/>
+            <a:ext cx="543174" cy="4825"/>
+          </a:xfrm>
+          <a:prstGeom prst="curvedConnector3">
+            <a:avLst>
+              <a:gd name="adj1" fmla="val 50000"/>
+            </a:avLst>
+          </a:prstGeom>
+          <a:ln w="19050"/>
+        </p:spPr>
+        <p:style>
+          <a:lnRef idx="1">
+            <a:schemeClr val="accent1"/>
+          </a:lnRef>
+          <a:fillRef idx="0">
+            <a:schemeClr val="accent1"/>
+          </a:fillRef>
+          <a:effectRef idx="0">
+            <a:schemeClr val="accent1"/>
+          </a:effectRef>
+          <a:fontRef idx="minor">
+            <a:schemeClr val="tx1"/>
+          </a:fontRef>
+        </p:style>
+      </p:cxnSp>
+      <p:sp>
+        <p:nvSpPr>
+          <p:cNvPr id="1364" name="Rounded Rectangle 1363">
+            <a:extLst>
+              <a:ext uri="{FF2B5EF4-FFF2-40B4-BE49-F238E27FC236}">
+                <a16:creationId xmlns:a16="http://schemas.microsoft.com/office/drawing/2014/main" id="{3BEA5E7C-E066-36C6-CD8D-B6034ED155E6}"/>
+              </a:ext>
+            </a:extLst>
+          </p:cNvPr>
+          <p:cNvSpPr/>
+          <p:nvPr/>
+        </p:nvSpPr>
+        <p:spPr>
+          <a:xfrm>
+            <a:off x="14382740" y="6035887"/>
+            <a:ext cx="1045567" cy="418274"/>
+          </a:xfrm>
+          <a:prstGeom prst="roundRect">
+            <a:avLst/>
+          </a:prstGeom>
+          <a:solidFill>
+            <a:schemeClr val="accent6">
+              <a:lumMod val="40000"/>
+              <a:lumOff val="60000"/>
+            </a:schemeClr>
+          </a:solidFill>
+          <a:ln w="38100">
+            <a:solidFill>
+              <a:srgbClr val="FFC000"/>
+            </a:solidFill>
+          </a:ln>
+        </p:spPr>
+        <p:style>
+          <a:lnRef idx="2">
+            <a:schemeClr val="accent1">
+              <a:shade val="15000"/>
+            </a:schemeClr>
+          </a:lnRef>
+          <a:fillRef idx="1">
+            <a:schemeClr val="accent1"/>
+          </a:fillRef>
+          <a:effectRef idx="0">
+            <a:schemeClr val="accent1"/>
+          </a:effectRef>
+          <a:fontRef idx="minor">
+            <a:schemeClr val="lt1"/>
+          </a:fontRef>
+        </p:style>
+        <p:txBody>
+          <a:bodyPr rtlCol="0" anchor="ctr"/>
+          <a:lstStyle/>
+          <a:p>
+            <a:pPr algn="ctr"/>
+            <a:r>
+              <a:rPr lang="en-CH" sz="1100" dirty="0">
+                <a:solidFill>
+                  <a:schemeClr val="accent5">
+                    <a:lumMod val="50000"/>
+                  </a:schemeClr>
+                </a:solidFill>
+                <a:latin typeface="Baloo 2" panose="03080502040302020200" pitchFamily="66" charset="77"/>
+                <a:ea typeface="Palatino" pitchFamily="2" charset="77"/>
+                <a:cs typeface="Baloo 2" panose="03080502040302020200" pitchFamily="66" charset="77"/>
+              </a:rPr>
+              <a:t>LOCAL LIGHTS</a:t>
+            </a:r>
+          </a:p>
+        </p:txBody>
+      </p:sp>
+      <p:cxnSp>
+        <p:nvCxnSpPr>
+          <p:cNvPr id="1365" name="Curved Connector 1364">
+            <a:extLst>
+              <a:ext uri="{FF2B5EF4-FFF2-40B4-BE49-F238E27FC236}">
+                <a16:creationId xmlns:a16="http://schemas.microsoft.com/office/drawing/2014/main" id="{B2DDA0E7-CFE5-9437-11F7-905BFA3C4537}"/>
+              </a:ext>
+            </a:extLst>
+          </p:cNvPr>
+          <p:cNvCxnSpPr>
+            <a:cxnSpLocks/>
+            <a:stCxn id="192" idx="2"/>
+            <a:endCxn id="1364" idx="0"/>
+          </p:cNvCxnSpPr>
+          <p:nvPr/>
+        </p:nvCxnSpPr>
+        <p:spPr>
+          <a:xfrm rot="16200000" flipH="1">
+            <a:off x="14666345" y="5796707"/>
+            <a:ext cx="459953" cy="18405"/>
+          </a:xfrm>
+          <a:prstGeom prst="curvedConnector3">
+            <a:avLst>
+              <a:gd name="adj1" fmla="val 50000"/>
+            </a:avLst>
+          </a:prstGeom>
+          <a:ln w="19050"/>
+        </p:spPr>
+        <p:style>
+          <a:lnRef idx="1">
+            <a:schemeClr val="accent1"/>
+          </a:lnRef>
+          <a:fillRef idx="0">
+            <a:schemeClr val="accent1"/>
+          </a:fillRef>
+          <a:effectRef idx="0">
+            <a:schemeClr val="accent1"/>
+          </a:effectRef>
+          <a:fontRef idx="minor">
+            <a:schemeClr val="tx1"/>
+          </a:fontRef>
+        </p:style>
+      </p:cxnSp>
+      <p:sp>
+        <p:nvSpPr>
+          <p:cNvPr id="1368" name="Rounded Rectangle 1367">
+            <a:extLst>
+              <a:ext uri="{FF2B5EF4-FFF2-40B4-BE49-F238E27FC236}">
+                <a16:creationId xmlns:a16="http://schemas.microsoft.com/office/drawing/2014/main" id="{F552A91D-E92A-FC8D-FF8C-C7525599AABB}"/>
+              </a:ext>
+            </a:extLst>
+          </p:cNvPr>
+          <p:cNvSpPr/>
+          <p:nvPr/>
+        </p:nvSpPr>
+        <p:spPr>
+          <a:xfrm>
+            <a:off x="10196531" y="2213669"/>
+            <a:ext cx="1045567" cy="418274"/>
+          </a:xfrm>
+          <a:prstGeom prst="roundRect">
+            <a:avLst/>
+          </a:prstGeom>
+          <a:solidFill>
+            <a:schemeClr val="accent6">
+              <a:lumMod val="40000"/>
+              <a:lumOff val="60000"/>
+            </a:schemeClr>
+          </a:solidFill>
+          <a:ln w="38100">
+            <a:solidFill>
+              <a:srgbClr val="FFC000"/>
+            </a:solidFill>
+          </a:ln>
+        </p:spPr>
+        <p:style>
+          <a:lnRef idx="2">
+            <a:schemeClr val="accent1">
+              <a:shade val="15000"/>
+            </a:schemeClr>
+          </a:lnRef>
+          <a:fillRef idx="1">
+            <a:schemeClr val="accent1"/>
+          </a:fillRef>
+          <a:effectRef idx="0">
+            <a:schemeClr val="accent1"/>
+          </a:effectRef>
+          <a:fontRef idx="minor">
+            <a:schemeClr val="lt1"/>
+          </a:fontRef>
+        </p:style>
+        <p:txBody>
+          <a:bodyPr rtlCol="0" anchor="ctr"/>
+          <a:lstStyle/>
+          <a:p>
+            <a:pPr algn="ctr"/>
+            <a:r>
+              <a:rPr lang="en-CH" sz="1100" dirty="0">
+                <a:solidFill>
+                  <a:schemeClr val="accent5">
+                    <a:lumMod val="50000"/>
+                  </a:schemeClr>
+                </a:solidFill>
+                <a:latin typeface="Baloo 2" panose="03080502040302020200" pitchFamily="66" charset="77"/>
+                <a:ea typeface="Palatino" pitchFamily="2" charset="77"/>
+                <a:cs typeface="Baloo 2" panose="03080502040302020200" pitchFamily="66" charset="77"/>
+              </a:rPr>
+              <a:t>GAME SPACE LIMITS</a:t>
+            </a:r>
+          </a:p>
+        </p:txBody>
+      </p:sp>
+      <p:cxnSp>
+        <p:nvCxnSpPr>
+          <p:cNvPr id="1369" name="Curved Connector 1368">
+            <a:extLst>
+              <a:ext uri="{FF2B5EF4-FFF2-40B4-BE49-F238E27FC236}">
+                <a16:creationId xmlns:a16="http://schemas.microsoft.com/office/drawing/2014/main" id="{141AFB1C-FF70-A052-EF18-866DB64B1C7C}"/>
+              </a:ext>
+            </a:extLst>
+          </p:cNvPr>
+          <p:cNvCxnSpPr>
+            <a:cxnSpLocks/>
+            <a:stCxn id="31" idx="2"/>
+            <a:endCxn id="1368" idx="0"/>
+          </p:cNvCxnSpPr>
+          <p:nvPr/>
+        </p:nvCxnSpPr>
+        <p:spPr>
+          <a:xfrm rot="5400000">
+            <a:off x="11423641" y="973591"/>
+            <a:ext cx="535752" cy="1944404"/>
+          </a:xfrm>
+          <a:prstGeom prst="curvedConnector3">
+            <a:avLst>
+              <a:gd name="adj1" fmla="val 50000"/>
+            </a:avLst>
+          </a:prstGeom>
+          <a:ln w="19050"/>
+        </p:spPr>
+        <p:style>
+          <a:lnRef idx="1">
+            <a:schemeClr val="accent1"/>
+          </a:lnRef>
+          <a:fillRef idx="0">
+            <a:schemeClr val="accent1"/>
+          </a:fillRef>
+          <a:effectRef idx="0">
+            <a:schemeClr val="accent1"/>
+          </a:effectRef>
+          <a:fontRef idx="minor">
+            <a:schemeClr val="tx1"/>
+          </a:fontRef>
+        </p:style>
+      </p:cxnSp>
+      <p:sp>
+        <p:nvSpPr>
+          <p:cNvPr id="1484" name="Rounded Rectangle 1483">
+            <a:extLst>
+              <a:ext uri="{FF2B5EF4-FFF2-40B4-BE49-F238E27FC236}">
+                <a16:creationId xmlns:a16="http://schemas.microsoft.com/office/drawing/2014/main" id="{60E09AFC-4839-810E-786C-87A25EF9F472}"/>
+              </a:ext>
+            </a:extLst>
+          </p:cNvPr>
+          <p:cNvSpPr/>
+          <p:nvPr/>
+        </p:nvSpPr>
+        <p:spPr>
+          <a:xfrm>
+            <a:off x="24658966" y="5250329"/>
+            <a:ext cx="1045567" cy="418274"/>
+          </a:xfrm>
+          <a:prstGeom prst="roundRect">
+            <a:avLst/>
+          </a:prstGeom>
+          <a:solidFill>
+            <a:schemeClr val="accent2">
+              <a:lumMod val="40000"/>
+              <a:lumOff val="60000"/>
+            </a:schemeClr>
+          </a:solidFill>
+          <a:ln>
+            <a:noFill/>
+          </a:ln>
+        </p:spPr>
+        <p:style>
+          <a:lnRef idx="2">
+            <a:schemeClr val="accent1">
+              <a:shade val="15000"/>
+            </a:schemeClr>
+          </a:lnRef>
+          <a:fillRef idx="1">
+            <a:schemeClr val="accent1"/>
+          </a:fillRef>
+          <a:effectRef idx="0">
+            <a:schemeClr val="accent1"/>
+          </a:effectRef>
+          <a:fontRef idx="minor">
+            <a:schemeClr val="lt1"/>
+          </a:fontRef>
+        </p:style>
+        <p:txBody>
+          <a:bodyPr rtlCol="0" anchor="ctr"/>
+          <a:lstStyle/>
+          <a:p>
+            <a:pPr algn="ctr"/>
+            <a:r>
+              <a:rPr lang="en-CH" sz="1100" b="1" dirty="0">
+                <a:solidFill>
+                  <a:schemeClr val="accent5">
+                    <a:lumMod val="50000"/>
+                  </a:schemeClr>
+                </a:solidFill>
+                <a:latin typeface="Baloo 2" panose="03080502040302020200" pitchFamily="66" charset="77"/>
+                <a:ea typeface="Palatino" pitchFamily="2" charset="77"/>
+                <a:cs typeface="Baloo 2" panose="03080502040302020200" pitchFamily="66" charset="77"/>
+              </a:rPr>
+              <a:t>BACK BUTTON</a:t>
+            </a:r>
+          </a:p>
+        </p:txBody>
+      </p:sp>
+      <p:sp>
+        <p:nvSpPr>
+          <p:cNvPr id="1532" name="Rounded Rectangle 1531">
+            <a:extLst>
+              <a:ext uri="{FF2B5EF4-FFF2-40B4-BE49-F238E27FC236}">
+                <a16:creationId xmlns:a16="http://schemas.microsoft.com/office/drawing/2014/main" id="{F1DB2A66-31FD-2EB2-97C4-2587BB1B16FC}"/>
+              </a:ext>
+            </a:extLst>
+          </p:cNvPr>
+          <p:cNvSpPr/>
+          <p:nvPr/>
+        </p:nvSpPr>
+        <p:spPr>
+          <a:xfrm>
+            <a:off x="24637754" y="6086877"/>
+            <a:ext cx="1045567" cy="418274"/>
+          </a:xfrm>
+          <a:prstGeom prst="roundRect">
+            <a:avLst/>
+          </a:prstGeom>
+          <a:solidFill>
+            <a:schemeClr val="accent6">
+              <a:lumMod val="40000"/>
+              <a:lumOff val="60000"/>
+            </a:schemeClr>
+          </a:solidFill>
+          <a:ln w="38100">
+            <a:solidFill>
+              <a:srgbClr val="FFC000"/>
+            </a:solidFill>
+          </a:ln>
+        </p:spPr>
+        <p:style>
+          <a:lnRef idx="2">
+            <a:schemeClr val="accent1">
+              <a:shade val="15000"/>
+            </a:schemeClr>
+          </a:lnRef>
+          <a:fillRef idx="1">
+            <a:schemeClr val="accent1"/>
+          </a:fillRef>
+          <a:effectRef idx="0">
+            <a:schemeClr val="accent1"/>
+          </a:effectRef>
+          <a:fontRef idx="minor">
+            <a:schemeClr val="lt1"/>
+          </a:fontRef>
+        </p:style>
+        <p:txBody>
+          <a:bodyPr rtlCol="0" anchor="ctr"/>
+          <a:lstStyle/>
+          <a:p>
+            <a:pPr algn="ctr"/>
+            <a:r>
+              <a:rPr lang="en-CH" sz="1100" dirty="0">
+                <a:solidFill>
+                  <a:schemeClr val="accent5">
+                    <a:lumMod val="50000"/>
+                  </a:schemeClr>
+                </a:solidFill>
+                <a:latin typeface="Baloo 2" panose="03080502040302020200" pitchFamily="66" charset="77"/>
+                <a:ea typeface="Palatino" pitchFamily="2" charset="77"/>
+                <a:cs typeface="Baloo 2" panose="03080502040302020200" pitchFamily="66" charset="77"/>
+              </a:rPr>
+              <a:t>GO BACK</a:t>
+            </a:r>
+          </a:p>
+        </p:txBody>
+      </p:sp>
+      <p:cxnSp>
+        <p:nvCxnSpPr>
+          <p:cNvPr id="1533" name="Curved Connector 1532">
+            <a:extLst>
+              <a:ext uri="{FF2B5EF4-FFF2-40B4-BE49-F238E27FC236}">
+                <a16:creationId xmlns:a16="http://schemas.microsoft.com/office/drawing/2014/main" id="{5C19F121-946D-7D5D-E0AE-D710ED5B045B}"/>
+              </a:ext>
+            </a:extLst>
+          </p:cNvPr>
+          <p:cNvCxnSpPr>
+            <a:cxnSpLocks/>
+            <a:stCxn id="1532" idx="0"/>
+            <a:endCxn id="1484" idx="2"/>
+          </p:cNvCxnSpPr>
+          <p:nvPr/>
+        </p:nvCxnSpPr>
+        <p:spPr>
+          <a:xfrm rot="5400000" flipH="1" flipV="1">
+            <a:off x="24962007" y="5867134"/>
+            <a:ext cx="418274" cy="21212"/>
+          </a:xfrm>
+          <a:prstGeom prst="curvedConnector3">
+            <a:avLst>
+              <a:gd name="adj1" fmla="val 50000"/>
+            </a:avLst>
+          </a:prstGeom>
+          <a:ln w="19050"/>
+        </p:spPr>
+        <p:style>
+          <a:lnRef idx="1">
+            <a:schemeClr val="accent1"/>
+          </a:lnRef>
+          <a:fillRef idx="0">
+            <a:schemeClr val="accent1"/>
+          </a:fillRef>
+          <a:effectRef idx="0">
+            <a:schemeClr val="accent1"/>
+          </a:effectRef>
+          <a:fontRef idx="minor">
+            <a:schemeClr val="tx1"/>
+          </a:fontRef>
+        </p:style>
+      </p:cxnSp>
+      <p:sp>
+        <p:nvSpPr>
+          <p:cNvPr id="1576" name="Rounded Rectangle 1575">
+            <a:extLst>
+              <a:ext uri="{FF2B5EF4-FFF2-40B4-BE49-F238E27FC236}">
+                <a16:creationId xmlns:a16="http://schemas.microsoft.com/office/drawing/2014/main" id="{945B7756-E796-5041-B136-9FC7EE1D8C23}"/>
+              </a:ext>
+            </a:extLst>
+          </p:cNvPr>
+          <p:cNvSpPr/>
+          <p:nvPr/>
+        </p:nvSpPr>
+        <p:spPr>
+          <a:xfrm>
+            <a:off x="10681398" y="5202688"/>
+            <a:ext cx="1045567" cy="418274"/>
+          </a:xfrm>
+          <a:prstGeom prst="roundRect">
+            <a:avLst/>
+          </a:prstGeom>
+          <a:solidFill>
+            <a:srgbClr val="F1E5B0"/>
+          </a:solidFill>
+          <a:ln>
+            <a:noFill/>
+          </a:ln>
+        </p:spPr>
+        <p:style>
+          <a:lnRef idx="2">
+            <a:schemeClr val="accent1">
+              <a:shade val="15000"/>
+            </a:schemeClr>
+          </a:lnRef>
+          <a:fillRef idx="1">
+            <a:schemeClr val="accent1"/>
+          </a:fillRef>
+          <a:effectRef idx="0">
+            <a:schemeClr val="accent1"/>
+          </a:effectRef>
+          <a:fontRef idx="minor">
+            <a:schemeClr val="lt1"/>
+          </a:fontRef>
+        </p:style>
+        <p:txBody>
+          <a:bodyPr rtlCol="0" anchor="ctr"/>
+          <a:lstStyle/>
+          <a:p>
+            <a:pPr algn="ctr"/>
+            <a:r>
+              <a:rPr lang="en-CH" sz="1100" dirty="0">
+                <a:solidFill>
+                  <a:schemeClr val="accent5">
+                    <a:lumMod val="50000"/>
+                  </a:schemeClr>
+                </a:solidFill>
+                <a:latin typeface="Baloo 2" panose="03080502040302020200" pitchFamily="66" charset="77"/>
+                <a:ea typeface="Palatino" pitchFamily="2" charset="77"/>
+                <a:cs typeface="Baloo 2" panose="03080502040302020200" pitchFamily="66" charset="77"/>
+              </a:rPr>
+              <a:t>LOCAL AUDIO</a:t>
+            </a:r>
+          </a:p>
+        </p:txBody>
+      </p:sp>
+      <p:cxnSp>
+        <p:nvCxnSpPr>
+          <p:cNvPr id="1577" name="Curved Connector 1576">
+            <a:extLst>
+              <a:ext uri="{FF2B5EF4-FFF2-40B4-BE49-F238E27FC236}">
+                <a16:creationId xmlns:a16="http://schemas.microsoft.com/office/drawing/2014/main" id="{924A41FF-DA7C-DE54-9869-37E0011E4DDF}"/>
+              </a:ext>
+            </a:extLst>
+          </p:cNvPr>
+          <p:cNvCxnSpPr>
+            <a:cxnSpLocks/>
+            <a:stCxn id="186" idx="2"/>
+            <a:endCxn id="1576" idx="0"/>
+          </p:cNvCxnSpPr>
+          <p:nvPr/>
+        </p:nvCxnSpPr>
+        <p:spPr>
+          <a:xfrm rot="5400000">
+            <a:off x="11799637" y="3388559"/>
+            <a:ext cx="1218675" cy="2409583"/>
+          </a:xfrm>
+          <a:prstGeom prst="curvedConnector3">
+            <a:avLst>
+              <a:gd name="adj1" fmla="val 50000"/>
+            </a:avLst>
+          </a:prstGeom>
+          <a:ln w="19050"/>
+        </p:spPr>
+        <p:style>
+          <a:lnRef idx="1">
+            <a:schemeClr val="accent1"/>
+          </a:lnRef>
+          <a:fillRef idx="0">
+            <a:schemeClr val="accent1"/>
+          </a:fillRef>
+          <a:effectRef idx="0">
+            <a:schemeClr val="accent1"/>
+          </a:effectRef>
+          <a:fontRef idx="minor">
+            <a:schemeClr val="tx1"/>
+          </a:fontRef>
+        </p:style>
+      </p:cxnSp>
+      <p:sp>
+        <p:nvSpPr>
+          <p:cNvPr id="1583" name="Rounded Rectangle 1582">
+            <a:extLst>
+              <a:ext uri="{FF2B5EF4-FFF2-40B4-BE49-F238E27FC236}">
+                <a16:creationId xmlns:a16="http://schemas.microsoft.com/office/drawing/2014/main" id="{372CF2A4-B291-2F85-3FDE-2ED0A3F57D80}"/>
+              </a:ext>
+            </a:extLst>
+          </p:cNvPr>
+          <p:cNvSpPr/>
+          <p:nvPr/>
+        </p:nvSpPr>
+        <p:spPr>
+          <a:xfrm>
+            <a:off x="9955262" y="6036330"/>
+            <a:ext cx="1045567" cy="418274"/>
+          </a:xfrm>
+          <a:prstGeom prst="roundRect">
+            <a:avLst/>
+          </a:prstGeom>
+          <a:solidFill>
+            <a:schemeClr val="accent6">
+              <a:lumMod val="40000"/>
+              <a:lumOff val="60000"/>
+            </a:schemeClr>
+          </a:solidFill>
+          <a:ln w="38100">
+            <a:solidFill>
+              <a:srgbClr val="00B050"/>
+            </a:solidFill>
+          </a:ln>
+        </p:spPr>
+        <p:style>
+          <a:lnRef idx="2">
+            <a:schemeClr val="accent1">
+              <a:shade val="15000"/>
+            </a:schemeClr>
+          </a:lnRef>
+          <a:fillRef idx="1">
+            <a:schemeClr val="accent1"/>
+          </a:fillRef>
+          <a:effectRef idx="0">
+            <a:schemeClr val="accent1"/>
+          </a:effectRef>
+          <a:fontRef idx="minor">
+            <a:schemeClr val="lt1"/>
+          </a:fontRef>
+        </p:style>
+        <p:txBody>
+          <a:bodyPr rtlCol="0" anchor="ctr"/>
+          <a:lstStyle/>
+          <a:p>
+            <a:pPr algn="ctr"/>
+            <a:r>
+              <a:rPr lang="en-CH" sz="1100" dirty="0">
+                <a:solidFill>
+                  <a:schemeClr val="accent5">
+                    <a:lumMod val="50000"/>
+                  </a:schemeClr>
+                </a:solidFill>
+                <a:latin typeface="Baloo 2" panose="03080502040302020200" pitchFamily="66" charset="77"/>
+                <a:ea typeface="Palatino" pitchFamily="2" charset="77"/>
+                <a:cs typeface="Baloo 2" panose="03080502040302020200" pitchFamily="66" charset="77"/>
+              </a:rPr>
+              <a:t>AMBIENT NOISES</a:t>
+            </a:r>
+          </a:p>
+        </p:txBody>
+      </p:sp>
+      <p:sp>
+        <p:nvSpPr>
+          <p:cNvPr id="1584" name="Rounded Rectangle 1583">
+            <a:extLst>
+              <a:ext uri="{FF2B5EF4-FFF2-40B4-BE49-F238E27FC236}">
+                <a16:creationId xmlns:a16="http://schemas.microsoft.com/office/drawing/2014/main" id="{C751FAC9-E631-01D4-FEA7-28383B802214}"/>
+              </a:ext>
+            </a:extLst>
+          </p:cNvPr>
+          <p:cNvSpPr/>
+          <p:nvPr/>
+        </p:nvSpPr>
+        <p:spPr>
+          <a:xfrm>
+            <a:off x="11209330" y="6044057"/>
+            <a:ext cx="1045567" cy="418274"/>
+          </a:xfrm>
+          <a:prstGeom prst="roundRect">
+            <a:avLst/>
+          </a:prstGeom>
+          <a:solidFill>
+            <a:schemeClr val="accent6">
+              <a:lumMod val="40000"/>
+              <a:lumOff val="60000"/>
+            </a:schemeClr>
+          </a:solidFill>
+          <a:ln w="38100">
+            <a:solidFill>
+              <a:srgbClr val="FFC000"/>
+            </a:solidFill>
+          </a:ln>
+        </p:spPr>
+        <p:style>
+          <a:lnRef idx="2">
+            <a:schemeClr val="accent1">
+              <a:shade val="15000"/>
+            </a:schemeClr>
+          </a:lnRef>
+          <a:fillRef idx="1">
+            <a:schemeClr val="accent1"/>
+          </a:fillRef>
+          <a:effectRef idx="0">
+            <a:schemeClr val="accent1"/>
+          </a:effectRef>
+          <a:fontRef idx="minor">
+            <a:schemeClr val="lt1"/>
+          </a:fontRef>
+        </p:style>
+        <p:txBody>
+          <a:bodyPr rtlCol="0" anchor="ctr"/>
+          <a:lstStyle/>
+          <a:p>
+            <a:pPr algn="ctr"/>
+            <a:r>
+              <a:rPr lang="en-CH" sz="1100" dirty="0">
+                <a:solidFill>
+                  <a:schemeClr val="accent5">
+                    <a:lumMod val="50000"/>
+                  </a:schemeClr>
+                </a:solidFill>
+                <a:latin typeface="Baloo 2" panose="03080502040302020200" pitchFamily="66" charset="77"/>
+                <a:ea typeface="Palatino" pitchFamily="2" charset="77"/>
+                <a:cs typeface="Baloo 2" panose="03080502040302020200" pitchFamily="66" charset="77"/>
+              </a:rPr>
+              <a:t>FOOTSTEPS</a:t>
+            </a:r>
+          </a:p>
+        </p:txBody>
+      </p:sp>
+      <p:cxnSp>
+        <p:nvCxnSpPr>
+          <p:cNvPr id="1585" name="Curved Connector 1584">
+            <a:extLst>
+              <a:ext uri="{FF2B5EF4-FFF2-40B4-BE49-F238E27FC236}">
+                <a16:creationId xmlns:a16="http://schemas.microsoft.com/office/drawing/2014/main" id="{CA622044-7E9C-6477-00FF-D73006B45663}"/>
+              </a:ext>
+            </a:extLst>
+          </p:cNvPr>
+          <p:cNvCxnSpPr>
+            <a:cxnSpLocks/>
+            <a:stCxn id="1576" idx="2"/>
+            <a:endCxn id="1583" idx="0"/>
+          </p:cNvCxnSpPr>
+          <p:nvPr/>
+        </p:nvCxnSpPr>
+        <p:spPr>
+          <a:xfrm rot="5400000">
+            <a:off x="10633430" y="5465578"/>
+            <a:ext cx="415368" cy="726136"/>
+          </a:xfrm>
+          <a:prstGeom prst="curvedConnector3">
+            <a:avLst>
+              <a:gd name="adj1" fmla="val 50000"/>
+            </a:avLst>
+          </a:prstGeom>
+          <a:ln w="19050"/>
+        </p:spPr>
+        <p:style>
+          <a:lnRef idx="1">
+            <a:schemeClr val="accent1"/>
+          </a:lnRef>
+          <a:fillRef idx="0">
+            <a:schemeClr val="accent1"/>
+          </a:fillRef>
+          <a:effectRef idx="0">
+            <a:schemeClr val="accent1"/>
+          </a:effectRef>
+          <a:fontRef idx="minor">
+            <a:schemeClr val="tx1"/>
+          </a:fontRef>
+        </p:style>
+      </p:cxnSp>
+      <p:cxnSp>
+        <p:nvCxnSpPr>
+          <p:cNvPr id="1588" name="Curved Connector 1587">
+            <a:extLst>
+              <a:ext uri="{FF2B5EF4-FFF2-40B4-BE49-F238E27FC236}">
+                <a16:creationId xmlns:a16="http://schemas.microsoft.com/office/drawing/2014/main" id="{32FED62D-8AC0-5CA2-5A12-BC110FAF3A2D}"/>
+              </a:ext>
+            </a:extLst>
+          </p:cNvPr>
+          <p:cNvCxnSpPr>
+            <a:cxnSpLocks/>
+            <a:stCxn id="1576" idx="2"/>
+            <a:endCxn id="1584" idx="0"/>
+          </p:cNvCxnSpPr>
+          <p:nvPr/>
+        </p:nvCxnSpPr>
+        <p:spPr>
+          <a:xfrm rot="16200000" flipH="1">
+            <a:off x="11256601" y="5568543"/>
+            <a:ext cx="423095" cy="527932"/>
+          </a:xfrm>
+          <a:prstGeom prst="curvedConnector3">
+            <a:avLst>
+              <a:gd name="adj1" fmla="val 50000"/>
+            </a:avLst>
+          </a:prstGeom>
+          <a:ln w="19050"/>
+        </p:spPr>
+        <p:style>
+          <a:lnRef idx="1">
+            <a:schemeClr val="accent1"/>
+          </a:lnRef>
+          <a:fillRef idx="0">
+            <a:schemeClr val="accent1"/>
+          </a:fillRef>
+          <a:effectRef idx="0">
+            <a:schemeClr val="accent1"/>
+          </a:effectRef>
+          <a:fontRef idx="minor">
+            <a:schemeClr val="tx1"/>
+          </a:fontRef>
+        </p:style>
+      </p:cxnSp>
+      <p:sp>
+        <p:nvSpPr>
+          <p:cNvPr id="1596" name="Rounded Rectangle 1595">
+            <a:extLst>
+              <a:ext uri="{FF2B5EF4-FFF2-40B4-BE49-F238E27FC236}">
+                <a16:creationId xmlns:a16="http://schemas.microsoft.com/office/drawing/2014/main" id="{E2D9F551-B3C2-2A9F-324F-43C1135D943D}"/>
+              </a:ext>
+            </a:extLst>
+          </p:cNvPr>
+          <p:cNvSpPr/>
+          <p:nvPr/>
+        </p:nvSpPr>
+        <p:spPr>
+          <a:xfrm>
+            <a:off x="29093369" y="2238417"/>
+            <a:ext cx="1045567" cy="418274"/>
+          </a:xfrm>
+          <a:prstGeom prst="roundRect">
+            <a:avLst/>
+          </a:prstGeom>
+          <a:solidFill>
+            <a:srgbClr val="F1E5B0"/>
+          </a:solidFill>
+          <a:ln>
+            <a:noFill/>
+          </a:ln>
+        </p:spPr>
+        <p:style>
+          <a:lnRef idx="2">
+            <a:schemeClr val="accent1">
+              <a:shade val="15000"/>
+            </a:schemeClr>
+          </a:lnRef>
+          <a:fillRef idx="1">
+            <a:schemeClr val="accent1"/>
+          </a:fillRef>
+          <a:effectRef idx="0">
+            <a:schemeClr val="accent1"/>
+          </a:effectRef>
+          <a:fontRef idx="minor">
+            <a:schemeClr val="lt1"/>
+          </a:fontRef>
+        </p:style>
+        <p:txBody>
+          <a:bodyPr rtlCol="0" anchor="ctr"/>
+          <a:lstStyle/>
+          <a:p>
+            <a:pPr algn="ctr"/>
+            <a:r>
+              <a:rPr lang="en-CH" sz="1100" dirty="0">
+                <a:solidFill>
+                  <a:schemeClr val="accent5">
+                    <a:lumMod val="50000"/>
+                  </a:schemeClr>
+                </a:solidFill>
+                <a:latin typeface="Baloo 2" panose="03080502040302020200" pitchFamily="66" charset="77"/>
+                <a:ea typeface="Palatino" pitchFamily="2" charset="77"/>
+                <a:cs typeface="Baloo 2" panose="03080502040302020200" pitchFamily="66" charset="77"/>
+              </a:rPr>
+              <a:t>GLOBAL AUDIO</a:t>
+            </a:r>
+          </a:p>
+        </p:txBody>
+      </p:sp>
+      <p:cxnSp>
+        <p:nvCxnSpPr>
+          <p:cNvPr id="1597" name="Curved Connector 1596">
+            <a:extLst>
+              <a:ext uri="{FF2B5EF4-FFF2-40B4-BE49-F238E27FC236}">
+                <a16:creationId xmlns:a16="http://schemas.microsoft.com/office/drawing/2014/main" id="{580729E3-E75C-0D10-E2EB-EC760A02E057}"/>
+              </a:ext>
+            </a:extLst>
+          </p:cNvPr>
+          <p:cNvCxnSpPr>
+            <a:cxnSpLocks/>
+            <a:stCxn id="36" idx="2"/>
+            <a:endCxn id="1596" idx="0"/>
+          </p:cNvCxnSpPr>
+          <p:nvPr/>
+        </p:nvCxnSpPr>
+        <p:spPr>
+          <a:xfrm rot="5400000">
+            <a:off x="30930020" y="238184"/>
+            <a:ext cx="686367" cy="3314099"/>
+          </a:xfrm>
+          <a:prstGeom prst="curvedConnector3">
+            <a:avLst>
+              <a:gd name="adj1" fmla="val 50000"/>
+            </a:avLst>
+          </a:prstGeom>
+          <a:ln w="19050"/>
+        </p:spPr>
+        <p:style>
+          <a:lnRef idx="1">
+            <a:schemeClr val="accent1"/>
+          </a:lnRef>
+          <a:fillRef idx="0">
+            <a:schemeClr val="accent1"/>
+          </a:fillRef>
+          <a:effectRef idx="0">
+            <a:schemeClr val="accent1"/>
+          </a:effectRef>
+          <a:fontRef idx="minor">
+            <a:schemeClr val="tx1"/>
+          </a:fontRef>
+        </p:style>
+      </p:cxnSp>
+      <p:sp>
+        <p:nvSpPr>
+          <p:cNvPr id="1601" name="Rounded Rectangle 1600">
+            <a:extLst>
+              <a:ext uri="{FF2B5EF4-FFF2-40B4-BE49-F238E27FC236}">
+                <a16:creationId xmlns:a16="http://schemas.microsoft.com/office/drawing/2014/main" id="{E7737C2F-D14B-027F-C2CB-81C20F828CC3}"/>
+              </a:ext>
+            </a:extLst>
+          </p:cNvPr>
+          <p:cNvSpPr/>
+          <p:nvPr/>
+        </p:nvSpPr>
+        <p:spPr>
+          <a:xfrm>
+            <a:off x="28208121" y="3149215"/>
+            <a:ext cx="1045567" cy="418274"/>
+          </a:xfrm>
+          <a:prstGeom prst="roundRect">
+            <a:avLst/>
+          </a:prstGeom>
+          <a:solidFill>
+            <a:schemeClr val="accent6">
+              <a:lumMod val="40000"/>
+              <a:lumOff val="60000"/>
+            </a:schemeClr>
+          </a:solidFill>
+          <a:ln w="38100">
+            <a:solidFill>
+              <a:srgbClr val="00B050"/>
+            </a:solidFill>
+          </a:ln>
+        </p:spPr>
+        <p:style>
+          <a:lnRef idx="2">
+            <a:schemeClr val="accent1">
+              <a:shade val="15000"/>
+            </a:schemeClr>
+          </a:lnRef>
+          <a:fillRef idx="1">
+            <a:schemeClr val="accent1"/>
+          </a:fillRef>
+          <a:effectRef idx="0">
+            <a:schemeClr val="accent1"/>
+          </a:effectRef>
+          <a:fontRef idx="minor">
+            <a:schemeClr val="lt1"/>
+          </a:fontRef>
+        </p:style>
+        <p:txBody>
+          <a:bodyPr rtlCol="0" anchor="ctr"/>
+          <a:lstStyle/>
+          <a:p>
+            <a:pPr algn="ctr"/>
+            <a:r>
+              <a:rPr lang="en-CH" sz="1100" dirty="0">
+                <a:solidFill>
+                  <a:schemeClr val="accent5">
+                    <a:lumMod val="50000"/>
+                  </a:schemeClr>
+                </a:solidFill>
+                <a:latin typeface="Baloo 2" panose="03080502040302020200" pitchFamily="66" charset="77"/>
+                <a:ea typeface="Palatino" pitchFamily="2" charset="77"/>
+                <a:cs typeface="Baloo 2" panose="03080502040302020200" pitchFamily="66" charset="77"/>
+              </a:rPr>
+              <a:t>PLAY MUSIC</a:t>
+            </a:r>
+          </a:p>
+        </p:txBody>
+      </p:sp>
+      <p:cxnSp>
+        <p:nvCxnSpPr>
+          <p:cNvPr id="1602" name="Curved Connector 1601">
+            <a:extLst>
+              <a:ext uri="{FF2B5EF4-FFF2-40B4-BE49-F238E27FC236}">
+                <a16:creationId xmlns:a16="http://schemas.microsoft.com/office/drawing/2014/main" id="{DE93DE86-D4B7-6657-41F3-1BC2B080A239}"/>
+              </a:ext>
+            </a:extLst>
+          </p:cNvPr>
+          <p:cNvCxnSpPr>
+            <a:cxnSpLocks/>
+            <a:stCxn id="1596" idx="2"/>
+            <a:endCxn id="1601" idx="0"/>
+          </p:cNvCxnSpPr>
+          <p:nvPr/>
+        </p:nvCxnSpPr>
+        <p:spPr>
+          <a:xfrm rot="5400000">
+            <a:off x="28927267" y="2460329"/>
+            <a:ext cx="492524" cy="885248"/>
+          </a:xfrm>
+          <a:prstGeom prst="curvedConnector3">
+            <a:avLst>
+              <a:gd name="adj1" fmla="val 50000"/>
+            </a:avLst>
+          </a:prstGeom>
+          <a:ln w="19050"/>
+        </p:spPr>
+        <p:style>
+          <a:lnRef idx="1">
+            <a:schemeClr val="accent1"/>
+          </a:lnRef>
+          <a:fillRef idx="0">
+            <a:schemeClr val="accent1"/>
+          </a:fillRef>
+          <a:effectRef idx="0">
+            <a:schemeClr val="accent1"/>
+          </a:effectRef>
+          <a:fontRef idx="minor">
+            <a:schemeClr val="tx1"/>
+          </a:fontRef>
+        </p:style>
+      </p:cxnSp>
+      <p:sp>
+        <p:nvSpPr>
+          <p:cNvPr id="1605" name="Rounded Rectangle 1604">
+            <a:extLst>
+              <a:ext uri="{FF2B5EF4-FFF2-40B4-BE49-F238E27FC236}">
+                <a16:creationId xmlns:a16="http://schemas.microsoft.com/office/drawing/2014/main" id="{9AD393F6-9182-8D3B-7237-CE9D31B9C711}"/>
+              </a:ext>
+            </a:extLst>
+          </p:cNvPr>
+          <p:cNvSpPr/>
+          <p:nvPr/>
+        </p:nvSpPr>
+        <p:spPr>
+          <a:xfrm>
+            <a:off x="29500531" y="3165733"/>
+            <a:ext cx="1045567" cy="418274"/>
+          </a:xfrm>
+          <a:prstGeom prst="roundRect">
+            <a:avLst/>
+          </a:prstGeom>
+          <a:solidFill>
+            <a:schemeClr val="accent6">
+              <a:lumMod val="40000"/>
+              <a:lumOff val="60000"/>
+            </a:schemeClr>
+          </a:solidFill>
+          <a:ln w="38100">
+            <a:solidFill>
+              <a:srgbClr val="FFC000"/>
+            </a:solidFill>
+          </a:ln>
+        </p:spPr>
+        <p:style>
+          <a:lnRef idx="2">
+            <a:schemeClr val="accent1">
+              <a:shade val="15000"/>
+            </a:schemeClr>
+          </a:lnRef>
+          <a:fillRef idx="1">
+            <a:schemeClr val="accent1"/>
+          </a:fillRef>
+          <a:effectRef idx="0">
+            <a:schemeClr val="accent1"/>
+          </a:effectRef>
+          <a:fontRef idx="minor">
+            <a:schemeClr val="lt1"/>
+          </a:fontRef>
+        </p:style>
+        <p:txBody>
+          <a:bodyPr rtlCol="0" anchor="ctr"/>
+          <a:lstStyle/>
+          <a:p>
+            <a:pPr algn="ctr"/>
+            <a:r>
+              <a:rPr lang="en-CH" sz="1050" dirty="0">
+                <a:solidFill>
+                  <a:schemeClr val="accent5">
+                    <a:lumMod val="50000"/>
+                  </a:schemeClr>
+                </a:solidFill>
+                <a:latin typeface="Baloo 2" panose="03080502040302020200" pitchFamily="66" charset="77"/>
+                <a:ea typeface="Palatino" pitchFamily="2" charset="77"/>
+                <a:cs typeface="Baloo 2" panose="03080502040302020200" pitchFamily="66" charset="77"/>
+              </a:rPr>
+              <a:t>UNCHANGING SOUNDS</a:t>
+            </a:r>
+          </a:p>
+        </p:txBody>
+      </p:sp>
+      <p:cxnSp>
+        <p:nvCxnSpPr>
+          <p:cNvPr id="1609" name="Curved Connector 1608">
+            <a:extLst>
+              <a:ext uri="{FF2B5EF4-FFF2-40B4-BE49-F238E27FC236}">
+                <a16:creationId xmlns:a16="http://schemas.microsoft.com/office/drawing/2014/main" id="{F7A291BB-3D7D-8ED6-CEF2-172A93FDDEF7}"/>
+              </a:ext>
+            </a:extLst>
+          </p:cNvPr>
+          <p:cNvCxnSpPr>
+            <a:cxnSpLocks/>
+            <a:stCxn id="1596" idx="2"/>
+            <a:endCxn id="1605" idx="0"/>
+          </p:cNvCxnSpPr>
+          <p:nvPr/>
+        </p:nvCxnSpPr>
+        <p:spPr>
+          <a:xfrm rot="16200000" flipH="1">
+            <a:off x="29565213" y="2707631"/>
+            <a:ext cx="509042" cy="407162"/>
+          </a:xfrm>
+          <a:prstGeom prst="curvedConnector3">
+            <a:avLst>
+              <a:gd name="adj1" fmla="val 50000"/>
+            </a:avLst>
+          </a:prstGeom>
+          <a:ln w="19050"/>
+        </p:spPr>
+        <p:style>
+          <a:lnRef idx="1">
+            <a:schemeClr val="accent1"/>
+          </a:lnRef>
+          <a:fillRef idx="0">
+            <a:schemeClr val="accent1"/>
+          </a:fillRef>
+          <a:effectRef idx="0">
+            <a:schemeClr val="accent1"/>
+          </a:effectRef>
+          <a:fontRef idx="minor">
+            <a:schemeClr val="tx1"/>
+          </a:fontRef>
+        </p:style>
+      </p:cxnSp>
+      <p:sp>
+        <p:nvSpPr>
+          <p:cNvPr id="1618" name="TextBox 1617">
+            <a:extLst>
+              <a:ext uri="{FF2B5EF4-FFF2-40B4-BE49-F238E27FC236}">
+                <a16:creationId xmlns:a16="http://schemas.microsoft.com/office/drawing/2014/main" id="{B7223CA4-053D-C3FE-8E6F-A4FFF9E325A3}"/>
+              </a:ext>
+            </a:extLst>
+          </p:cNvPr>
+          <p:cNvSpPr txBox="1"/>
+          <p:nvPr/>
+        </p:nvSpPr>
+        <p:spPr>
+          <a:xfrm>
+            <a:off x="750523" y="592819"/>
+            <a:ext cx="2286878" cy="1200329"/>
+          </a:xfrm>
+          <a:prstGeom prst="rect">
+            <a:avLst/>
+          </a:prstGeom>
+          <a:solidFill>
+            <a:schemeClr val="tx2">
+              <a:lumMod val="40000"/>
+              <a:lumOff val="60000"/>
+              <a:alpha val="60890"/>
+            </a:schemeClr>
+          </a:solidFill>
+        </p:spPr>
+        <p:txBody>
+          <a:bodyPr wrap="square" rtlCol="0">
+            <a:spAutoFit/>
+          </a:bodyPr>
+          <a:lstStyle/>
+          <a:p>
+            <a:r>
+              <a:rPr lang="en-CH" sz="1200" dirty="0"/>
+              <a:t>While it was initially planned to have a “character controller” node, Godot  is designed to attach the movement script directly to the root “CharacterBody3D” node.</a:t>
+            </a:r>
+          </a:p>
+        </p:txBody>
+      </p:sp>
+      <p:cxnSp>
+        <p:nvCxnSpPr>
+          <p:cNvPr id="1622" name="Curved Connector 1621">
+            <a:extLst>
+              <a:ext uri="{FF2B5EF4-FFF2-40B4-BE49-F238E27FC236}">
+                <a16:creationId xmlns:a16="http://schemas.microsoft.com/office/drawing/2014/main" id="{895A435D-F636-D56A-05BE-FE3227F617B6}"/>
+              </a:ext>
+            </a:extLst>
+          </p:cNvPr>
+          <p:cNvCxnSpPr>
+            <a:cxnSpLocks/>
+            <a:stCxn id="438" idx="0"/>
+            <a:endCxn id="409" idx="2"/>
+          </p:cNvCxnSpPr>
+          <p:nvPr/>
+        </p:nvCxnSpPr>
+        <p:spPr>
+          <a:xfrm rot="5400000" flipH="1" flipV="1">
+            <a:off x="12777881" y="-4071411"/>
+            <a:ext cx="557376" cy="9812565"/>
+          </a:xfrm>
+          <a:prstGeom prst="curvedConnector3">
+            <a:avLst>
+              <a:gd name="adj1" fmla="val 50000"/>
+            </a:avLst>
+          </a:prstGeom>
+          <a:ln w="19050"/>
+        </p:spPr>
+        <p:style>
+          <a:lnRef idx="1">
+            <a:schemeClr val="accent1"/>
+          </a:lnRef>
+          <a:fillRef idx="0">
+            <a:schemeClr val="accent1"/>
+          </a:fillRef>
+          <a:effectRef idx="0">
+            <a:schemeClr val="accent1"/>
+          </a:effectRef>
+          <a:fontRef idx="minor">
+            <a:schemeClr val="tx1"/>
+          </a:fontRef>
+        </p:style>
+      </p:cxnSp>
+      <p:cxnSp>
+        <p:nvCxnSpPr>
+          <p:cNvPr id="1649" name="Curved Connector 1648">
+            <a:extLst>
+              <a:ext uri="{FF2B5EF4-FFF2-40B4-BE49-F238E27FC236}">
+                <a16:creationId xmlns:a16="http://schemas.microsoft.com/office/drawing/2014/main" id="{C5DE1C91-0D30-2772-1895-25349E9E9B45}"/>
+              </a:ext>
+            </a:extLst>
+          </p:cNvPr>
+          <p:cNvCxnSpPr>
+            <a:cxnSpLocks/>
+            <a:stCxn id="75" idx="2"/>
+            <a:endCxn id="1650" idx="0"/>
+          </p:cNvCxnSpPr>
+          <p:nvPr/>
+        </p:nvCxnSpPr>
+        <p:spPr>
+          <a:xfrm rot="5400000">
+            <a:off x="2356245" y="3436487"/>
+            <a:ext cx="1286606" cy="1855056"/>
+          </a:xfrm>
+          <a:prstGeom prst="curvedConnector3">
+            <a:avLst>
+              <a:gd name="adj1" fmla="val 50000"/>
+            </a:avLst>
+          </a:prstGeom>
+          <a:ln w="19050"/>
+        </p:spPr>
+        <p:style>
+          <a:lnRef idx="1">
+            <a:schemeClr val="accent1"/>
+          </a:lnRef>
+          <a:fillRef idx="0">
+            <a:schemeClr val="accent1"/>
+          </a:fillRef>
+          <a:effectRef idx="0">
+            <a:schemeClr val="accent1"/>
+          </a:effectRef>
+          <a:fontRef idx="minor">
+            <a:schemeClr val="tx1"/>
+          </a:fontRef>
+        </p:style>
+      </p:cxnSp>
+      <p:sp>
+        <p:nvSpPr>
+          <p:cNvPr id="1650" name="Rounded Rectangle 1649">
+            <a:extLst>
+              <a:ext uri="{FF2B5EF4-FFF2-40B4-BE49-F238E27FC236}">
+                <a16:creationId xmlns:a16="http://schemas.microsoft.com/office/drawing/2014/main" id="{0EF1FE1B-621D-D346-A10A-4B263BB05C5E}"/>
+              </a:ext>
+            </a:extLst>
+          </p:cNvPr>
+          <p:cNvSpPr/>
+          <p:nvPr/>
+        </p:nvSpPr>
+        <p:spPr>
+          <a:xfrm>
+            <a:off x="1549236" y="5007318"/>
+            <a:ext cx="1045567" cy="418274"/>
+          </a:xfrm>
+          <a:prstGeom prst="roundRect">
+            <a:avLst/>
+          </a:prstGeom>
+          <a:solidFill>
+            <a:schemeClr val="accent6">
+              <a:lumMod val="40000"/>
+              <a:lumOff val="60000"/>
+            </a:schemeClr>
+          </a:solidFill>
+          <a:ln w="38100">
+            <a:solidFill>
+              <a:srgbClr val="C00000"/>
+            </a:solidFill>
+          </a:ln>
+        </p:spPr>
+        <p:style>
+          <a:lnRef idx="2">
+            <a:schemeClr val="accent1">
+              <a:shade val="15000"/>
+            </a:schemeClr>
+          </a:lnRef>
+          <a:fillRef idx="1">
+            <a:schemeClr val="accent1"/>
+          </a:fillRef>
+          <a:effectRef idx="0">
+            <a:schemeClr val="accent1"/>
+          </a:effectRef>
+          <a:fontRef idx="minor">
+            <a:schemeClr val="lt1"/>
+          </a:fontRef>
+        </p:style>
+        <p:txBody>
+          <a:bodyPr rtlCol="0" anchor="ctr"/>
+          <a:lstStyle/>
+          <a:p>
+            <a:pPr algn="ctr"/>
+            <a:r>
+              <a:rPr lang="en-CH" sz="1100" dirty="0">
+                <a:solidFill>
+                  <a:schemeClr val="accent5">
+                    <a:lumMod val="50000"/>
+                  </a:schemeClr>
+                </a:solidFill>
+                <a:latin typeface="Baloo 2" panose="03080502040302020200" pitchFamily="66" charset="77"/>
+                <a:ea typeface="Palatino" pitchFamily="2" charset="77"/>
+                <a:cs typeface="Baloo 2" panose="03080502040302020200" pitchFamily="66" charset="77"/>
+              </a:rPr>
+              <a:t>3D ASSETS</a:t>
+            </a:r>
+          </a:p>
+        </p:txBody>
+      </p:sp>
+      <p:sp>
+        <p:nvSpPr>
+          <p:cNvPr id="1684" name="Rounded Rectangle 1683">
+            <a:extLst>
+              <a:ext uri="{FF2B5EF4-FFF2-40B4-BE49-F238E27FC236}">
+                <a16:creationId xmlns:a16="http://schemas.microsoft.com/office/drawing/2014/main" id="{7B2EB20F-31DB-0945-9F5B-24CDFC15CF0C}"/>
+              </a:ext>
+            </a:extLst>
+          </p:cNvPr>
+          <p:cNvSpPr/>
+          <p:nvPr/>
+        </p:nvSpPr>
+        <p:spPr>
+          <a:xfrm>
+            <a:off x="2694996" y="2405990"/>
+            <a:ext cx="1045567" cy="418274"/>
+          </a:xfrm>
+          <a:prstGeom prst="roundRect">
+            <a:avLst/>
+          </a:prstGeom>
+          <a:solidFill>
+            <a:schemeClr val="accent6">
+              <a:lumMod val="40000"/>
+              <a:lumOff val="60000"/>
+            </a:schemeClr>
+          </a:solidFill>
+          <a:ln w="38100">
+            <a:solidFill>
+              <a:srgbClr val="C00000"/>
+            </a:solidFill>
+          </a:ln>
+        </p:spPr>
+        <p:style>
+          <a:lnRef idx="2">
+            <a:schemeClr val="accent1">
+              <a:shade val="15000"/>
+            </a:schemeClr>
+          </a:lnRef>
+          <a:fillRef idx="1">
+            <a:schemeClr val="accent1"/>
+          </a:fillRef>
+          <a:effectRef idx="0">
+            <a:schemeClr val="accent1"/>
+          </a:effectRef>
+          <a:fontRef idx="minor">
+            <a:schemeClr val="lt1"/>
+          </a:fontRef>
+        </p:style>
+        <p:txBody>
+          <a:bodyPr rtlCol="0" anchor="ctr"/>
+          <a:lstStyle/>
+          <a:p>
+            <a:pPr algn="ctr"/>
+            <a:r>
+              <a:rPr lang="en-CH" sz="1100" dirty="0">
+                <a:solidFill>
+                  <a:schemeClr val="accent5">
+                    <a:lumMod val="50000"/>
+                  </a:schemeClr>
+                </a:solidFill>
+                <a:latin typeface="Baloo 2" panose="03080502040302020200" pitchFamily="66" charset="77"/>
+                <a:ea typeface="Palatino" pitchFamily="2" charset="77"/>
+                <a:cs typeface="Baloo 2" panose="03080502040302020200" pitchFamily="66" charset="77"/>
+              </a:rPr>
+              <a:t>COLLIDER</a:t>
+            </a:r>
+          </a:p>
+        </p:txBody>
+      </p:sp>
+      <p:cxnSp>
+        <p:nvCxnSpPr>
+          <p:cNvPr id="1688" name="Curved Connector 1687">
+            <a:extLst>
+              <a:ext uri="{FF2B5EF4-FFF2-40B4-BE49-F238E27FC236}">
+                <a16:creationId xmlns:a16="http://schemas.microsoft.com/office/drawing/2014/main" id="{DA7787B9-5DF2-BE36-522C-C7207A465BB5}"/>
+              </a:ext>
+            </a:extLst>
+          </p:cNvPr>
+          <p:cNvCxnSpPr>
+            <a:cxnSpLocks/>
+            <a:stCxn id="5" idx="2"/>
+            <a:endCxn id="1684" idx="0"/>
+          </p:cNvCxnSpPr>
+          <p:nvPr/>
+        </p:nvCxnSpPr>
+        <p:spPr>
+          <a:xfrm rot="5400000">
+            <a:off x="3281190" y="1219501"/>
+            <a:ext cx="1123079" cy="1249898"/>
+          </a:xfrm>
+          <a:prstGeom prst="curvedConnector3">
+            <a:avLst>
+              <a:gd name="adj1" fmla="val 50000"/>
+            </a:avLst>
+          </a:prstGeom>
+          <a:ln w="19050"/>
+        </p:spPr>
+        <p:style>
+          <a:lnRef idx="1">
+            <a:schemeClr val="accent1"/>
+          </a:lnRef>
+          <a:fillRef idx="0">
+            <a:schemeClr val="accent1"/>
+          </a:fillRef>
+          <a:effectRef idx="0">
+            <a:schemeClr val="accent1"/>
+          </a:effectRef>
+          <a:fontRef idx="minor">
+            <a:schemeClr val="tx1"/>
+          </a:fontRef>
+        </p:style>
+      </p:cxnSp>
+      <p:sp>
+        <p:nvSpPr>
+          <p:cNvPr id="1709" name="Rounded Rectangle 1708">
+            <a:extLst>
+              <a:ext uri="{FF2B5EF4-FFF2-40B4-BE49-F238E27FC236}">
+                <a16:creationId xmlns:a16="http://schemas.microsoft.com/office/drawing/2014/main" id="{7F1880FB-3377-B49E-F096-7B5019C25171}"/>
+              </a:ext>
+            </a:extLst>
+          </p:cNvPr>
+          <p:cNvSpPr/>
+          <p:nvPr/>
+        </p:nvSpPr>
+        <p:spPr>
+          <a:xfrm>
+            <a:off x="6497179" y="3012809"/>
+            <a:ext cx="1045567" cy="418274"/>
+          </a:xfrm>
+          <a:prstGeom prst="roundRect">
+            <a:avLst/>
+          </a:prstGeom>
+          <a:solidFill>
+            <a:schemeClr val="accent6">
+              <a:lumMod val="40000"/>
+              <a:lumOff val="60000"/>
+            </a:schemeClr>
+          </a:solidFill>
+          <a:ln w="38100">
+            <a:solidFill>
+              <a:srgbClr val="FFC000"/>
+            </a:solidFill>
+          </a:ln>
+        </p:spPr>
+        <p:style>
+          <a:lnRef idx="2">
+            <a:schemeClr val="accent1">
+              <a:shade val="15000"/>
+            </a:schemeClr>
+          </a:lnRef>
+          <a:fillRef idx="1">
+            <a:schemeClr val="accent1"/>
+          </a:fillRef>
+          <a:effectRef idx="0">
+            <a:schemeClr val="accent1"/>
+          </a:effectRef>
+          <a:fontRef idx="minor">
+            <a:schemeClr val="lt1"/>
+          </a:fontRef>
+        </p:style>
+        <p:txBody>
+          <a:bodyPr rtlCol="0" anchor="ctr"/>
+          <a:lstStyle/>
+          <a:p>
+            <a:pPr algn="ctr"/>
+            <a:r>
+              <a:rPr lang="en-CH" sz="1100" dirty="0">
+                <a:solidFill>
+                  <a:schemeClr val="accent5">
+                    <a:lumMod val="50000"/>
+                  </a:schemeClr>
+                </a:solidFill>
+                <a:latin typeface="Baloo 2" panose="03080502040302020200" pitchFamily="66" charset="77"/>
+                <a:ea typeface="Palatino" pitchFamily="2" charset="77"/>
+                <a:cs typeface="Baloo 2" panose="03080502040302020200" pitchFamily="66" charset="77"/>
+              </a:rPr>
+              <a:t>HEADBOB</a:t>
+            </a:r>
+          </a:p>
+        </p:txBody>
+      </p:sp>
+      <p:cxnSp>
+        <p:nvCxnSpPr>
+          <p:cNvPr id="1711" name="Curved Connector 1710">
+            <a:extLst>
+              <a:ext uri="{FF2B5EF4-FFF2-40B4-BE49-F238E27FC236}">
+                <a16:creationId xmlns:a16="http://schemas.microsoft.com/office/drawing/2014/main" id="{1375C442-555F-2BF9-734A-97FD10CEE038}"/>
+              </a:ext>
+            </a:extLst>
+          </p:cNvPr>
+          <p:cNvCxnSpPr>
+            <a:cxnSpLocks/>
+            <a:stCxn id="428" idx="2"/>
+            <a:endCxn id="1709" idx="0"/>
+          </p:cNvCxnSpPr>
+          <p:nvPr/>
+        </p:nvCxnSpPr>
+        <p:spPr>
+          <a:xfrm rot="16200000" flipH="1">
+            <a:off x="6375090" y="2367935"/>
+            <a:ext cx="383565" cy="906182"/>
           </a:xfrm>
           <a:prstGeom prst="curvedConnector3">
             <a:avLst>
@@ -10650,7 +12522,7 @@
         </p:nvSpPr>
         <p:spPr>
           <a:xfrm>
-            <a:off x="6800309" y="1270364"/>
+            <a:off x="12200194" y="1270364"/>
             <a:ext cx="1045567" cy="418274"/>
           </a:xfrm>
           <a:prstGeom prst="roundRect">
@@ -10717,7 +12589,7 @@
         </p:nvSpPr>
         <p:spPr>
           <a:xfrm>
-            <a:off x="6800308" y="1927095"/>
+            <a:off x="12200193" y="1927095"/>
             <a:ext cx="1045567" cy="418274"/>
           </a:xfrm>
           <a:prstGeom prst="roundRect">
@@ -10781,7 +12653,7 @@
         </p:nvSpPr>
         <p:spPr>
           <a:xfrm>
-            <a:off x="6800308" y="2583826"/>
+            <a:off x="12200193" y="2583826"/>
             <a:ext cx="1045567" cy="418274"/>
           </a:xfrm>
           <a:prstGeom prst="roundRect">
@@ -10848,7 +12720,7 @@
         </p:nvSpPr>
         <p:spPr>
           <a:xfrm>
-            <a:off x="8258994" y="2583826"/>
+            <a:off x="13658879" y="2583826"/>
             <a:ext cx="1045567" cy="418274"/>
           </a:xfrm>
           <a:prstGeom prst="roundRect">
@@ -10917,7 +12789,7 @@
         </p:nvSpPr>
         <p:spPr>
           <a:xfrm>
-            <a:off x="9521737" y="2583826"/>
+            <a:off x="14921622" y="2583826"/>
             <a:ext cx="1045567" cy="418274"/>
           </a:xfrm>
           <a:prstGeom prst="roundRect">
@@ -10986,7 +12858,7 @@
         </p:nvSpPr>
         <p:spPr>
           <a:xfrm>
-            <a:off x="10784480" y="2583826"/>
+            <a:off x="16184365" y="2583826"/>
             <a:ext cx="1045567" cy="418274"/>
           </a:xfrm>
           <a:prstGeom prst="roundRect">
@@ -11055,7 +12927,7 @@
         </p:nvSpPr>
         <p:spPr>
           <a:xfrm>
-            <a:off x="12047223" y="2583826"/>
+            <a:off x="17447108" y="2583826"/>
             <a:ext cx="1045567" cy="418274"/>
           </a:xfrm>
           <a:prstGeom prst="roundRect">
@@ -11124,7 +12996,7 @@
         </p:nvSpPr>
         <p:spPr>
           <a:xfrm>
-            <a:off x="5877148" y="375176"/>
+            <a:off x="11277033" y="375176"/>
             <a:ext cx="14141885" cy="369332"/>
           </a:xfrm>
           <a:prstGeom prst="rect">

--- a/Design Documents/Systems.pptx
+++ b/Design Documents/Systems.pptx
@@ -2982,6 +2982,49 @@
       </p:grpSpPr>
       <p:cxnSp>
         <p:nvCxnSpPr>
+          <p:cNvPr id="1718" name="Curved Connector 1717">
+            <a:extLst>
+              <a:ext uri="{FF2B5EF4-FFF2-40B4-BE49-F238E27FC236}">
+                <a16:creationId xmlns:a16="http://schemas.microsoft.com/office/drawing/2014/main" id="{1F0511D9-D0D9-9ACA-0870-ED1F088401E4}"/>
+              </a:ext>
+            </a:extLst>
+          </p:cNvPr>
+          <p:cNvCxnSpPr>
+            <a:cxnSpLocks/>
+            <a:stCxn id="166" idx="2"/>
+            <a:endCxn id="1715" idx="0"/>
+          </p:cNvCxnSpPr>
+          <p:nvPr/>
+        </p:nvCxnSpPr>
+        <p:spPr>
+          <a:xfrm rot="16200000" flipH="1">
+            <a:off x="15531880" y="4072618"/>
+            <a:ext cx="832846" cy="245008"/>
+          </a:xfrm>
+          <a:prstGeom prst="curvedConnector3">
+            <a:avLst>
+              <a:gd name="adj1" fmla="val 50000"/>
+            </a:avLst>
+          </a:prstGeom>
+          <a:ln w="19050"/>
+        </p:spPr>
+        <p:style>
+          <a:lnRef idx="1">
+            <a:schemeClr val="accent1"/>
+          </a:lnRef>
+          <a:fillRef idx="0">
+            <a:schemeClr val="accent1"/>
+          </a:fillRef>
+          <a:effectRef idx="0">
+            <a:schemeClr val="accent1"/>
+          </a:effectRef>
+          <a:fontRef idx="minor">
+            <a:schemeClr val="tx1"/>
+          </a:fontRef>
+        </p:style>
+      </p:cxnSp>
+      <p:cxnSp>
+        <p:nvCxnSpPr>
           <p:cNvPr id="1067" name="Curved Connector 1066">
             <a:extLst>
               <a:ext uri="{FF2B5EF4-FFF2-40B4-BE49-F238E27FC236}">
@@ -4795,7 +4838,7 @@
                 <a:ea typeface="Palatino" pitchFamily="2" charset="77"/>
                 <a:cs typeface="Baloo 2" panose="03080502040302020200" pitchFamily="66" charset="77"/>
               </a:rPr>
-              <a:t>MOVE 4D</a:t>
+              <a:t>MOVE 4 DIRECTIONS</a:t>
             </a:r>
           </a:p>
         </p:txBody>
@@ -5473,8 +5516,8 @@
         </p:nvCxnSpPr>
         <p:spPr>
           <a:xfrm rot="5400000">
-            <a:off x="15395354" y="3759244"/>
-            <a:ext cx="410991" cy="449901"/>
+            <a:off x="15334094" y="3593118"/>
+            <a:ext cx="306124" cy="677287"/>
           </a:xfrm>
           <a:prstGeom prst="curvedConnector3">
             <a:avLst>
@@ -5624,7 +5667,7 @@
         </p:nvSpPr>
         <p:spPr>
           <a:xfrm>
-            <a:off x="16135833" y="4173705"/>
+            <a:off x="16445179" y="4091271"/>
             <a:ext cx="1045567" cy="418274"/>
           </a:xfrm>
           <a:prstGeom prst="roundRect">
@@ -5697,8 +5740,8 @@
         </p:nvCxnSpPr>
         <p:spPr>
           <a:xfrm rot="16200000" flipH="1">
-            <a:off x="16044705" y="3559793"/>
-            <a:ext cx="395006" cy="832818"/>
+            <a:off x="16240595" y="3363903"/>
+            <a:ext cx="312572" cy="1142164"/>
           </a:xfrm>
           <a:prstGeom prst="curvedConnector3">
             <a:avLst>
@@ -5805,7 +5848,7 @@
         </p:nvSpPr>
         <p:spPr>
           <a:xfrm>
-            <a:off x="14853114" y="4189690"/>
+            <a:off x="14625728" y="4084823"/>
             <a:ext cx="1045567" cy="418274"/>
           </a:xfrm>
           <a:prstGeom prst="roundRect">
@@ -7894,7 +7937,7 @@
           </a:solidFill>
           <a:ln w="38100">
             <a:solidFill>
-              <a:srgbClr val="7030A0"/>
+              <a:srgbClr val="00B050"/>
             </a:solidFill>
           </a:ln>
         </p:spPr>
@@ -8219,7 +8262,7 @@
         </p:nvSpPr>
         <p:spPr>
           <a:xfrm>
-            <a:off x="26631799" y="1435981"/>
+            <a:off x="26811344" y="1456722"/>
             <a:ext cx="1045567" cy="418274"/>
           </a:xfrm>
           <a:prstGeom prst="roundRect">
@@ -8290,8 +8333,8 @@
         </p:nvCxnSpPr>
         <p:spPr>
           <a:xfrm rot="16200000" flipV="1">
-            <a:off x="22118819" y="-3599784"/>
-            <a:ext cx="879798" cy="9191731"/>
+            <a:off x="22198221" y="-3679185"/>
+            <a:ext cx="900539" cy="9371276"/>
           </a:xfrm>
           <a:prstGeom prst="curvedConnector3">
             <a:avLst>
@@ -8329,7 +8372,7 @@
         </p:nvSpPr>
         <p:spPr>
           <a:xfrm>
-            <a:off x="26640861" y="2201498"/>
+            <a:off x="26097667" y="2141749"/>
             <a:ext cx="1045567" cy="418274"/>
           </a:xfrm>
           <a:prstGeom prst="roundRect">
@@ -8401,9 +8444,9 @@
           <p:nvPr/>
         </p:nvCxnSpPr>
         <p:spPr>
-          <a:xfrm rot="16200000" flipH="1">
-            <a:off x="26985493" y="2023345"/>
-            <a:ext cx="347243" cy="9062"/>
+          <a:xfrm rot="5400000">
+            <a:off x="26843914" y="1651534"/>
+            <a:ext cx="266753" cy="713677"/>
           </a:xfrm>
           <a:prstGeom prst="curvedConnector3">
             <a:avLst>
@@ -12455,6 +12498,187 @@
           <a:xfrm rot="16200000" flipH="1">
             <a:off x="6375090" y="2367935"/>
             <a:ext cx="383565" cy="906182"/>
+          </a:xfrm>
+          <a:prstGeom prst="curvedConnector3">
+            <a:avLst>
+              <a:gd name="adj1" fmla="val 50000"/>
+            </a:avLst>
+          </a:prstGeom>
+          <a:ln w="19050"/>
+        </p:spPr>
+        <p:style>
+          <a:lnRef idx="1">
+            <a:schemeClr val="accent1"/>
+          </a:lnRef>
+          <a:fillRef idx="0">
+            <a:schemeClr val="accent1"/>
+          </a:fillRef>
+          <a:effectRef idx="0">
+            <a:schemeClr val="accent1"/>
+          </a:effectRef>
+          <a:fontRef idx="minor">
+            <a:schemeClr val="tx1"/>
+          </a:fontRef>
+        </p:style>
+      </p:cxnSp>
+      <p:sp>
+        <p:nvSpPr>
+          <p:cNvPr id="1715" name="Rounded Rectangle 1714">
+            <a:extLst>
+              <a:ext uri="{FF2B5EF4-FFF2-40B4-BE49-F238E27FC236}">
+                <a16:creationId xmlns:a16="http://schemas.microsoft.com/office/drawing/2014/main" id="{433117DC-8C8E-180C-FE2C-6E6FDF660E29}"/>
+              </a:ext>
+            </a:extLst>
+          </p:cNvPr>
+          <p:cNvSpPr/>
+          <p:nvPr/>
+        </p:nvSpPr>
+        <p:spPr>
+          <a:xfrm>
+            <a:off x="15548023" y="4611545"/>
+            <a:ext cx="1045567" cy="418274"/>
+          </a:xfrm>
+          <a:prstGeom prst="roundRect">
+            <a:avLst/>
+          </a:prstGeom>
+          <a:solidFill>
+            <a:schemeClr val="accent6">
+              <a:lumMod val="40000"/>
+              <a:lumOff val="60000"/>
+            </a:schemeClr>
+          </a:solidFill>
+          <a:ln w="38100">
+            <a:solidFill>
+              <a:schemeClr val="accent4"/>
+            </a:solidFill>
+          </a:ln>
+        </p:spPr>
+        <p:style>
+          <a:lnRef idx="2">
+            <a:schemeClr val="accent1">
+              <a:shade val="15000"/>
+            </a:schemeClr>
+          </a:lnRef>
+          <a:fillRef idx="1">
+            <a:schemeClr val="accent1"/>
+          </a:fillRef>
+          <a:effectRef idx="0">
+            <a:schemeClr val="accent1"/>
+          </a:effectRef>
+          <a:fontRef idx="minor">
+            <a:schemeClr val="lt1"/>
+          </a:fontRef>
+        </p:style>
+        <p:txBody>
+          <a:bodyPr rtlCol="0" anchor="ctr"/>
+          <a:lstStyle/>
+          <a:p>
+            <a:pPr algn="ctr"/>
+            <a:r>
+              <a:rPr lang="en-CH" sz="1100" dirty="0">
+                <a:solidFill>
+                  <a:schemeClr val="accent5">
+                    <a:lumMod val="50000"/>
+                  </a:schemeClr>
+                </a:solidFill>
+                <a:latin typeface="Baloo 2" panose="03080502040302020200" pitchFamily="66" charset="77"/>
+                <a:ea typeface="Palatino" pitchFamily="2" charset="77"/>
+                <a:cs typeface="Baloo 2" panose="03080502040302020200" pitchFamily="66" charset="77"/>
+              </a:rPr>
+              <a:t>PICK UP MECHANIC</a:t>
+            </a:r>
+          </a:p>
+        </p:txBody>
+      </p:sp>
+      <p:sp>
+        <p:nvSpPr>
+          <p:cNvPr id="1723" name="Rounded Rectangle 1722">
+            <a:extLst>
+              <a:ext uri="{FF2B5EF4-FFF2-40B4-BE49-F238E27FC236}">
+                <a16:creationId xmlns:a16="http://schemas.microsoft.com/office/drawing/2014/main" id="{2D84B7FC-8719-E0B8-673A-B0BC7C2E6159}"/>
+              </a:ext>
+            </a:extLst>
+          </p:cNvPr>
+          <p:cNvSpPr/>
+          <p:nvPr/>
+        </p:nvSpPr>
+        <p:spPr>
+          <a:xfrm>
+            <a:off x="27405546" y="2169412"/>
+            <a:ext cx="1045567" cy="418274"/>
+          </a:xfrm>
+          <a:prstGeom prst="roundRect">
+            <a:avLst/>
+          </a:prstGeom>
+          <a:solidFill>
+            <a:schemeClr val="accent6">
+              <a:lumMod val="40000"/>
+              <a:lumOff val="60000"/>
+            </a:schemeClr>
+          </a:solidFill>
+          <a:ln w="38100">
+            <a:solidFill>
+              <a:srgbClr val="00B050"/>
+            </a:solidFill>
+          </a:ln>
+        </p:spPr>
+        <p:style>
+          <a:lnRef idx="2">
+            <a:schemeClr val="accent1">
+              <a:shade val="15000"/>
+            </a:schemeClr>
+          </a:lnRef>
+          <a:fillRef idx="1">
+            <a:schemeClr val="accent1"/>
+          </a:fillRef>
+          <a:effectRef idx="0">
+            <a:schemeClr val="accent1"/>
+          </a:effectRef>
+          <a:fontRef idx="minor">
+            <a:schemeClr val="lt1"/>
+          </a:fontRef>
+        </p:style>
+        <p:txBody>
+          <a:bodyPr rtlCol="0" anchor="ctr"/>
+          <a:lstStyle/>
+          <a:p>
+            <a:pPr algn="ctr"/>
+            <a:r>
+              <a:rPr lang="en-CH" sz="1100" dirty="0">
+                <a:solidFill>
+                  <a:schemeClr val="accent5">
+                    <a:lumMod val="50000"/>
+                  </a:schemeClr>
+                </a:solidFill>
+                <a:latin typeface="Baloo 2" panose="03080502040302020200" pitchFamily="66" charset="77"/>
+                <a:ea typeface="Palatino" pitchFamily="2" charset="77"/>
+                <a:cs typeface="Baloo 2" panose="03080502040302020200" pitchFamily="66" charset="77"/>
+              </a:rPr>
+              <a:t>SHADER TRANSITION</a:t>
+            </a:r>
+          </a:p>
+        </p:txBody>
+      </p:sp>
+      <p:cxnSp>
+        <p:nvCxnSpPr>
+          <p:cNvPr id="1724" name="Curved Connector 1723">
+            <a:extLst>
+              <a:ext uri="{FF2B5EF4-FFF2-40B4-BE49-F238E27FC236}">
+                <a16:creationId xmlns:a16="http://schemas.microsoft.com/office/drawing/2014/main" id="{05AE5A18-7775-BF4F-9701-EF0795D71BAA}"/>
+              </a:ext>
+            </a:extLst>
+          </p:cNvPr>
+          <p:cNvCxnSpPr>
+            <a:cxnSpLocks/>
+            <a:stCxn id="982" idx="2"/>
+            <a:endCxn id="1723" idx="0"/>
+          </p:cNvCxnSpPr>
+          <p:nvPr/>
+        </p:nvCxnSpPr>
+        <p:spPr>
+          <a:xfrm rot="16200000" flipH="1">
+            <a:off x="27484021" y="1725103"/>
+            <a:ext cx="294416" cy="594202"/>
           </a:xfrm>
           <a:prstGeom prst="curvedConnector3">
             <a:avLst>
@@ -12997,7 +13221,7 @@
         <p:spPr>
           <a:xfrm>
             <a:off x="11277033" y="375176"/>
-            <a:ext cx="14141885" cy="369332"/>
+            <a:ext cx="15352473" cy="369332"/>
           </a:xfrm>
           <a:prstGeom prst="rect">
             <a:avLst/>
@@ -13012,7 +13236,7 @@
           <a:p>
             <a:r>
               <a:rPr lang="en-CH" dirty="0"/>
-              <a:t>THIS MODEL DOES NOT ACCOUNT FOR EVERY SINGLE NODE. IT IS MERELY MEANT TO REPRESENT THE ORGANISATIONAL LOGIC BEHIND THE PROJECT.</a:t>
+              <a:t>THIS MODEL DOES NOT ACCOUNT FOR EVERY SINGLE NODE OR FEATURE. IT IS MERELY MEANT TO REPRESENT THE ORGANISATIONAL LOGIC BEHIND THE PROJECT.</a:t>
             </a:r>
           </a:p>
         </p:txBody>

--- a/Design Documents/Systems.pptx
+++ b/Design Documents/Systems.pptx
@@ -2982,6 +2982,49 @@
       </p:grpSpPr>
       <p:cxnSp>
         <p:nvCxnSpPr>
+          <p:cNvPr id="1738" name="Curved Connector 1737">
+            <a:extLst>
+              <a:ext uri="{FF2B5EF4-FFF2-40B4-BE49-F238E27FC236}">
+                <a16:creationId xmlns:a16="http://schemas.microsoft.com/office/drawing/2014/main" id="{A9B234A1-7715-6D3B-F847-0C0A3506294E}"/>
+              </a:ext>
+            </a:extLst>
+          </p:cNvPr>
+          <p:cNvCxnSpPr>
+            <a:cxnSpLocks/>
+            <a:stCxn id="166" idx="2"/>
+            <a:endCxn id="1733" idx="0"/>
+          </p:cNvCxnSpPr>
+          <p:nvPr/>
+        </p:nvCxnSpPr>
+        <p:spPr>
+          <a:xfrm rot="16200000" flipH="1">
+            <a:off x="16023426" y="3524019"/>
+            <a:ext cx="883031" cy="974115"/>
+          </a:xfrm>
+          <a:prstGeom prst="curvedConnector3">
+            <a:avLst>
+              <a:gd name="adj1" fmla="val 50000"/>
+            </a:avLst>
+          </a:prstGeom>
+          <a:ln w="19050"/>
+        </p:spPr>
+        <p:style>
+          <a:lnRef idx="1">
+            <a:schemeClr val="accent1"/>
+          </a:lnRef>
+          <a:fillRef idx="0">
+            <a:schemeClr val="accent1"/>
+          </a:fillRef>
+          <a:effectRef idx="0">
+            <a:schemeClr val="accent1"/>
+          </a:effectRef>
+          <a:fontRef idx="minor">
+            <a:schemeClr val="tx1"/>
+          </a:fontRef>
+        </p:style>
+      </p:cxnSp>
+      <p:cxnSp>
+        <p:nvCxnSpPr>
           <p:cNvPr id="1718" name="Curved Connector 1717">
             <a:extLst>
               <a:ext uri="{FF2B5EF4-FFF2-40B4-BE49-F238E27FC236}">
@@ -2997,9 +3040,9 @@
           <p:nvPr/>
         </p:nvCxnSpPr>
         <p:spPr>
-          <a:xfrm rot="16200000" flipH="1">
-            <a:off x="15531880" y="4072618"/>
-            <a:ext cx="832846" cy="245008"/>
+          <a:xfrm rot="5400000">
+            <a:off x="15272414" y="3725342"/>
+            <a:ext cx="861250" cy="549691"/>
           </a:xfrm>
           <a:prstGeom prst="curvedConnector3">
             <a:avLst>
@@ -5255,7 +5298,7 @@
         </p:nvSpPr>
         <p:spPr>
           <a:xfrm>
-            <a:off x="10930184" y="3441729"/>
+            <a:off x="10348483" y="3566438"/>
             <a:ext cx="1045567" cy="418274"/>
           </a:xfrm>
           <a:prstGeom prst="roundRect">
@@ -5323,8 +5366,8 @@
         </p:nvCxnSpPr>
         <p:spPr>
           <a:xfrm rot="5400000">
-            <a:off x="12245471" y="2045879"/>
-            <a:ext cx="603348" cy="2188353"/>
+            <a:off x="11892266" y="1817382"/>
+            <a:ext cx="728057" cy="2770054"/>
           </a:xfrm>
           <a:prstGeom prst="curvedConnector3">
             <a:avLst>
@@ -5366,7 +5409,7 @@
         </p:nvCxnSpPr>
         <p:spPr>
           <a:xfrm rot="5400000">
-            <a:off x="11027496" y="3631833"/>
+            <a:off x="10445795" y="3756542"/>
             <a:ext cx="197303" cy="653642"/>
           </a:xfrm>
           <a:prstGeom prst="curvedConnector3">
@@ -5405,7 +5448,7 @@
         </p:nvSpPr>
         <p:spPr>
           <a:xfrm>
-            <a:off x="15303015" y="3360425"/>
+            <a:off x="15455100" y="3151288"/>
             <a:ext cx="1045567" cy="418274"/>
           </a:xfrm>
           <a:prstGeom prst="roundRect">
@@ -5473,8 +5516,8 @@
         </p:nvCxnSpPr>
         <p:spPr>
           <a:xfrm rot="16200000" flipH="1">
-            <a:off x="14472538" y="2007164"/>
-            <a:ext cx="522044" cy="2184478"/>
+            <a:off x="14653149" y="1826552"/>
+            <a:ext cx="312907" cy="2336563"/>
           </a:xfrm>
           <a:prstGeom prst="curvedConnector3">
             <a:avLst>
@@ -5509,15 +5552,14 @@
           </p:cNvPr>
           <p:cNvCxnSpPr>
             <a:cxnSpLocks/>
-            <a:stCxn id="166" idx="2"/>
             <a:endCxn id="170" idx="0"/>
           </p:cNvCxnSpPr>
           <p:nvPr/>
         </p:nvCxnSpPr>
         <p:spPr>
           <a:xfrm rot="5400000">
-            <a:off x="15334094" y="3593118"/>
-            <a:ext cx="306124" cy="677287"/>
+            <a:off x="15119491" y="3119985"/>
+            <a:ext cx="285676" cy="1265590"/>
           </a:xfrm>
           <a:prstGeom prst="curvedConnector3">
             <a:avLst>
@@ -5555,7 +5597,7 @@
         </p:nvSpPr>
         <p:spPr>
           <a:xfrm>
-            <a:off x="11480224" y="4062127"/>
+            <a:off x="10898523" y="4186836"/>
             <a:ext cx="1045567" cy="418274"/>
           </a:xfrm>
           <a:prstGeom prst="roundRect">
@@ -5628,7 +5670,7 @@
         </p:nvCxnSpPr>
         <p:spPr>
           <a:xfrm rot="16200000" flipH="1">
-            <a:off x="11626926" y="3686045"/>
+            <a:off x="11045225" y="3810754"/>
             <a:ext cx="202124" cy="550040"/>
           </a:xfrm>
           <a:prstGeom prst="curvedConnector3">
@@ -5667,7 +5709,7 @@
         </p:nvSpPr>
         <p:spPr>
           <a:xfrm>
-            <a:off x="16445179" y="4091271"/>
+            <a:off x="16852306" y="3779418"/>
             <a:ext cx="1045567" cy="418274"/>
           </a:xfrm>
           <a:prstGeom prst="roundRect">
@@ -5740,8 +5782,8 @@
         </p:nvCxnSpPr>
         <p:spPr>
           <a:xfrm rot="16200000" flipH="1">
-            <a:off x="16240595" y="3363903"/>
-            <a:ext cx="312572" cy="1142164"/>
+            <a:off x="16571559" y="2975887"/>
+            <a:ext cx="209856" cy="1397206"/>
           </a:xfrm>
           <a:prstGeom prst="curvedConnector3">
             <a:avLst>
@@ -5779,7 +5821,7 @@
         </p:nvSpPr>
         <p:spPr>
           <a:xfrm>
-            <a:off x="10276542" y="4057306"/>
+            <a:off x="9694841" y="4182015"/>
             <a:ext cx="1045567" cy="418274"/>
           </a:xfrm>
           <a:prstGeom prst="roundRect">
@@ -5848,7 +5890,7 @@
         </p:nvSpPr>
         <p:spPr>
           <a:xfrm>
-            <a:off x="14625728" y="4084823"/>
+            <a:off x="14106750" y="3895618"/>
             <a:ext cx="1045567" cy="418274"/>
           </a:xfrm>
           <a:prstGeom prst="roundRect">
@@ -5917,7 +5959,7 @@
         </p:nvSpPr>
         <p:spPr>
           <a:xfrm>
-            <a:off x="13090981" y="3565739"/>
+            <a:off x="12465208" y="4167157"/>
             <a:ext cx="1045567" cy="418274"/>
           </a:xfrm>
           <a:prstGeom prst="roundRect">
@@ -5985,8 +6027,8 @@
         </p:nvCxnSpPr>
         <p:spPr>
           <a:xfrm rot="5400000">
-            <a:off x="13263864" y="3188282"/>
-            <a:ext cx="727358" cy="27556"/>
+            <a:off x="12650269" y="3176105"/>
+            <a:ext cx="1328776" cy="653329"/>
           </a:xfrm>
           <a:prstGeom prst="curvedConnector3">
             <a:avLst>
@@ -6024,7 +6066,7 @@
         </p:nvSpPr>
         <p:spPr>
           <a:xfrm>
-            <a:off x="14364335" y="5157660"/>
+            <a:off x="14010569" y="5343900"/>
             <a:ext cx="1045567" cy="418274"/>
           </a:xfrm>
           <a:prstGeom prst="roundRect">
@@ -6091,9 +6133,9 @@
           <p:nvPr/>
         </p:nvCxnSpPr>
         <p:spPr>
-          <a:xfrm rot="5400000">
-            <a:off x="12960349" y="4486119"/>
-            <a:ext cx="1155522" cy="151310"/>
+          <a:xfrm rot="16200000" flipH="1">
+            <a:off x="12678168" y="4895254"/>
+            <a:ext cx="740344" cy="120697"/>
           </a:xfrm>
           <a:prstGeom prst="curvedConnector3">
             <a:avLst>
@@ -6135,8 +6177,8 @@
         </p:nvCxnSpPr>
         <p:spPr>
           <a:xfrm rot="16200000" flipH="1">
-            <a:off x="13663619" y="3934159"/>
-            <a:ext cx="1173647" cy="1273354"/>
+            <a:off x="13381438" y="4191984"/>
+            <a:ext cx="758469" cy="1545361"/>
           </a:xfrm>
           <a:prstGeom prst="curvedConnector3">
             <a:avLst>
@@ -6174,7 +6216,7 @@
         </p:nvSpPr>
         <p:spPr>
           <a:xfrm>
-            <a:off x="12939671" y="5139535"/>
+            <a:off x="12585905" y="5325775"/>
             <a:ext cx="1045567" cy="418274"/>
           </a:xfrm>
           <a:prstGeom prst="roundRect">
@@ -8760,7 +8802,7 @@
         </p:nvSpPr>
         <p:spPr>
           <a:xfrm>
-            <a:off x="18121911" y="4484095"/>
+            <a:off x="18516784" y="4739386"/>
             <a:ext cx="1045567" cy="418274"/>
           </a:xfrm>
           <a:prstGeom prst="roundRect">
@@ -8827,7 +8869,7 @@
         </p:nvSpPr>
         <p:spPr>
           <a:xfrm>
-            <a:off x="16804476" y="5157270"/>
+            <a:off x="17199349" y="5412561"/>
             <a:ext cx="1045567" cy="418274"/>
           </a:xfrm>
           <a:prstGeom prst="roundRect">
@@ -8896,7 +8938,7 @@
         </p:nvSpPr>
         <p:spPr>
           <a:xfrm>
-            <a:off x="17123960" y="5958482"/>
+            <a:off x="17518833" y="6213773"/>
             <a:ext cx="1045567" cy="418274"/>
           </a:xfrm>
           <a:prstGeom prst="roundRect">
@@ -8965,7 +9007,7 @@
         </p:nvSpPr>
         <p:spPr>
           <a:xfrm>
-            <a:off x="18343968" y="5692205"/>
+            <a:off x="18738841" y="5947496"/>
             <a:ext cx="1045567" cy="418274"/>
           </a:xfrm>
           <a:prstGeom prst="roundRect">
@@ -9038,7 +9080,7 @@
         </p:nvCxnSpPr>
         <p:spPr>
           <a:xfrm rot="5400000">
-            <a:off x="17858528" y="4371102"/>
+            <a:off x="18253401" y="4626393"/>
             <a:ext cx="254901" cy="1317435"/>
           </a:xfrm>
           <a:prstGeom prst="curvedConnector3">
@@ -9081,7 +9123,7 @@
         </p:nvCxnSpPr>
         <p:spPr>
           <a:xfrm rot="5400000">
-            <a:off x="17617664" y="4931450"/>
+            <a:off x="18012537" y="5186741"/>
             <a:ext cx="1056113" cy="997951"/>
           </a:xfrm>
           <a:prstGeom prst="curvedConnector3">
@@ -9124,7 +9166,7 @@
         </p:nvCxnSpPr>
         <p:spPr>
           <a:xfrm rot="16200000" flipH="1">
-            <a:off x="18360805" y="5186258"/>
+            <a:off x="18755678" y="5441549"/>
             <a:ext cx="789836" cy="222057"/>
           </a:xfrm>
           <a:prstGeom prst="curvedConnector3">
@@ -9279,8 +9321,8 @@
         </p:nvCxnSpPr>
         <p:spPr>
           <a:xfrm rot="16200000" flipH="1">
-            <a:off x="21739242" y="1807821"/>
-            <a:ext cx="347960" cy="6537055"/>
+            <a:off x="22064325" y="2132903"/>
+            <a:ext cx="92669" cy="6142182"/>
           </a:xfrm>
           <a:prstGeom prst="curvedConnector3">
             <a:avLst>
@@ -9856,8 +9898,8 @@
         </p:nvCxnSpPr>
         <p:spPr>
           <a:xfrm rot="5400000">
-            <a:off x="18860460" y="1847627"/>
-            <a:ext cx="2420703" cy="2852232"/>
+            <a:off x="18930251" y="2172710"/>
+            <a:ext cx="2675994" cy="2457359"/>
           </a:xfrm>
           <a:prstGeom prst="curvedConnector3">
             <a:avLst>
@@ -10938,7 +10980,7 @@
         </p:nvSpPr>
         <p:spPr>
           <a:xfrm>
-            <a:off x="12944496" y="6100983"/>
+            <a:off x="12590730" y="6287223"/>
             <a:ext cx="1045567" cy="418274"/>
           </a:xfrm>
           <a:prstGeom prst="roundRect">
@@ -11011,7 +11053,7 @@
         </p:nvCxnSpPr>
         <p:spPr>
           <a:xfrm rot="16200000" flipH="1">
-            <a:off x="13193280" y="5826983"/>
+            <a:off x="12839514" y="6013223"/>
             <a:ext cx="543174" cy="4825"/>
           </a:xfrm>
           <a:prstGeom prst="curvedConnector3">
@@ -11050,7 +11092,7 @@
         </p:nvSpPr>
         <p:spPr>
           <a:xfrm>
-            <a:off x="14382740" y="6035887"/>
+            <a:off x="14028974" y="6222127"/>
             <a:ext cx="1045567" cy="418274"/>
           </a:xfrm>
           <a:prstGeom prst="roundRect">
@@ -11123,7 +11165,7 @@
         </p:nvCxnSpPr>
         <p:spPr>
           <a:xfrm rot="16200000" flipH="1">
-            <a:off x="14666345" y="5796707"/>
+            <a:off x="14312579" y="5982947"/>
             <a:ext cx="459953" cy="18405"/>
           </a:xfrm>
           <a:prstGeom prst="curvedConnector3">
@@ -11453,7 +11495,7 @@
         </p:nvSpPr>
         <p:spPr>
           <a:xfrm>
-            <a:off x="10681398" y="5202688"/>
+            <a:off x="10327632" y="5388928"/>
             <a:ext cx="1045567" cy="418274"/>
           </a:xfrm>
           <a:prstGeom prst="roundRect">
@@ -11521,8 +11563,8 @@
         </p:nvCxnSpPr>
         <p:spPr>
           <a:xfrm rot="5400000">
-            <a:off x="11799637" y="3388559"/>
-            <a:ext cx="1218675" cy="2409583"/>
+            <a:off x="11517456" y="3918391"/>
+            <a:ext cx="803497" cy="2137576"/>
           </a:xfrm>
           <a:prstGeom prst="curvedConnector3">
             <a:avLst>
@@ -11560,7 +11602,7 @@
         </p:nvSpPr>
         <p:spPr>
           <a:xfrm>
-            <a:off x="9955262" y="6036330"/>
+            <a:off x="9582793" y="6156633"/>
             <a:ext cx="1045567" cy="418274"/>
           </a:xfrm>
           <a:prstGeom prst="roundRect">
@@ -11629,7 +11671,7 @@
         </p:nvSpPr>
         <p:spPr>
           <a:xfrm>
-            <a:off x="11209330" y="6044057"/>
+            <a:off x="11002632" y="6127697"/>
             <a:ext cx="1045567" cy="418274"/>
           </a:xfrm>
           <a:prstGeom prst="roundRect">
@@ -11702,8 +11744,8 @@
         </p:nvCxnSpPr>
         <p:spPr>
           <a:xfrm rot="5400000">
-            <a:off x="10633430" y="5465578"/>
-            <a:ext cx="415368" cy="726136"/>
+            <a:off x="10303282" y="5609498"/>
+            <a:ext cx="349431" cy="744839"/>
           </a:xfrm>
           <a:prstGeom prst="curvedConnector3">
             <a:avLst>
@@ -11745,8 +11787,8 @@
         </p:nvCxnSpPr>
         <p:spPr>
           <a:xfrm rot="16200000" flipH="1">
-            <a:off x="11256601" y="5568543"/>
-            <a:ext cx="423095" cy="527932"/>
+            <a:off x="11027669" y="5629949"/>
+            <a:ext cx="320495" cy="675000"/>
           </a:xfrm>
           <a:prstGeom prst="curvedConnector3">
             <a:avLst>
@@ -12535,7 +12577,7 @@
         </p:nvSpPr>
         <p:spPr>
           <a:xfrm>
-            <a:off x="15548023" y="4611545"/>
+            <a:off x="14905409" y="4430812"/>
             <a:ext cx="1045567" cy="418274"/>
           </a:xfrm>
           <a:prstGeom prst="roundRect">
@@ -12549,7 +12591,7 @@
           </a:solidFill>
           <a:ln w="38100">
             <a:solidFill>
-              <a:schemeClr val="accent4"/>
+              <a:srgbClr val="C00000"/>
             </a:solidFill>
           </a:ln>
         </p:spPr>
@@ -12585,7 +12627,7 @@
                 <a:ea typeface="Palatino" pitchFamily="2" charset="77"/>
                 <a:cs typeface="Baloo 2" panose="03080502040302020200" pitchFamily="66" charset="77"/>
               </a:rPr>
-              <a:t>PICK UP MECHANIC</a:t>
+              <a:t>TEXT</a:t>
             </a:r>
           </a:p>
         </p:txBody>
@@ -12702,6 +12744,75 @@
           </a:fontRef>
         </p:style>
       </p:cxnSp>
+      <p:sp>
+        <p:nvSpPr>
+          <p:cNvPr id="1733" name="Rounded Rectangle 1732">
+            <a:extLst>
+              <a:ext uri="{FF2B5EF4-FFF2-40B4-BE49-F238E27FC236}">
+                <a16:creationId xmlns:a16="http://schemas.microsoft.com/office/drawing/2014/main" id="{AFCD309E-1C23-7719-A1EE-5932FD6C6532}"/>
+              </a:ext>
+            </a:extLst>
+          </p:cNvPr>
+          <p:cNvSpPr/>
+          <p:nvPr/>
+        </p:nvSpPr>
+        <p:spPr>
+          <a:xfrm>
+            <a:off x="16429215" y="4452593"/>
+            <a:ext cx="1045567" cy="418274"/>
+          </a:xfrm>
+          <a:prstGeom prst="roundRect">
+            <a:avLst/>
+          </a:prstGeom>
+          <a:solidFill>
+            <a:schemeClr val="accent6">
+              <a:lumMod val="40000"/>
+              <a:lumOff val="60000"/>
+            </a:schemeClr>
+          </a:solidFill>
+          <a:ln w="38100">
+            <a:solidFill>
+              <a:srgbClr val="C00000"/>
+            </a:solidFill>
+          </a:ln>
+        </p:spPr>
+        <p:style>
+          <a:lnRef idx="2">
+            <a:schemeClr val="accent1">
+              <a:shade val="15000"/>
+            </a:schemeClr>
+          </a:lnRef>
+          <a:fillRef idx="1">
+            <a:schemeClr val="accent1"/>
+          </a:fillRef>
+          <a:effectRef idx="0">
+            <a:schemeClr val="accent1"/>
+          </a:effectRef>
+          <a:fontRef idx="minor">
+            <a:schemeClr val="lt1"/>
+          </a:fontRef>
+        </p:style>
+        <p:txBody>
+          <a:bodyPr rtlCol="0" anchor="ctr"/>
+          <a:lstStyle/>
+          <a:p>
+            <a:pPr algn="ctr"/>
+            <a:r>
+              <a:rPr lang="en-CH" sz="1100" dirty="0">
+                <a:solidFill>
+                  <a:schemeClr val="accent5">
+                    <a:lumMod val="50000"/>
+                  </a:schemeClr>
+                </a:solidFill>
+                <a:latin typeface="Baloo 2" panose="03080502040302020200" pitchFamily="66" charset="77"/>
+                <a:ea typeface="Palatino" pitchFamily="2" charset="77"/>
+                <a:cs typeface="Baloo 2" panose="03080502040302020200" pitchFamily="66" charset="77"/>
+              </a:rPr>
+              <a:t>DIFFERENT STATES</a:t>
+            </a:r>
+          </a:p>
+        </p:txBody>
+      </p:sp>
     </p:spTree>
     <p:extLst>
       <p:ext uri="{BB962C8B-B14F-4D97-AF65-F5344CB8AC3E}">

--- a/Design Documents/Systems.pptx
+++ b/Design Documents/Systems.pptx
@@ -12813,6 +12813,51 @@
           </a:p>
         </p:txBody>
       </p:sp>
+      <p:sp>
+        <p:nvSpPr>
+          <p:cNvPr id="1764" name="TextBox 1763">
+            <a:extLst>
+              <a:ext uri="{FF2B5EF4-FFF2-40B4-BE49-F238E27FC236}">
+                <a16:creationId xmlns:a16="http://schemas.microsoft.com/office/drawing/2014/main" id="{9FFF29F7-2B2F-51F6-E7F2-5C894616F2D5}"/>
+              </a:ext>
+            </a:extLst>
+          </p:cNvPr>
+          <p:cNvSpPr txBox="1"/>
+          <p:nvPr/>
+        </p:nvSpPr>
+        <p:spPr>
+          <a:xfrm rot="1271390">
+            <a:off x="11003639" y="3338359"/>
+            <a:ext cx="15164921" cy="1569660"/>
+          </a:xfrm>
+          <a:prstGeom prst="rect">
+            <a:avLst/>
+          </a:prstGeom>
+          <a:solidFill>
+            <a:schemeClr val="accent4">
+              <a:alpha val="75000"/>
+            </a:schemeClr>
+          </a:solidFill>
+        </p:spPr>
+        <p:txBody>
+          <a:bodyPr wrap="none" rtlCol="0">
+            <a:spAutoFit/>
+          </a:bodyPr>
+          <a:lstStyle/>
+          <a:p>
+            <a:r>
+              <a:rPr lang="en-CH" sz="9600" b="1" dirty="0">
+                <a:solidFill>
+                  <a:srgbClr val="C00000">
+                    <a:alpha val="30827"/>
+                  </a:srgbClr>
+                </a:solidFill>
+              </a:rPr>
+              <a:t>OBSOLETE. SEE GDD INSTEAD</a:t>
+            </a:r>
+          </a:p>
+        </p:txBody>
+      </p:sp>
     </p:spTree>
     <p:extLst>
       <p:ext uri="{BB962C8B-B14F-4D97-AF65-F5344CB8AC3E}">
